--- a/project-proposal/proposal.pptx
+++ b/project-proposal/proposal.pptx
@@ -16,7 +16,7 @@
     <p:sldId id="261" r:id="rId7"/>
     <p:sldId id="262" r:id="rId8"/>
     <p:sldId id="263" r:id="rId9"/>
-    <p:sldId id="264" r:id="rId10"/>
+    <p:sldId id="274" r:id="rId10"/>
     <p:sldId id="265" r:id="rId11"/>
     <p:sldId id="266" r:id="rId12"/>
     <p:sldId id="267" r:id="rId13"/>
@@ -212,7 +212,7 @@
           <a:p>
             <a:fld id="{1DE97BBD-4E4A-4F3A-A41E-252969D0A697}" type="datetimeFigureOut">
               <a:rPr lang="en-US" smtClean="0"/>
-              <a:t>8/5/2025</a:t>
+              <a:t>8/7/2025</a:t>
             </a:fld>
             <a:endParaRPr lang="en-US"/>
           </a:p>
@@ -1537,7 +1537,7 @@
           <a:p>
             <a:fld id="{84D693F1-5C69-4659-AC2D-3B8B20F1BBBB}" type="datetimeFigureOut">
               <a:rPr lang="en-US" smtClean="0"/>
-              <a:t>8/5/2025</a:t>
+              <a:t>8/7/2025</a:t>
             </a:fld>
             <a:endParaRPr lang="en-US"/>
           </a:p>
@@ -1788,7 +1788,7 @@
           <a:p>
             <a:fld id="{84D693F1-5C69-4659-AC2D-3B8B20F1BBBB}" type="datetimeFigureOut">
               <a:rPr lang="en-US" smtClean="0"/>
-              <a:t>8/5/2025</a:t>
+              <a:t>8/7/2025</a:t>
             </a:fld>
             <a:endParaRPr lang="en-US"/>
           </a:p>
@@ -2102,7 +2102,7 @@
           <a:p>
             <a:fld id="{84D693F1-5C69-4659-AC2D-3B8B20F1BBBB}" type="datetimeFigureOut">
               <a:rPr lang="en-US" smtClean="0"/>
-              <a:t>8/5/2025</a:t>
+              <a:t>8/7/2025</a:t>
             </a:fld>
             <a:endParaRPr lang="en-US"/>
           </a:p>
@@ -2443,7 +2443,7 @@
           <a:p>
             <a:fld id="{84D693F1-5C69-4659-AC2D-3B8B20F1BBBB}" type="datetimeFigureOut">
               <a:rPr lang="en-US" smtClean="0"/>
-              <a:t>8/5/2025</a:t>
+              <a:t>8/7/2025</a:t>
             </a:fld>
             <a:endParaRPr lang="en-US"/>
           </a:p>
@@ -2757,7 +2757,7 @@
           <a:p>
             <a:fld id="{84D693F1-5C69-4659-AC2D-3B8B20F1BBBB}" type="datetimeFigureOut">
               <a:rPr lang="en-US" smtClean="0"/>
-              <a:t>8/5/2025</a:t>
+              <a:t>8/7/2025</a:t>
             </a:fld>
             <a:endParaRPr lang="en-US"/>
           </a:p>
@@ -3150,7 +3150,7 @@
           <a:p>
             <a:fld id="{84D693F1-5C69-4659-AC2D-3B8B20F1BBBB}" type="datetimeFigureOut">
               <a:rPr lang="en-US" smtClean="0"/>
-              <a:t>8/5/2025</a:t>
+              <a:t>8/7/2025</a:t>
             </a:fld>
             <a:endParaRPr lang="en-US"/>
           </a:p>
@@ -3320,7 +3320,7 @@
           <a:p>
             <a:fld id="{84D693F1-5C69-4659-AC2D-3B8B20F1BBBB}" type="datetimeFigureOut">
               <a:rPr lang="en-US" smtClean="0"/>
-              <a:t>8/5/2025</a:t>
+              <a:t>8/7/2025</a:t>
             </a:fld>
             <a:endParaRPr lang="en-US"/>
           </a:p>
@@ -3500,7 +3500,7 @@
           <a:p>
             <a:fld id="{84D693F1-5C69-4659-AC2D-3B8B20F1BBBB}" type="datetimeFigureOut">
               <a:rPr lang="en-US" smtClean="0"/>
-              <a:t>8/5/2025</a:t>
+              <a:t>8/7/2025</a:t>
             </a:fld>
             <a:endParaRPr lang="en-US"/>
           </a:p>
@@ -3676,7 +3676,7 @@
           <a:p>
             <a:fld id="{84D693F1-5C69-4659-AC2D-3B8B20F1BBBB}" type="datetimeFigureOut">
               <a:rPr lang="en-US" smtClean="0"/>
-              <a:t>8/5/2025</a:t>
+              <a:t>8/7/2025</a:t>
             </a:fld>
             <a:endParaRPr lang="en-US"/>
           </a:p>
@@ -3923,7 +3923,7 @@
           <a:p>
             <a:fld id="{84D693F1-5C69-4659-AC2D-3B8B20F1BBBB}" type="datetimeFigureOut">
               <a:rPr lang="en-US" smtClean="0"/>
-              <a:t>8/5/2025</a:t>
+              <a:t>8/7/2025</a:t>
             </a:fld>
             <a:endParaRPr lang="en-US"/>
           </a:p>
@@ -4155,7 +4155,7 @@
           <a:p>
             <a:fld id="{84D693F1-5C69-4659-AC2D-3B8B20F1BBBB}" type="datetimeFigureOut">
               <a:rPr lang="en-US" smtClean="0"/>
-              <a:t>8/5/2025</a:t>
+              <a:t>8/7/2025</a:t>
             </a:fld>
             <a:endParaRPr lang="en-US"/>
           </a:p>
@@ -4529,7 +4529,7 @@
           <a:p>
             <a:fld id="{84D693F1-5C69-4659-AC2D-3B8B20F1BBBB}" type="datetimeFigureOut">
               <a:rPr lang="en-US" smtClean="0"/>
-              <a:t>8/5/2025</a:t>
+              <a:t>8/7/2025</a:t>
             </a:fld>
             <a:endParaRPr lang="en-US"/>
           </a:p>
@@ -4652,7 +4652,7 @@
           <a:p>
             <a:fld id="{84D693F1-5C69-4659-AC2D-3B8B20F1BBBB}" type="datetimeFigureOut">
               <a:rPr lang="en-US" smtClean="0"/>
-              <a:t>8/5/2025</a:t>
+              <a:t>8/7/2025</a:t>
             </a:fld>
             <a:endParaRPr lang="en-US"/>
           </a:p>
@@ -4747,7 +4747,7 @@
           <a:p>
             <a:fld id="{84D693F1-5C69-4659-AC2D-3B8B20F1BBBB}" type="datetimeFigureOut">
               <a:rPr lang="en-US" smtClean="0"/>
-              <a:t>8/5/2025</a:t>
+              <a:t>8/7/2025</a:t>
             </a:fld>
             <a:endParaRPr lang="en-US"/>
           </a:p>
@@ -5002,7 +5002,7 @@
           <a:p>
             <a:fld id="{84D693F1-5C69-4659-AC2D-3B8B20F1BBBB}" type="datetimeFigureOut">
               <a:rPr lang="en-US" smtClean="0"/>
-              <a:t>8/5/2025</a:t>
+              <a:t>8/7/2025</a:t>
             </a:fld>
             <a:endParaRPr lang="en-US"/>
           </a:p>
@@ -5265,7 +5265,7 @@
           <a:p>
             <a:fld id="{84D693F1-5C69-4659-AC2D-3B8B20F1BBBB}" type="datetimeFigureOut">
               <a:rPr lang="en-US" smtClean="0"/>
-              <a:t>8/5/2025</a:t>
+              <a:t>8/7/2025</a:t>
             </a:fld>
             <a:endParaRPr lang="en-US"/>
           </a:p>
@@ -6008,7 +6008,7 @@
           <a:p>
             <a:fld id="{84D693F1-5C69-4659-AC2D-3B8B20F1BBBB}" type="datetimeFigureOut">
               <a:rPr lang="en-US" smtClean="0"/>
-              <a:t>8/5/2025</a:t>
+              <a:t>8/7/2025</a:t>
             </a:fld>
             <a:endParaRPr lang="en-US"/>
           </a:p>
@@ -6624,8 +6624,8 @@
         </p:blipFill>
         <p:spPr>
           <a:xfrm>
-            <a:off x="914401" y="1763487"/>
-            <a:ext cx="10439400" cy="4571999"/>
+            <a:off x="3086102" y="1763487"/>
+            <a:ext cx="6095998" cy="4571999"/>
           </a:xfrm>
         </p:spPr>
       </p:pic>
@@ -6643,8 +6643,8 @@
         </p:nvSpPr>
         <p:spPr>
           <a:xfrm>
-            <a:off x="3517641" y="6192356"/>
-            <a:ext cx="6514128" cy="230832"/>
+            <a:off x="3086102" y="6335486"/>
+            <a:ext cx="6095998" cy="230832"/>
           </a:xfrm>
           <a:prstGeom prst="rect">
             <a:avLst/>
@@ -6659,7 +6659,7 @@
           <a:p>
             <a:r>
               <a:rPr lang="en-US" sz="900">
-                <a:hlinkClick r:id="rId3" tooltip="https://www.entsportslawjournal.com/article/doi/10.16997/eslj.1/"/>
+                <a:hlinkClick r:id="rId3" tooltip="https://opensource.hk/hkoscon-2015-statistics-attendance/"/>
               </a:rPr>
               <a:t>This Photo</a:t>
             </a:r>
@@ -6669,9 +6669,9 @@
             </a:r>
             <a:r>
               <a:rPr lang="en-US" sz="900">
-                <a:hlinkClick r:id="rId4" tooltip="https://creativecommons.org/licenses/by/3.0/"/>
-              </a:rPr>
-              <a:t>CC BY</a:t>
+                <a:hlinkClick r:id="rId4" tooltip="https://creativecommons.org/licenses/by-sa/3.0/"/>
+              </a:rPr>
+              <a:t>CC BY-SA</a:t>
             </a:r>
             <a:endParaRPr lang="en-US" sz="900"/>
           </a:p>
@@ -12570,10 +12570,81 @@
           <a:chExt cx="0" cy="0"/>
         </a:xfrm>
       </p:grpSpPr>
+      <p:pic>
+        <p:nvPicPr>
+          <p:cNvPr id="2" name="Picture 1">
+            <a:extLst>
+              <a:ext uri="{FF2B5EF4-FFF2-40B4-BE49-F238E27FC236}">
+                <a16:creationId xmlns:a16="http://schemas.microsoft.com/office/drawing/2014/main" id="{FAD6B939-5066-48F5-8D78-07AFCB6ADA0E}"/>
+              </a:ext>
+            </a:extLst>
+          </p:cNvPr>
+          <p:cNvPicPr>
+            <a:picLocks noChangeAspect="1"/>
+          </p:cNvPicPr>
+          <p:nvPr/>
+        </p:nvPicPr>
+        <p:blipFill>
+          <a:blip r:embed="rId2"/>
+          <a:stretch>
+            <a:fillRect/>
+          </a:stretch>
+        </p:blipFill>
+        <p:spPr>
+          <a:xfrm>
+            <a:off x="353961" y="584775"/>
+            <a:ext cx="9822426" cy="5952436"/>
+          </a:xfrm>
+          <a:prstGeom prst="rect">
+            <a:avLst/>
+          </a:prstGeom>
+        </p:spPr>
+      </p:pic>
+      <p:sp>
+        <p:nvSpPr>
+          <p:cNvPr id="3" name="TextBox 2">
+            <a:extLst>
+              <a:ext uri="{FF2B5EF4-FFF2-40B4-BE49-F238E27FC236}">
+                <a16:creationId xmlns:a16="http://schemas.microsoft.com/office/drawing/2014/main" id="{04A8D87D-F687-4973-B687-F08CD81E2671}"/>
+              </a:ext>
+            </a:extLst>
+          </p:cNvPr>
+          <p:cNvSpPr txBox="1"/>
+          <p:nvPr/>
+        </p:nvSpPr>
+        <p:spPr>
+          <a:xfrm>
+            <a:off x="353961" y="-1"/>
+            <a:ext cx="9822427" cy="584775"/>
+          </a:xfrm>
+          <a:prstGeom prst="rect">
+            <a:avLst/>
+          </a:prstGeom>
+          <a:noFill/>
+        </p:spPr>
+        <p:txBody>
+          <a:bodyPr wrap="square" rtlCol="0">
+            <a:spAutoFit/>
+          </a:bodyPr>
+          <a:lstStyle/>
+          <a:p>
+            <a:r>
+              <a:rPr lang="en-US" sz="3200" dirty="0">
+                <a:solidFill>
+                  <a:schemeClr val="accent5">
+                    <a:lumMod val="75000"/>
+                  </a:schemeClr>
+                </a:solidFill>
+              </a:rPr>
+              <a:t>                              ERD Diagram</a:t>
+            </a:r>
+          </a:p>
+        </p:txBody>
+      </p:sp>
     </p:spTree>
     <p:extLst>
       <p:ext uri="{BB962C8B-B14F-4D97-AF65-F5344CB8AC3E}">
-        <p14:creationId xmlns:p14="http://schemas.microsoft.com/office/powerpoint/2010/main" val="2294868156"/>
+        <p14:creationId xmlns:p14="http://schemas.microsoft.com/office/powerpoint/2010/main" val="2155983089"/>
       </p:ext>
     </p:extLst>
   </p:cSld>

--- a/project-proposal/proposal.pptx
+++ b/project-proposal/proposal.pptx
@@ -5,7 +5,7 @@
     <p:sldMasterId id="2147483713" r:id="rId1"/>
   </p:sldMasterIdLst>
   <p:notesMasterIdLst>
-    <p:notesMasterId r:id="rId18"/>
+    <p:notesMasterId r:id="rId19"/>
   </p:notesMasterIdLst>
   <p:sldIdLst>
     <p:sldId id="256" r:id="rId2"/>
@@ -16,14 +16,15 @@
     <p:sldId id="261" r:id="rId7"/>
     <p:sldId id="262" r:id="rId8"/>
     <p:sldId id="263" r:id="rId9"/>
-    <p:sldId id="274" r:id="rId10"/>
-    <p:sldId id="265" r:id="rId11"/>
-    <p:sldId id="266" r:id="rId12"/>
-    <p:sldId id="267" r:id="rId13"/>
-    <p:sldId id="268" r:id="rId14"/>
-    <p:sldId id="269" r:id="rId15"/>
-    <p:sldId id="270" r:id="rId16"/>
-    <p:sldId id="271" r:id="rId17"/>
+    <p:sldId id="275" r:id="rId10"/>
+    <p:sldId id="274" r:id="rId11"/>
+    <p:sldId id="265" r:id="rId12"/>
+    <p:sldId id="266" r:id="rId13"/>
+    <p:sldId id="267" r:id="rId14"/>
+    <p:sldId id="268" r:id="rId15"/>
+    <p:sldId id="269" r:id="rId16"/>
+    <p:sldId id="270" r:id="rId17"/>
+    <p:sldId id="271" r:id="rId18"/>
   </p:sldIdLst>
   <p:sldSz cx="12192000" cy="6858000"/>
   <p:notesSz cx="6858000" cy="9144000"/>
@@ -212,7 +213,7 @@
           <a:p>
             <a:fld id="{1DE97BBD-4E4A-4F3A-A41E-252969D0A697}" type="datetimeFigureOut">
               <a:rPr lang="en-US" smtClean="0"/>
-              <a:t>8/7/2025</a:t>
+              <a:t>8/8/2025</a:t>
             </a:fld>
             <a:endParaRPr lang="en-US"/>
           </a:p>
@@ -628,7 +629,7 @@
           <a:p>
             <a:fld id="{AFCFBD5B-9DF1-4B1C-8BF4-F8E582DD7217}" type="slidenum">
               <a:rPr lang="en-US" smtClean="0"/>
-              <a:t>10</a:t>
+              <a:t>11</a:t>
             </a:fld>
             <a:endParaRPr lang="en-US"/>
           </a:p>
@@ -712,7 +713,7 @@
           <a:p>
             <a:fld id="{AFCFBD5B-9DF1-4B1C-8BF4-F8E582DD7217}" type="slidenum">
               <a:rPr lang="en-US" smtClean="0"/>
-              <a:t>11</a:t>
+              <a:t>12</a:t>
             </a:fld>
             <a:endParaRPr lang="en-US"/>
           </a:p>
@@ -796,7 +797,7 @@
           <a:p>
             <a:fld id="{AFCFBD5B-9DF1-4B1C-8BF4-F8E582DD7217}" type="slidenum">
               <a:rPr lang="en-US" smtClean="0"/>
-              <a:t>13</a:t>
+              <a:t>14</a:t>
             </a:fld>
             <a:endParaRPr lang="en-US"/>
           </a:p>
@@ -1537,7 +1538,7 @@
           <a:p>
             <a:fld id="{84D693F1-5C69-4659-AC2D-3B8B20F1BBBB}" type="datetimeFigureOut">
               <a:rPr lang="en-US" smtClean="0"/>
-              <a:t>8/7/2025</a:t>
+              <a:t>8/8/2025</a:t>
             </a:fld>
             <a:endParaRPr lang="en-US"/>
           </a:p>
@@ -1788,7 +1789,7 @@
           <a:p>
             <a:fld id="{84D693F1-5C69-4659-AC2D-3B8B20F1BBBB}" type="datetimeFigureOut">
               <a:rPr lang="en-US" smtClean="0"/>
-              <a:t>8/7/2025</a:t>
+              <a:t>8/8/2025</a:t>
             </a:fld>
             <a:endParaRPr lang="en-US"/>
           </a:p>
@@ -2102,7 +2103,7 @@
           <a:p>
             <a:fld id="{84D693F1-5C69-4659-AC2D-3B8B20F1BBBB}" type="datetimeFigureOut">
               <a:rPr lang="en-US" smtClean="0"/>
-              <a:t>8/7/2025</a:t>
+              <a:t>8/8/2025</a:t>
             </a:fld>
             <a:endParaRPr lang="en-US"/>
           </a:p>
@@ -2443,7 +2444,7 @@
           <a:p>
             <a:fld id="{84D693F1-5C69-4659-AC2D-3B8B20F1BBBB}" type="datetimeFigureOut">
               <a:rPr lang="en-US" smtClean="0"/>
-              <a:t>8/7/2025</a:t>
+              <a:t>8/8/2025</a:t>
             </a:fld>
             <a:endParaRPr lang="en-US"/>
           </a:p>
@@ -2757,7 +2758,7 @@
           <a:p>
             <a:fld id="{84D693F1-5C69-4659-AC2D-3B8B20F1BBBB}" type="datetimeFigureOut">
               <a:rPr lang="en-US" smtClean="0"/>
-              <a:t>8/7/2025</a:t>
+              <a:t>8/8/2025</a:t>
             </a:fld>
             <a:endParaRPr lang="en-US"/>
           </a:p>
@@ -3150,7 +3151,7 @@
           <a:p>
             <a:fld id="{84D693F1-5C69-4659-AC2D-3B8B20F1BBBB}" type="datetimeFigureOut">
               <a:rPr lang="en-US" smtClean="0"/>
-              <a:t>8/7/2025</a:t>
+              <a:t>8/8/2025</a:t>
             </a:fld>
             <a:endParaRPr lang="en-US"/>
           </a:p>
@@ -3320,7 +3321,7 @@
           <a:p>
             <a:fld id="{84D693F1-5C69-4659-AC2D-3B8B20F1BBBB}" type="datetimeFigureOut">
               <a:rPr lang="en-US" smtClean="0"/>
-              <a:t>8/7/2025</a:t>
+              <a:t>8/8/2025</a:t>
             </a:fld>
             <a:endParaRPr lang="en-US"/>
           </a:p>
@@ -3500,7 +3501,7 @@
           <a:p>
             <a:fld id="{84D693F1-5C69-4659-AC2D-3B8B20F1BBBB}" type="datetimeFigureOut">
               <a:rPr lang="en-US" smtClean="0"/>
-              <a:t>8/7/2025</a:t>
+              <a:t>8/8/2025</a:t>
             </a:fld>
             <a:endParaRPr lang="en-US"/>
           </a:p>
@@ -3676,7 +3677,7 @@
           <a:p>
             <a:fld id="{84D693F1-5C69-4659-AC2D-3B8B20F1BBBB}" type="datetimeFigureOut">
               <a:rPr lang="en-US" smtClean="0"/>
-              <a:t>8/7/2025</a:t>
+              <a:t>8/8/2025</a:t>
             </a:fld>
             <a:endParaRPr lang="en-US"/>
           </a:p>
@@ -3923,7 +3924,7 @@
           <a:p>
             <a:fld id="{84D693F1-5C69-4659-AC2D-3B8B20F1BBBB}" type="datetimeFigureOut">
               <a:rPr lang="en-US" smtClean="0"/>
-              <a:t>8/7/2025</a:t>
+              <a:t>8/8/2025</a:t>
             </a:fld>
             <a:endParaRPr lang="en-US"/>
           </a:p>
@@ -4155,7 +4156,7 @@
           <a:p>
             <a:fld id="{84D693F1-5C69-4659-AC2D-3B8B20F1BBBB}" type="datetimeFigureOut">
               <a:rPr lang="en-US" smtClean="0"/>
-              <a:t>8/7/2025</a:t>
+              <a:t>8/8/2025</a:t>
             </a:fld>
             <a:endParaRPr lang="en-US"/>
           </a:p>
@@ -4529,7 +4530,7 @@
           <a:p>
             <a:fld id="{84D693F1-5C69-4659-AC2D-3B8B20F1BBBB}" type="datetimeFigureOut">
               <a:rPr lang="en-US" smtClean="0"/>
-              <a:t>8/7/2025</a:t>
+              <a:t>8/8/2025</a:t>
             </a:fld>
             <a:endParaRPr lang="en-US"/>
           </a:p>
@@ -4652,7 +4653,7 @@
           <a:p>
             <a:fld id="{84D693F1-5C69-4659-AC2D-3B8B20F1BBBB}" type="datetimeFigureOut">
               <a:rPr lang="en-US" smtClean="0"/>
-              <a:t>8/7/2025</a:t>
+              <a:t>8/8/2025</a:t>
             </a:fld>
             <a:endParaRPr lang="en-US"/>
           </a:p>
@@ -4747,7 +4748,7 @@
           <a:p>
             <a:fld id="{84D693F1-5C69-4659-AC2D-3B8B20F1BBBB}" type="datetimeFigureOut">
               <a:rPr lang="en-US" smtClean="0"/>
-              <a:t>8/7/2025</a:t>
+              <a:t>8/8/2025</a:t>
             </a:fld>
             <a:endParaRPr lang="en-US"/>
           </a:p>
@@ -5002,7 +5003,7 @@
           <a:p>
             <a:fld id="{84D693F1-5C69-4659-AC2D-3B8B20F1BBBB}" type="datetimeFigureOut">
               <a:rPr lang="en-US" smtClean="0"/>
-              <a:t>8/7/2025</a:t>
+              <a:t>8/8/2025</a:t>
             </a:fld>
             <a:endParaRPr lang="en-US"/>
           </a:p>
@@ -5265,7 +5266,7 @@
           <a:p>
             <a:fld id="{84D693F1-5C69-4659-AC2D-3B8B20F1BBBB}" type="datetimeFigureOut">
               <a:rPr lang="en-US" smtClean="0"/>
-              <a:t>8/7/2025</a:t>
+              <a:t>8/8/2025</a:t>
             </a:fld>
             <a:endParaRPr lang="en-US"/>
           </a:p>
@@ -6008,7 +6009,7 @@
           <a:p>
             <a:fld id="{84D693F1-5C69-4659-AC2D-3B8B20F1BBBB}" type="datetimeFigureOut">
               <a:rPr lang="en-US" smtClean="0"/>
-              <a:t>8/7/2025</a:t>
+              <a:t>8/8/2025</a:t>
             </a:fld>
             <a:endParaRPr lang="en-US"/>
           </a:p>
@@ -6707,6 +6708,107 @@
           <a:chExt cx="0" cy="0"/>
         </a:xfrm>
       </p:grpSpPr>
+      <p:pic>
+        <p:nvPicPr>
+          <p:cNvPr id="2" name="Picture 1">
+            <a:extLst>
+              <a:ext uri="{FF2B5EF4-FFF2-40B4-BE49-F238E27FC236}">
+                <a16:creationId xmlns:a16="http://schemas.microsoft.com/office/drawing/2014/main" id="{FAD6B939-5066-48F5-8D78-07AFCB6ADA0E}"/>
+              </a:ext>
+            </a:extLst>
+          </p:cNvPr>
+          <p:cNvPicPr>
+            <a:picLocks noChangeAspect="1"/>
+          </p:cNvPicPr>
+          <p:nvPr/>
+        </p:nvPicPr>
+        <p:blipFill>
+          <a:blip r:embed="rId2"/>
+          <a:stretch>
+            <a:fillRect/>
+          </a:stretch>
+        </p:blipFill>
+        <p:spPr>
+          <a:xfrm>
+            <a:off x="353961" y="584775"/>
+            <a:ext cx="9822426" cy="5952436"/>
+          </a:xfrm>
+          <a:prstGeom prst="rect">
+            <a:avLst/>
+          </a:prstGeom>
+        </p:spPr>
+      </p:pic>
+      <p:sp>
+        <p:nvSpPr>
+          <p:cNvPr id="3" name="TextBox 2">
+            <a:extLst>
+              <a:ext uri="{FF2B5EF4-FFF2-40B4-BE49-F238E27FC236}">
+                <a16:creationId xmlns:a16="http://schemas.microsoft.com/office/drawing/2014/main" id="{04A8D87D-F687-4973-B687-F08CD81E2671}"/>
+              </a:ext>
+            </a:extLst>
+          </p:cNvPr>
+          <p:cNvSpPr txBox="1"/>
+          <p:nvPr/>
+        </p:nvSpPr>
+        <p:spPr>
+          <a:xfrm>
+            <a:off x="353961" y="-1"/>
+            <a:ext cx="9822427" cy="584775"/>
+          </a:xfrm>
+          <a:prstGeom prst="rect">
+            <a:avLst/>
+          </a:prstGeom>
+          <a:noFill/>
+        </p:spPr>
+        <p:txBody>
+          <a:bodyPr wrap="square" rtlCol="0">
+            <a:spAutoFit/>
+          </a:bodyPr>
+          <a:lstStyle/>
+          <a:p>
+            <a:r>
+              <a:rPr lang="en-US" sz="3200" dirty="0">
+                <a:solidFill>
+                  <a:schemeClr val="accent5">
+                    <a:lumMod val="75000"/>
+                  </a:schemeClr>
+                </a:solidFill>
+              </a:rPr>
+              <a:t>                              ERD Diagram</a:t>
+            </a:r>
+          </a:p>
+        </p:txBody>
+      </p:sp>
+    </p:spTree>
+    <p:extLst>
+      <p:ext uri="{BB962C8B-B14F-4D97-AF65-F5344CB8AC3E}">
+        <p14:creationId xmlns:p14="http://schemas.microsoft.com/office/powerpoint/2010/main" val="2155983089"/>
+      </p:ext>
+    </p:extLst>
+  </p:cSld>
+  <p:clrMapOvr>
+    <a:masterClrMapping/>
+  </p:clrMapOvr>
+</p:sld>
+</file>
+
+<file path=ppt/slides/slide11.xml><?xml version="1.0" encoding="utf-8"?>
+<p:sld xmlns:a="http://schemas.openxmlformats.org/drawingml/2006/main" xmlns:r="http://schemas.openxmlformats.org/officeDocument/2006/relationships" xmlns:p="http://schemas.openxmlformats.org/presentationml/2006/main">
+  <p:cSld>
+    <p:spTree>
+      <p:nvGrpSpPr>
+        <p:cNvPr id="1" name=""/>
+        <p:cNvGrpSpPr/>
+        <p:nvPr/>
+      </p:nvGrpSpPr>
+      <p:grpSpPr>
+        <a:xfrm>
+          <a:off x="0" y="0"/>
+          <a:ext cx="0" cy="0"/>
+          <a:chOff x="0" y="0"/>
+          <a:chExt cx="0" cy="0"/>
+        </a:xfrm>
+      </p:grpSpPr>
       <p:sp>
         <p:nvSpPr>
           <p:cNvPr id="2" name="Title 1">
@@ -7139,7 +7241,7 @@
 </p:sld>
 </file>
 
-<file path=ppt/slides/slide11.xml><?xml version="1.0" encoding="utf-8"?>
+<file path=ppt/slides/slide12.xml><?xml version="1.0" encoding="utf-8"?>
 <p:sld xmlns:a="http://schemas.openxmlformats.org/drawingml/2006/main" xmlns:r="http://schemas.openxmlformats.org/officeDocument/2006/relationships" xmlns:p="http://schemas.openxmlformats.org/presentationml/2006/main">
   <p:cSld>
     <p:spTree>
@@ -7272,7 +7374,7 @@
 </p:sld>
 </file>
 
-<file path=ppt/slides/slide12.xml><?xml version="1.0" encoding="utf-8"?>
+<file path=ppt/slides/slide13.xml><?xml version="1.0" encoding="utf-8"?>
 <p:sld xmlns:a="http://schemas.openxmlformats.org/drawingml/2006/main" xmlns:r="http://schemas.openxmlformats.org/officeDocument/2006/relationships" xmlns:p="http://schemas.openxmlformats.org/presentationml/2006/main">
   <p:cSld>
     <p:spTree>
@@ -7407,7 +7509,7 @@
 </p:sld>
 </file>
 
-<file path=ppt/slides/slide13.xml><?xml version="1.0" encoding="utf-8"?>
+<file path=ppt/slides/slide14.xml><?xml version="1.0" encoding="utf-8"?>
 <p:sld xmlns:a="http://schemas.openxmlformats.org/drawingml/2006/main" xmlns:r="http://schemas.openxmlformats.org/officeDocument/2006/relationships" xmlns:p="http://schemas.openxmlformats.org/presentationml/2006/main">
   <p:cSld>
     <p:spTree>
@@ -7598,7 +7700,7 @@
 </p:sld>
 </file>
 
-<file path=ppt/slides/slide14.xml><?xml version="1.0" encoding="utf-8"?>
+<file path=ppt/slides/slide15.xml><?xml version="1.0" encoding="utf-8"?>
 <p:sld xmlns:a="http://schemas.openxmlformats.org/drawingml/2006/main" xmlns:r="http://schemas.openxmlformats.org/officeDocument/2006/relationships" xmlns:p="http://schemas.openxmlformats.org/presentationml/2006/main">
   <p:cSld>
     <p:spTree>
@@ -8258,7 +8360,7 @@
 </p:sld>
 </file>
 
-<file path=ppt/slides/slide15.xml><?xml version="1.0" encoding="utf-8"?>
+<file path=ppt/slides/slide16.xml><?xml version="1.0" encoding="utf-8"?>
 <p:sld xmlns:a="http://schemas.openxmlformats.org/drawingml/2006/main" xmlns:r="http://schemas.openxmlformats.org/officeDocument/2006/relationships" xmlns:p="http://schemas.openxmlformats.org/presentationml/2006/main">
   <p:cSld>
     <p:spTree>
@@ -8392,17 +8494,7 @@
                   </a:schemeClr>
                 </a:solidFill>
               </a:rPr>
-              <a:t>HTML5, CSS3, JavaScript, </a:t>
-            </a:r>
-            <a:r>
-              <a:rPr lang="en-US" b="1" dirty="0" err="1">
-                <a:solidFill>
-                  <a:schemeClr val="accent2">
-                    <a:lumMod val="75000"/>
-                  </a:schemeClr>
-                </a:solidFill>
-              </a:rPr>
-              <a:t>Jquery</a:t>
+              <a:t>HTML5, CSS3, JavaScript</a:t>
             </a:r>
             <a:r>
               <a:rPr lang="en-US" dirty="0">
@@ -8570,7 +8662,7 @@
 </p:sld>
 </file>
 
-<file path=ppt/slides/slide16.xml><?xml version="1.0" encoding="utf-8"?>
+<file path=ppt/slides/slide17.xml><?xml version="1.0" encoding="utf-8"?>
 <p:sld xmlns:a="http://schemas.openxmlformats.org/drawingml/2006/main" xmlns:r="http://schemas.openxmlformats.org/officeDocument/2006/relationships" xmlns:p="http://schemas.openxmlformats.org/presentationml/2006/main">
   <p:cSld>
     <p:spTree>
@@ -12572,10 +12664,10 @@
       </p:grpSpPr>
       <p:pic>
         <p:nvPicPr>
-          <p:cNvPr id="2" name="Picture 1">
+          <p:cNvPr id="3" name="Picture 2">
             <a:extLst>
               <a:ext uri="{FF2B5EF4-FFF2-40B4-BE49-F238E27FC236}">
-                <a16:creationId xmlns:a16="http://schemas.microsoft.com/office/drawing/2014/main" id="{FAD6B939-5066-48F5-8D78-07AFCB6ADA0E}"/>
+                <a16:creationId xmlns:a16="http://schemas.microsoft.com/office/drawing/2014/main" id="{9C1A0CB7-DF20-60A8-619F-B71D0439BF92}"/>
               </a:ext>
             </a:extLst>
           </p:cNvPr>
@@ -12592,59 +12684,18 @@
         </p:blipFill>
         <p:spPr>
           <a:xfrm>
-            <a:off x="353961" y="584775"/>
-            <a:ext cx="9822426" cy="5952436"/>
+            <a:off x="1699509" y="785192"/>
+            <a:ext cx="5695204" cy="4323110"/>
           </a:xfrm>
           <a:prstGeom prst="rect">
             <a:avLst/>
           </a:prstGeom>
         </p:spPr>
       </p:pic>
-      <p:sp>
-        <p:nvSpPr>
-          <p:cNvPr id="3" name="TextBox 2">
-            <a:extLst>
-              <a:ext uri="{FF2B5EF4-FFF2-40B4-BE49-F238E27FC236}">
-                <a16:creationId xmlns:a16="http://schemas.microsoft.com/office/drawing/2014/main" id="{04A8D87D-F687-4973-B687-F08CD81E2671}"/>
-              </a:ext>
-            </a:extLst>
-          </p:cNvPr>
-          <p:cNvSpPr txBox="1"/>
-          <p:nvPr/>
-        </p:nvSpPr>
-        <p:spPr>
-          <a:xfrm>
-            <a:off x="353961" y="-1"/>
-            <a:ext cx="9822427" cy="584775"/>
-          </a:xfrm>
-          <a:prstGeom prst="rect">
-            <a:avLst/>
-          </a:prstGeom>
-          <a:noFill/>
-        </p:spPr>
-        <p:txBody>
-          <a:bodyPr wrap="square" rtlCol="0">
-            <a:spAutoFit/>
-          </a:bodyPr>
-          <a:lstStyle/>
-          <a:p>
-            <a:r>
-              <a:rPr lang="en-US" sz="3200" dirty="0">
-                <a:solidFill>
-                  <a:schemeClr val="accent5">
-                    <a:lumMod val="75000"/>
-                  </a:schemeClr>
-                </a:solidFill>
-              </a:rPr>
-              <a:t>                              ERD Diagram</a:t>
-            </a:r>
-          </a:p>
-        </p:txBody>
-      </p:sp>
     </p:spTree>
     <p:extLst>
       <p:ext uri="{BB962C8B-B14F-4D97-AF65-F5344CB8AC3E}">
-        <p14:creationId xmlns:p14="http://schemas.microsoft.com/office/powerpoint/2010/main" val="2155983089"/>
+        <p14:creationId xmlns:p14="http://schemas.microsoft.com/office/powerpoint/2010/main" val="1056774777"/>
       </p:ext>
     </p:extLst>
   </p:cSld>

--- a/project-proposal/proposal.pptx
+++ b/project-proposal/proposal.pptx
@@ -212,7 +212,7 @@
           <a:p>
             <a:fld id="{1DE97BBD-4E4A-4F3A-A41E-252969D0A697}" type="datetimeFigureOut">
               <a:rPr lang="en-US" smtClean="0"/>
-              <a:t>8/7/2025</a:t>
+              <a:t>8/9/2025</a:t>
             </a:fld>
             <a:endParaRPr lang="en-US"/>
           </a:p>
@@ -1537,7 +1537,7 @@
           <a:p>
             <a:fld id="{84D693F1-5C69-4659-AC2D-3B8B20F1BBBB}" type="datetimeFigureOut">
               <a:rPr lang="en-US" smtClean="0"/>
-              <a:t>8/7/2025</a:t>
+              <a:t>8/9/2025</a:t>
             </a:fld>
             <a:endParaRPr lang="en-US"/>
           </a:p>
@@ -1788,7 +1788,7 @@
           <a:p>
             <a:fld id="{84D693F1-5C69-4659-AC2D-3B8B20F1BBBB}" type="datetimeFigureOut">
               <a:rPr lang="en-US" smtClean="0"/>
-              <a:t>8/7/2025</a:t>
+              <a:t>8/9/2025</a:t>
             </a:fld>
             <a:endParaRPr lang="en-US"/>
           </a:p>
@@ -2102,7 +2102,7 @@
           <a:p>
             <a:fld id="{84D693F1-5C69-4659-AC2D-3B8B20F1BBBB}" type="datetimeFigureOut">
               <a:rPr lang="en-US" smtClean="0"/>
-              <a:t>8/7/2025</a:t>
+              <a:t>8/9/2025</a:t>
             </a:fld>
             <a:endParaRPr lang="en-US"/>
           </a:p>
@@ -2443,7 +2443,7 @@
           <a:p>
             <a:fld id="{84D693F1-5C69-4659-AC2D-3B8B20F1BBBB}" type="datetimeFigureOut">
               <a:rPr lang="en-US" smtClean="0"/>
-              <a:t>8/7/2025</a:t>
+              <a:t>8/9/2025</a:t>
             </a:fld>
             <a:endParaRPr lang="en-US"/>
           </a:p>
@@ -2757,7 +2757,7 @@
           <a:p>
             <a:fld id="{84D693F1-5C69-4659-AC2D-3B8B20F1BBBB}" type="datetimeFigureOut">
               <a:rPr lang="en-US" smtClean="0"/>
-              <a:t>8/7/2025</a:t>
+              <a:t>8/9/2025</a:t>
             </a:fld>
             <a:endParaRPr lang="en-US"/>
           </a:p>
@@ -3150,7 +3150,7 @@
           <a:p>
             <a:fld id="{84D693F1-5C69-4659-AC2D-3B8B20F1BBBB}" type="datetimeFigureOut">
               <a:rPr lang="en-US" smtClean="0"/>
-              <a:t>8/7/2025</a:t>
+              <a:t>8/9/2025</a:t>
             </a:fld>
             <a:endParaRPr lang="en-US"/>
           </a:p>
@@ -3320,7 +3320,7 @@
           <a:p>
             <a:fld id="{84D693F1-5C69-4659-AC2D-3B8B20F1BBBB}" type="datetimeFigureOut">
               <a:rPr lang="en-US" smtClean="0"/>
-              <a:t>8/7/2025</a:t>
+              <a:t>8/9/2025</a:t>
             </a:fld>
             <a:endParaRPr lang="en-US"/>
           </a:p>
@@ -3500,7 +3500,7 @@
           <a:p>
             <a:fld id="{84D693F1-5C69-4659-AC2D-3B8B20F1BBBB}" type="datetimeFigureOut">
               <a:rPr lang="en-US" smtClean="0"/>
-              <a:t>8/7/2025</a:t>
+              <a:t>8/9/2025</a:t>
             </a:fld>
             <a:endParaRPr lang="en-US"/>
           </a:p>
@@ -3676,7 +3676,7 @@
           <a:p>
             <a:fld id="{84D693F1-5C69-4659-AC2D-3B8B20F1BBBB}" type="datetimeFigureOut">
               <a:rPr lang="en-US" smtClean="0"/>
-              <a:t>8/7/2025</a:t>
+              <a:t>8/9/2025</a:t>
             </a:fld>
             <a:endParaRPr lang="en-US"/>
           </a:p>
@@ -3923,7 +3923,7 @@
           <a:p>
             <a:fld id="{84D693F1-5C69-4659-AC2D-3B8B20F1BBBB}" type="datetimeFigureOut">
               <a:rPr lang="en-US" smtClean="0"/>
-              <a:t>8/7/2025</a:t>
+              <a:t>8/9/2025</a:t>
             </a:fld>
             <a:endParaRPr lang="en-US"/>
           </a:p>
@@ -4155,7 +4155,7 @@
           <a:p>
             <a:fld id="{84D693F1-5C69-4659-AC2D-3B8B20F1BBBB}" type="datetimeFigureOut">
               <a:rPr lang="en-US" smtClean="0"/>
-              <a:t>8/7/2025</a:t>
+              <a:t>8/9/2025</a:t>
             </a:fld>
             <a:endParaRPr lang="en-US"/>
           </a:p>
@@ -4529,7 +4529,7 @@
           <a:p>
             <a:fld id="{84D693F1-5C69-4659-AC2D-3B8B20F1BBBB}" type="datetimeFigureOut">
               <a:rPr lang="en-US" smtClean="0"/>
-              <a:t>8/7/2025</a:t>
+              <a:t>8/9/2025</a:t>
             </a:fld>
             <a:endParaRPr lang="en-US"/>
           </a:p>
@@ -4652,7 +4652,7 @@
           <a:p>
             <a:fld id="{84D693F1-5C69-4659-AC2D-3B8B20F1BBBB}" type="datetimeFigureOut">
               <a:rPr lang="en-US" smtClean="0"/>
-              <a:t>8/7/2025</a:t>
+              <a:t>8/9/2025</a:t>
             </a:fld>
             <a:endParaRPr lang="en-US"/>
           </a:p>
@@ -4747,7 +4747,7 @@
           <a:p>
             <a:fld id="{84D693F1-5C69-4659-AC2D-3B8B20F1BBBB}" type="datetimeFigureOut">
               <a:rPr lang="en-US" smtClean="0"/>
-              <a:t>8/7/2025</a:t>
+              <a:t>8/9/2025</a:t>
             </a:fld>
             <a:endParaRPr lang="en-US"/>
           </a:p>
@@ -5002,7 +5002,7 @@
           <a:p>
             <a:fld id="{84D693F1-5C69-4659-AC2D-3B8B20F1BBBB}" type="datetimeFigureOut">
               <a:rPr lang="en-US" smtClean="0"/>
-              <a:t>8/7/2025</a:t>
+              <a:t>8/9/2025</a:t>
             </a:fld>
             <a:endParaRPr lang="en-US"/>
           </a:p>
@@ -5265,7 +5265,7 @@
           <a:p>
             <a:fld id="{84D693F1-5C69-4659-AC2D-3B8B20F1BBBB}" type="datetimeFigureOut">
               <a:rPr lang="en-US" smtClean="0"/>
-              <a:t>8/7/2025</a:t>
+              <a:t>8/9/2025</a:t>
             </a:fld>
             <a:endParaRPr lang="en-US"/>
           </a:p>
@@ -6008,7 +6008,7 @@
           <a:p>
             <a:fld id="{84D693F1-5C69-4659-AC2D-3B8B20F1BBBB}" type="datetimeFigureOut">
               <a:rPr lang="en-US" smtClean="0"/>
-              <a:t>8/7/2025</a:t>
+              <a:t>8/9/2025</a:t>
             </a:fld>
             <a:endParaRPr lang="en-US"/>
           </a:p>
@@ -12498,8 +12498,8 @@
         </p:nvSpPr>
         <p:spPr>
           <a:xfrm>
-            <a:off x="537029" y="943429"/>
-            <a:ext cx="11654971" cy="5733141"/>
+            <a:off x="309716" y="645638"/>
+            <a:ext cx="8733257" cy="6138203"/>
           </a:xfrm>
         </p:spPr>
         <p:txBody>
@@ -12525,15 +12525,21 @@
           <p:nvPr/>
         </p:nvPicPr>
         <p:blipFill>
-          <a:blip r:embed="rId3"/>
+          <a:blip r:embed="rId3">
+            <a:extLst>
+              <a:ext uri="{28A0092B-C50C-407E-A947-70E740481C1C}">
+                <a14:useLocalDpi xmlns:a14="http://schemas.microsoft.com/office/drawing/2010/main" val="0"/>
+              </a:ext>
+            </a:extLst>
+          </a:blip>
           <a:stretch>
             <a:fillRect/>
           </a:stretch>
         </p:blipFill>
         <p:spPr>
           <a:xfrm>
-            <a:off x="327776" y="885124"/>
-            <a:ext cx="11864223" cy="5972876"/>
+            <a:off x="855405" y="836055"/>
+            <a:ext cx="7909561" cy="5960382"/>
           </a:xfrm>
           <a:prstGeom prst="rect">
             <a:avLst/>

--- a/project-proposal/proposal.pptx
+++ b/project-proposal/proposal.pptx
@@ -12538,8 +12538,8 @@
         </p:blipFill>
         <p:spPr>
           <a:xfrm>
-            <a:off x="855405" y="836055"/>
-            <a:ext cx="7909561" cy="5960382"/>
+            <a:off x="455161" y="706473"/>
+            <a:ext cx="8587812" cy="6077368"/>
           </a:xfrm>
           <a:prstGeom prst="rect">
             <a:avLst/>

--- a/project-proposal/proposal.pptx
+++ b/project-proposal/proposal.pptx
@@ -1,29 +1,28 @@
 
 <file path=ppt/presentation.xml><?xml version="1.0" encoding="utf-8"?>
-<p:presentation xmlns:a="http://schemas.openxmlformats.org/drawingml/2006/main" xmlns:r="http://schemas.openxmlformats.org/officeDocument/2006/relationships" xmlns:p="http://schemas.openxmlformats.org/presentationml/2006/main" saveSubsetFonts="1">
+<p:presentation xmlns:a="http://schemas.openxmlformats.org/drawingml/2006/main" xmlns:r="http://schemas.openxmlformats.org/officeDocument/2006/relationships" xmlns:p="http://schemas.openxmlformats.org/presentationml/2006/main">
   <p:sldMasterIdLst>
-    <p:sldMasterId id="2147483713" r:id="rId1"/>
+    <p:sldMasterId id="2147483648" r:id="rId1"/>
   </p:sldMasterIdLst>
   <p:notesMasterIdLst>
-    <p:notesMasterId r:id="rId18"/>
+    <p:notesMasterId r:id="rId10"/>
   </p:notesMasterIdLst>
   <p:sldIdLst>
-    <p:sldId id="256" r:id="rId2"/>
-    <p:sldId id="257" r:id="rId3"/>
+    <p:sldId id="256" r:id="rId3"/>
     <p:sldId id="258" r:id="rId4"/>
     <p:sldId id="259" r:id="rId5"/>
     <p:sldId id="260" r:id="rId6"/>
     <p:sldId id="261" r:id="rId7"/>
     <p:sldId id="262" r:id="rId8"/>
     <p:sldId id="263" r:id="rId9"/>
-    <p:sldId id="274" r:id="rId10"/>
-    <p:sldId id="265" r:id="rId11"/>
-    <p:sldId id="266" r:id="rId12"/>
-    <p:sldId id="267" r:id="rId13"/>
-    <p:sldId id="268" r:id="rId14"/>
-    <p:sldId id="269" r:id="rId15"/>
-    <p:sldId id="270" r:id="rId16"/>
-    <p:sldId id="271" r:id="rId17"/>
+    <p:sldId id="274" r:id="rId11"/>
+    <p:sldId id="265" r:id="rId12"/>
+    <p:sldId id="266" r:id="rId13"/>
+    <p:sldId id="267" r:id="rId14"/>
+    <p:sldId id="268" r:id="rId15"/>
+    <p:sldId id="269" r:id="rId16"/>
+    <p:sldId id="270" r:id="rId17"/>
+    <p:sldId id="271" r:id="rId18"/>
   </p:sldIdLst>
   <p:sldSz cx="12192000" cy="6858000"/>
   <p:notesSz cx="6858000" cy="9144000"/>
@@ -122,11 +121,6 @@
       </a:defRPr>
     </a:lvl9pPr>
   </p:defaultTextStyle>
-  <p:extLst>
-    <p:ext uri="{EFAFB233-063F-42B5-8137-9DF3F51BA10A}">
-      <p15:sldGuideLst xmlns:p15="http://schemas.microsoft.com/office/powerpoint/2012/main"/>
-    </p:ext>
-  </p:extLst>
 </p:presentation>
 </file>
 
@@ -212,7 +206,6 @@
           <a:p>
             <a:fld id="{1DE97BBD-4E4A-4F3A-A41E-252969D0A697}" type="datetimeFigureOut">
               <a:rPr lang="en-US" smtClean="0"/>
-              <a:t>8/9/2025</a:t>
             </a:fld>
             <a:endParaRPr lang="en-US"/>
           </a:p>
@@ -279,6 +272,7 @@
               <a:rPr lang="en-US"/>
               <a:t>Click to edit Master text styles</a:t>
             </a:r>
+            <a:endParaRPr lang="en-US"/>
           </a:p>
           <a:p>
             <a:pPr lvl="1"/>
@@ -286,6 +280,7 @@
               <a:rPr lang="en-US"/>
               <a:t>Second level</a:t>
             </a:r>
+            <a:endParaRPr lang="en-US"/>
           </a:p>
           <a:p>
             <a:pPr lvl="2"/>
@@ -293,6 +288,7 @@
               <a:rPr lang="en-US"/>
               <a:t>Third level</a:t>
             </a:r>
+            <a:endParaRPr lang="en-US"/>
           </a:p>
           <a:p>
             <a:pPr lvl="3"/>
@@ -300,6 +296,7 @@
               <a:rPr lang="en-US"/>
               <a:t>Fourth level</a:t>
             </a:r>
+            <a:endParaRPr lang="en-US"/>
           </a:p>
           <a:p>
             <a:pPr lvl="4"/>
@@ -307,6 +304,7 @@
               <a:rPr lang="en-US"/>
               <a:t>Fifth level</a:t>
             </a:r>
+            <a:endParaRPr lang="en-US"/>
           </a:p>
         </p:txBody>
       </p:sp>
@@ -370,18 +368,12 @@
           <a:p>
             <a:fld id="{AFCFBD5B-9DF1-4B1C-8BF4-F8E582DD7217}" type="slidenum">
               <a:rPr lang="en-US" smtClean="0"/>
-              <a:t>‹#›</a:t>
             </a:fld>
             <a:endParaRPr lang="en-US"/>
           </a:p>
         </p:txBody>
       </p:sp>
     </p:spTree>
-    <p:extLst>
-      <p:ext uri="{BB962C8B-B14F-4D97-AF65-F5344CB8AC3E}">
-        <p14:creationId xmlns:p14="http://schemas.microsoft.com/office/powerpoint/2010/main" val="1837965468"/>
-      </p:ext>
-    </p:extLst>
   </p:cSld>
   <p:clrMap bg1="lt1" tx1="dk1" bg2="lt2" tx2="dk2" accent1="accent1" accent2="accent2" accent3="accent3" accent4="accent4" accent5="accent5" accent6="accent6" hlink="hlink" folHlink="folHlink"/>
   <p:notesStyle>
@@ -544,18 +536,12 @@
           <a:p>
             <a:fld id="{AFCFBD5B-9DF1-4B1C-8BF4-F8E582DD7217}" type="slidenum">
               <a:rPr lang="en-US" smtClean="0"/>
-              <a:t>8</a:t>
             </a:fld>
             <a:endParaRPr lang="en-US"/>
           </a:p>
         </p:txBody>
       </p:sp>
     </p:spTree>
-    <p:extLst>
-      <p:ext uri="{BB962C8B-B14F-4D97-AF65-F5344CB8AC3E}">
-        <p14:creationId xmlns:p14="http://schemas.microsoft.com/office/powerpoint/2010/main" val="1445739445"/>
-      </p:ext>
-    </p:extLst>
   </p:cSld>
   <p:clrMapOvr>
     <a:masterClrMapping/>
@@ -628,18 +614,12 @@
           <a:p>
             <a:fld id="{AFCFBD5B-9DF1-4B1C-8BF4-F8E582DD7217}" type="slidenum">
               <a:rPr lang="en-US" smtClean="0"/>
-              <a:t>10</a:t>
             </a:fld>
             <a:endParaRPr lang="en-US"/>
           </a:p>
         </p:txBody>
       </p:sp>
     </p:spTree>
-    <p:extLst>
-      <p:ext uri="{BB962C8B-B14F-4D97-AF65-F5344CB8AC3E}">
-        <p14:creationId xmlns:p14="http://schemas.microsoft.com/office/powerpoint/2010/main" val="10203737"/>
-      </p:ext>
-    </p:extLst>
   </p:cSld>
   <p:clrMapOvr>
     <a:masterClrMapping/>
@@ -712,18 +692,12 @@
           <a:p>
             <a:fld id="{AFCFBD5B-9DF1-4B1C-8BF4-F8E582DD7217}" type="slidenum">
               <a:rPr lang="en-US" smtClean="0"/>
-              <a:t>11</a:t>
             </a:fld>
             <a:endParaRPr lang="en-US"/>
           </a:p>
         </p:txBody>
       </p:sp>
     </p:spTree>
-    <p:extLst>
-      <p:ext uri="{BB962C8B-B14F-4D97-AF65-F5344CB8AC3E}">
-        <p14:creationId xmlns:p14="http://schemas.microsoft.com/office/powerpoint/2010/main" val="2397891690"/>
-      </p:ext>
-    </p:extLst>
   </p:cSld>
   <p:clrMapOvr>
     <a:masterClrMapping/>
@@ -796,18 +770,12 @@
           <a:p>
             <a:fld id="{AFCFBD5B-9DF1-4B1C-8BF4-F8E582DD7217}" type="slidenum">
               <a:rPr lang="en-US" smtClean="0"/>
-              <a:t>13</a:t>
             </a:fld>
             <a:endParaRPr lang="en-US"/>
           </a:p>
         </p:txBody>
       </p:sp>
     </p:spTree>
-    <p:extLst>
-      <p:ext uri="{BB962C8B-B14F-4D97-AF65-F5344CB8AC3E}">
-        <p14:creationId xmlns:p14="http://schemas.microsoft.com/office/powerpoint/2010/main" val="3884689593"/>
-      </p:ext>
-    </p:extLst>
   </p:cSld>
   <p:clrMapOvr>
     <a:masterClrMapping/>
@@ -816,7 +784,7 @@
 </file>
 
 <file path=ppt/slideLayouts/slideLayout1.xml><?xml version="1.0" encoding="utf-8"?>
-<p:sldLayout xmlns:a="http://schemas.openxmlformats.org/drawingml/2006/main" xmlns:r="http://schemas.openxmlformats.org/officeDocument/2006/relationships" xmlns:p="http://schemas.openxmlformats.org/presentationml/2006/main" showMasterSp="0" type="title" preserve="1">
+<p:sldLayout xmlns:a="http://schemas.openxmlformats.org/drawingml/2006/main" xmlns:r="http://schemas.openxmlformats.org/officeDocument/2006/relationships" xmlns:p="http://schemas.openxmlformats.org/presentationml/2006/main" type="title" preserve="1" showMasterSp="0">
   <p:cSld name="Title Slide">
     <p:spTree>
       <p:nvGrpSpPr>
@@ -1537,7 +1505,6 @@
           <a:p>
             <a:fld id="{84D693F1-5C69-4659-AC2D-3B8B20F1BBBB}" type="datetimeFigureOut">
               <a:rPr lang="en-US" smtClean="0"/>
-              <a:t>8/9/2025</a:t>
             </a:fld>
             <a:endParaRPr lang="en-US"/>
           </a:p>
@@ -1579,18 +1546,12 @@
           <a:p>
             <a:fld id="{3CBF80C8-26B9-4536-BFB4-292C29E5F23B}" type="slidenum">
               <a:rPr lang="en-US" smtClean="0"/>
-              <a:t>‹#›</a:t>
             </a:fld>
             <a:endParaRPr lang="en-US"/>
           </a:p>
         </p:txBody>
       </p:sp>
     </p:spTree>
-    <p:extLst>
-      <p:ext uri="{BB962C8B-B14F-4D97-AF65-F5344CB8AC3E}">
-        <p14:creationId xmlns:p14="http://schemas.microsoft.com/office/powerpoint/2010/main" val="3618401389"/>
-      </p:ext>
-    </p:extLst>
   </p:cSld>
   <p:clrMapOvr>
     <a:masterClrMapping/>
@@ -1768,6 +1729,7 @@
               <a:rPr lang="en-US"/>
               <a:t>Click to edit Master text styles</a:t>
             </a:r>
+            <a:endParaRPr lang="en-US"/>
           </a:p>
         </p:txBody>
       </p:sp>
@@ -1788,7 +1750,6 @@
           <a:p>
             <a:fld id="{84D693F1-5C69-4659-AC2D-3B8B20F1BBBB}" type="datetimeFigureOut">
               <a:rPr lang="en-US" smtClean="0"/>
-              <a:t>8/9/2025</a:t>
             </a:fld>
             <a:endParaRPr lang="en-US"/>
           </a:p>
@@ -1830,18 +1791,12 @@
           <a:p>
             <a:fld id="{3CBF80C8-26B9-4536-BFB4-292C29E5F23B}" type="slidenum">
               <a:rPr lang="en-US" smtClean="0"/>
-              <a:t>‹#›</a:t>
             </a:fld>
             <a:endParaRPr lang="en-US"/>
           </a:p>
         </p:txBody>
       </p:sp>
     </p:spTree>
-    <p:extLst>
-      <p:ext uri="{BB962C8B-B14F-4D97-AF65-F5344CB8AC3E}">
-        <p14:creationId xmlns:p14="http://schemas.microsoft.com/office/powerpoint/2010/main" val="3248210066"/>
-      </p:ext>
-    </p:extLst>
   </p:cSld>
   <p:clrMapOvr>
     <a:masterClrMapping/>
@@ -1960,6 +1915,7 @@
               <a:rPr lang="en-US"/>
               <a:t>Click to edit Master text styles</a:t>
             </a:r>
+            <a:endParaRPr lang="en-US"/>
           </a:p>
         </p:txBody>
       </p:sp>
@@ -2082,6 +2038,7 @@
               <a:rPr lang="en-US"/>
               <a:t>Click to edit Master text styles</a:t>
             </a:r>
+            <a:endParaRPr lang="en-US"/>
           </a:p>
         </p:txBody>
       </p:sp>
@@ -2102,7 +2059,6 @@
           <a:p>
             <a:fld id="{84D693F1-5C69-4659-AC2D-3B8B20F1BBBB}" type="datetimeFigureOut">
               <a:rPr lang="en-US" smtClean="0"/>
-              <a:t>8/9/2025</a:t>
             </a:fld>
             <a:endParaRPr lang="en-US"/>
           </a:p>
@@ -2144,7 +2100,6 @@
           <a:p>
             <a:fld id="{3CBF80C8-26B9-4536-BFB4-292C29E5F23B}" type="slidenum">
               <a:rPr lang="en-US" smtClean="0"/>
-              <a:t>‹#›</a:t>
             </a:fld>
             <a:endParaRPr lang="en-US"/>
           </a:p>
@@ -2184,10 +2139,23 @@
                   </a:schemeClr>
                 </a:solidFill>
                 <a:effectLst/>
-                <a:latin typeface="Arial"/>
+                <a:latin typeface="Arial" panose="020B0604020202020204"/>
               </a:rPr>
               <a:t>“</a:t>
             </a:r>
+            <a:endParaRPr lang="en-US" sz="8000" baseline="0" dirty="0">
+              <a:ln w="3175" cmpd="sng">
+                <a:noFill/>
+              </a:ln>
+              <a:solidFill>
+                <a:schemeClr val="accent1">
+                  <a:lumMod val="60000"/>
+                  <a:lumOff val="40000"/>
+                </a:schemeClr>
+              </a:solidFill>
+              <a:effectLst/>
+              <a:latin typeface="Arial" panose="020B0604020202020204"/>
+            </a:endParaRPr>
           </a:p>
         </p:txBody>
       </p:sp>
@@ -2224,7 +2192,7 @@
                     <a:lumOff val="40000"/>
                   </a:schemeClr>
                 </a:solidFill>
-                <a:latin typeface="Arial"/>
+                <a:latin typeface="Arial" panose="020B0604020202020204"/>
               </a:rPr>
               <a:t>”</a:t>
             </a:r>
@@ -2235,17 +2203,12 @@
                   <a:lumOff val="40000"/>
                 </a:schemeClr>
               </a:solidFill>
-              <a:latin typeface="Arial"/>
+              <a:latin typeface="Arial" panose="020B0604020202020204"/>
             </a:endParaRPr>
           </a:p>
         </p:txBody>
       </p:sp>
     </p:spTree>
-    <p:extLst>
-      <p:ext uri="{BB962C8B-B14F-4D97-AF65-F5344CB8AC3E}">
-        <p14:creationId xmlns:p14="http://schemas.microsoft.com/office/powerpoint/2010/main" val="2008943011"/>
-      </p:ext>
-    </p:extLst>
   </p:cSld>
   <p:clrMapOvr>
     <a:masterClrMapping/>
@@ -2423,6 +2386,7 @@
               <a:rPr lang="en-US"/>
               <a:t>Click to edit Master text styles</a:t>
             </a:r>
+            <a:endParaRPr lang="en-US"/>
           </a:p>
         </p:txBody>
       </p:sp>
@@ -2443,7 +2407,6 @@
           <a:p>
             <a:fld id="{84D693F1-5C69-4659-AC2D-3B8B20F1BBBB}" type="datetimeFigureOut">
               <a:rPr lang="en-US" smtClean="0"/>
-              <a:t>8/9/2025</a:t>
             </a:fld>
             <a:endParaRPr lang="en-US"/>
           </a:p>
@@ -2485,18 +2448,12 @@
           <a:p>
             <a:fld id="{3CBF80C8-26B9-4536-BFB4-292C29E5F23B}" type="slidenum">
               <a:rPr lang="en-US" smtClean="0"/>
-              <a:t>‹#›</a:t>
             </a:fld>
             <a:endParaRPr lang="en-US"/>
           </a:p>
         </p:txBody>
       </p:sp>
     </p:spTree>
-    <p:extLst>
-      <p:ext uri="{BB962C8B-B14F-4D97-AF65-F5344CB8AC3E}">
-        <p14:creationId xmlns:p14="http://schemas.microsoft.com/office/powerpoint/2010/main" val="3585844477"/>
-      </p:ext>
-    </p:extLst>
   </p:cSld>
   <p:clrMapOvr>
     <a:masterClrMapping/>
@@ -2615,6 +2572,7 @@
               <a:rPr lang="en-US"/>
               <a:t>Click to edit Master text styles</a:t>
             </a:r>
+            <a:endParaRPr lang="en-US"/>
           </a:p>
         </p:txBody>
       </p:sp>
@@ -2737,6 +2695,7 @@
               <a:rPr lang="en-US"/>
               <a:t>Click to edit Master text styles</a:t>
             </a:r>
+            <a:endParaRPr lang="en-US"/>
           </a:p>
         </p:txBody>
       </p:sp>
@@ -2757,7 +2716,6 @@
           <a:p>
             <a:fld id="{84D693F1-5C69-4659-AC2D-3B8B20F1BBBB}" type="datetimeFigureOut">
               <a:rPr lang="en-US" smtClean="0"/>
-              <a:t>8/9/2025</a:t>
             </a:fld>
             <a:endParaRPr lang="en-US"/>
           </a:p>
@@ -2799,7 +2757,6 @@
           <a:p>
             <a:fld id="{3CBF80C8-26B9-4536-BFB4-292C29E5F23B}" type="slidenum">
               <a:rPr lang="en-US" smtClean="0"/>
-              <a:t>‹#›</a:t>
             </a:fld>
             <a:endParaRPr lang="en-US"/>
           </a:p>
@@ -2839,10 +2796,23 @@
                   </a:schemeClr>
                 </a:solidFill>
                 <a:effectLst/>
-                <a:latin typeface="Arial"/>
+                <a:latin typeface="Arial" panose="020B0604020202020204"/>
               </a:rPr>
               <a:t>“</a:t>
             </a:r>
+            <a:endParaRPr lang="en-US" sz="8000" baseline="0" dirty="0">
+              <a:ln w="3175" cmpd="sng">
+                <a:noFill/>
+              </a:ln>
+              <a:solidFill>
+                <a:schemeClr val="accent1">
+                  <a:lumMod val="60000"/>
+                  <a:lumOff val="40000"/>
+                </a:schemeClr>
+              </a:solidFill>
+              <a:effectLst/>
+              <a:latin typeface="Arial" panose="020B0604020202020204"/>
+            </a:endParaRPr>
           </a:p>
         </p:txBody>
       </p:sp>
@@ -2880,19 +2850,27 @@
                   </a:schemeClr>
                 </a:solidFill>
                 <a:effectLst/>
-                <a:latin typeface="Arial"/>
+                <a:latin typeface="Arial" panose="020B0604020202020204"/>
               </a:rPr>
               <a:t>”</a:t>
             </a:r>
+            <a:endParaRPr lang="en-US" sz="8000" baseline="0" dirty="0">
+              <a:ln w="3175" cmpd="sng">
+                <a:noFill/>
+              </a:ln>
+              <a:solidFill>
+                <a:schemeClr val="accent1">
+                  <a:lumMod val="60000"/>
+                  <a:lumOff val="40000"/>
+                </a:schemeClr>
+              </a:solidFill>
+              <a:effectLst/>
+              <a:latin typeface="Arial" panose="020B0604020202020204"/>
+            </a:endParaRPr>
           </a:p>
         </p:txBody>
       </p:sp>
     </p:spTree>
-    <p:extLst>
-      <p:ext uri="{BB962C8B-B14F-4D97-AF65-F5344CB8AC3E}">
-        <p14:creationId xmlns:p14="http://schemas.microsoft.com/office/powerpoint/2010/main" val="223567048"/>
-      </p:ext>
-    </p:extLst>
   </p:cSld>
   <p:clrMapOvr>
     <a:masterClrMapping/>
@@ -3008,6 +2986,7 @@
               <a:rPr lang="en-US"/>
               <a:t>Click to edit Master text styles</a:t>
             </a:r>
+            <a:endParaRPr lang="en-US"/>
           </a:p>
         </p:txBody>
       </p:sp>
@@ -3130,6 +3109,7 @@
               <a:rPr lang="en-US"/>
               <a:t>Click to edit Master text styles</a:t>
             </a:r>
+            <a:endParaRPr lang="en-US"/>
           </a:p>
         </p:txBody>
       </p:sp>
@@ -3150,7 +3130,6 @@
           <a:p>
             <a:fld id="{84D693F1-5C69-4659-AC2D-3B8B20F1BBBB}" type="datetimeFigureOut">
               <a:rPr lang="en-US" smtClean="0"/>
-              <a:t>8/9/2025</a:t>
             </a:fld>
             <a:endParaRPr lang="en-US"/>
           </a:p>
@@ -3192,18 +3171,12 @@
           <a:p>
             <a:fld id="{3CBF80C8-26B9-4536-BFB4-292C29E5F23B}" type="slidenum">
               <a:rPr lang="en-US" smtClean="0"/>
-              <a:t>‹#›</a:t>
             </a:fld>
             <a:endParaRPr lang="en-US"/>
           </a:p>
         </p:txBody>
       </p:sp>
     </p:spTree>
-    <p:extLst>
-      <p:ext uri="{BB962C8B-B14F-4D97-AF65-F5344CB8AC3E}">
-        <p14:creationId xmlns:p14="http://schemas.microsoft.com/office/powerpoint/2010/main" val="2476591950"/>
-      </p:ext>
-    </p:extLst>
   </p:cSld>
   <p:clrMapOvr>
     <a:masterClrMapping/>
@@ -3271,6 +3244,7 @@
               <a:rPr lang="en-US"/>
               <a:t>Click to edit Master text styles</a:t>
             </a:r>
+            <a:endParaRPr lang="en-US"/>
           </a:p>
           <a:p>
             <a:pPr lvl="1"/>
@@ -3278,6 +3252,7 @@
               <a:rPr lang="en-US"/>
               <a:t>Second level</a:t>
             </a:r>
+            <a:endParaRPr lang="en-US"/>
           </a:p>
           <a:p>
             <a:pPr lvl="2"/>
@@ -3285,6 +3260,7 @@
               <a:rPr lang="en-US"/>
               <a:t>Third level</a:t>
             </a:r>
+            <a:endParaRPr lang="en-US"/>
           </a:p>
           <a:p>
             <a:pPr lvl="3"/>
@@ -3292,6 +3268,7 @@
               <a:rPr lang="en-US"/>
               <a:t>Fourth level</a:t>
             </a:r>
+            <a:endParaRPr lang="en-US"/>
           </a:p>
           <a:p>
             <a:pPr lvl="4"/>
@@ -3320,7 +3297,6 @@
           <a:p>
             <a:fld id="{84D693F1-5C69-4659-AC2D-3B8B20F1BBBB}" type="datetimeFigureOut">
               <a:rPr lang="en-US" smtClean="0"/>
-              <a:t>8/9/2025</a:t>
             </a:fld>
             <a:endParaRPr lang="en-US"/>
           </a:p>
@@ -3362,18 +3338,12 @@
           <a:p>
             <a:fld id="{3CBF80C8-26B9-4536-BFB4-292C29E5F23B}" type="slidenum">
               <a:rPr lang="en-US" smtClean="0"/>
-              <a:t>‹#›</a:t>
             </a:fld>
             <a:endParaRPr lang="en-US"/>
           </a:p>
         </p:txBody>
       </p:sp>
     </p:spTree>
-    <p:extLst>
-      <p:ext uri="{BB962C8B-B14F-4D97-AF65-F5344CB8AC3E}">
-        <p14:creationId xmlns:p14="http://schemas.microsoft.com/office/powerpoint/2010/main" val="3564347863"/>
-      </p:ext>
-    </p:extLst>
   </p:cSld>
   <p:clrMapOvr>
     <a:masterClrMapping/>
@@ -3451,6 +3421,7 @@
               <a:rPr lang="en-US"/>
               <a:t>Click to edit Master text styles</a:t>
             </a:r>
+            <a:endParaRPr lang="en-US"/>
           </a:p>
           <a:p>
             <a:pPr lvl="1"/>
@@ -3458,6 +3429,7 @@
               <a:rPr lang="en-US"/>
               <a:t>Second level</a:t>
             </a:r>
+            <a:endParaRPr lang="en-US"/>
           </a:p>
           <a:p>
             <a:pPr lvl="2"/>
@@ -3465,6 +3437,7 @@
               <a:rPr lang="en-US"/>
               <a:t>Third level</a:t>
             </a:r>
+            <a:endParaRPr lang="en-US"/>
           </a:p>
           <a:p>
             <a:pPr lvl="3"/>
@@ -3472,6 +3445,7 @@
               <a:rPr lang="en-US"/>
               <a:t>Fourth level</a:t>
             </a:r>
+            <a:endParaRPr lang="en-US"/>
           </a:p>
           <a:p>
             <a:pPr lvl="4"/>
@@ -3500,7 +3474,6 @@
           <a:p>
             <a:fld id="{84D693F1-5C69-4659-AC2D-3B8B20F1BBBB}" type="datetimeFigureOut">
               <a:rPr lang="en-US" smtClean="0"/>
-              <a:t>8/9/2025</a:t>
             </a:fld>
             <a:endParaRPr lang="en-US"/>
           </a:p>
@@ -3542,18 +3515,12 @@
           <a:p>
             <a:fld id="{3CBF80C8-26B9-4536-BFB4-292C29E5F23B}" type="slidenum">
               <a:rPr lang="en-US" smtClean="0"/>
-              <a:t>‹#›</a:t>
             </a:fld>
             <a:endParaRPr lang="en-US"/>
           </a:p>
         </p:txBody>
       </p:sp>
     </p:spTree>
-    <p:extLst>
-      <p:ext uri="{BB962C8B-B14F-4D97-AF65-F5344CB8AC3E}">
-        <p14:creationId xmlns:p14="http://schemas.microsoft.com/office/powerpoint/2010/main" val="525413367"/>
-      </p:ext>
-    </p:extLst>
   </p:cSld>
   <p:clrMapOvr>
     <a:masterClrMapping/>
@@ -3627,6 +3594,7 @@
               <a:rPr lang="en-US"/>
               <a:t>Click to edit Master text styles</a:t>
             </a:r>
+            <a:endParaRPr lang="en-US"/>
           </a:p>
           <a:p>
             <a:pPr lvl="1"/>
@@ -3634,6 +3602,7 @@
               <a:rPr lang="en-US"/>
               <a:t>Second level</a:t>
             </a:r>
+            <a:endParaRPr lang="en-US"/>
           </a:p>
           <a:p>
             <a:pPr lvl="2"/>
@@ -3641,6 +3610,7 @@
               <a:rPr lang="en-US"/>
               <a:t>Third level</a:t>
             </a:r>
+            <a:endParaRPr lang="en-US"/>
           </a:p>
           <a:p>
             <a:pPr lvl="3"/>
@@ -3648,6 +3618,7 @@
               <a:rPr lang="en-US"/>
               <a:t>Fourth level</a:t>
             </a:r>
+            <a:endParaRPr lang="en-US"/>
           </a:p>
           <a:p>
             <a:pPr lvl="4"/>
@@ -3676,7 +3647,6 @@
           <a:p>
             <a:fld id="{84D693F1-5C69-4659-AC2D-3B8B20F1BBBB}" type="datetimeFigureOut">
               <a:rPr lang="en-US" smtClean="0"/>
-              <a:t>8/9/2025</a:t>
             </a:fld>
             <a:endParaRPr lang="en-US"/>
           </a:p>
@@ -3718,18 +3688,12 @@
           <a:p>
             <a:fld id="{3CBF80C8-26B9-4536-BFB4-292C29E5F23B}" type="slidenum">
               <a:rPr lang="en-US" smtClean="0"/>
-              <a:t>‹#›</a:t>
             </a:fld>
             <a:endParaRPr lang="en-US"/>
           </a:p>
         </p:txBody>
       </p:sp>
     </p:spTree>
-    <p:extLst>
-      <p:ext uri="{BB962C8B-B14F-4D97-AF65-F5344CB8AC3E}">
-        <p14:creationId xmlns:p14="http://schemas.microsoft.com/office/powerpoint/2010/main" val="1530153082"/>
-      </p:ext>
-    </p:extLst>
   </p:cSld>
   <p:clrMapOvr>
     <a:masterClrMapping/>
@@ -3903,6 +3867,7 @@
               <a:rPr lang="en-US"/>
               <a:t>Click to edit Master text styles</a:t>
             </a:r>
+            <a:endParaRPr lang="en-US"/>
           </a:p>
         </p:txBody>
       </p:sp>
@@ -3923,7 +3888,6 @@
           <a:p>
             <a:fld id="{84D693F1-5C69-4659-AC2D-3B8B20F1BBBB}" type="datetimeFigureOut">
               <a:rPr lang="en-US" smtClean="0"/>
-              <a:t>8/9/2025</a:t>
             </a:fld>
             <a:endParaRPr lang="en-US"/>
           </a:p>
@@ -3965,18 +3929,12 @@
           <a:p>
             <a:fld id="{3CBF80C8-26B9-4536-BFB4-292C29E5F23B}" type="slidenum">
               <a:rPr lang="en-US" smtClean="0"/>
-              <a:t>‹#›</a:t>
             </a:fld>
             <a:endParaRPr lang="en-US"/>
           </a:p>
         </p:txBody>
       </p:sp>
     </p:spTree>
-    <p:extLst>
-      <p:ext uri="{BB962C8B-B14F-4D97-AF65-F5344CB8AC3E}">
-        <p14:creationId xmlns:p14="http://schemas.microsoft.com/office/powerpoint/2010/main" val="949472825"/>
-      </p:ext>
-    </p:extLst>
   </p:cSld>
   <p:clrMapOvr>
     <a:masterClrMapping/>
@@ -4049,6 +4007,7 @@
               <a:rPr lang="en-US"/>
               <a:t>Click to edit Master text styles</a:t>
             </a:r>
+            <a:endParaRPr lang="en-US"/>
           </a:p>
           <a:p>
             <a:pPr lvl="1"/>
@@ -4056,6 +4015,7 @@
               <a:rPr lang="en-US"/>
               <a:t>Second level</a:t>
             </a:r>
+            <a:endParaRPr lang="en-US"/>
           </a:p>
           <a:p>
             <a:pPr lvl="2"/>
@@ -4063,6 +4023,7 @@
               <a:rPr lang="en-US"/>
               <a:t>Third level</a:t>
             </a:r>
+            <a:endParaRPr lang="en-US"/>
           </a:p>
           <a:p>
             <a:pPr lvl="3"/>
@@ -4070,6 +4031,7 @@
               <a:rPr lang="en-US"/>
               <a:t>Fourth level</a:t>
             </a:r>
+            <a:endParaRPr lang="en-US"/>
           </a:p>
           <a:p>
             <a:pPr lvl="4"/>
@@ -4106,6 +4068,7 @@
               <a:rPr lang="en-US"/>
               <a:t>Click to edit Master text styles</a:t>
             </a:r>
+            <a:endParaRPr lang="en-US"/>
           </a:p>
           <a:p>
             <a:pPr lvl="1"/>
@@ -4113,6 +4076,7 @@
               <a:rPr lang="en-US"/>
               <a:t>Second level</a:t>
             </a:r>
+            <a:endParaRPr lang="en-US"/>
           </a:p>
           <a:p>
             <a:pPr lvl="2"/>
@@ -4120,6 +4084,7 @@
               <a:rPr lang="en-US"/>
               <a:t>Third level</a:t>
             </a:r>
+            <a:endParaRPr lang="en-US"/>
           </a:p>
           <a:p>
             <a:pPr lvl="3"/>
@@ -4127,6 +4092,7 @@
               <a:rPr lang="en-US"/>
               <a:t>Fourth level</a:t>
             </a:r>
+            <a:endParaRPr lang="en-US"/>
           </a:p>
           <a:p>
             <a:pPr lvl="4"/>
@@ -4155,7 +4121,6 @@
           <a:p>
             <a:fld id="{84D693F1-5C69-4659-AC2D-3B8B20F1BBBB}" type="datetimeFigureOut">
               <a:rPr lang="en-US" smtClean="0"/>
-              <a:t>8/9/2025</a:t>
             </a:fld>
             <a:endParaRPr lang="en-US"/>
           </a:p>
@@ -4197,18 +4162,12 @@
           <a:p>
             <a:fld id="{3CBF80C8-26B9-4536-BFB4-292C29E5F23B}" type="slidenum">
               <a:rPr lang="en-US" smtClean="0"/>
-              <a:t>‹#›</a:t>
             </a:fld>
             <a:endParaRPr lang="en-US"/>
           </a:p>
         </p:txBody>
       </p:sp>
     </p:spTree>
-    <p:extLst>
-      <p:ext uri="{BB962C8B-B14F-4D97-AF65-F5344CB8AC3E}">
-        <p14:creationId xmlns:p14="http://schemas.microsoft.com/office/powerpoint/2010/main" val="3515036540"/>
-      </p:ext>
-    </p:extLst>
   </p:cSld>
   <p:clrMapOvr>
     <a:masterClrMapping/>
@@ -4324,6 +4283,7 @@
               <a:rPr lang="en-US"/>
               <a:t>Click to edit Master text styles</a:t>
             </a:r>
+            <a:endParaRPr lang="en-US"/>
           </a:p>
         </p:txBody>
       </p:sp>
@@ -4354,6 +4314,7 @@
               <a:rPr lang="en-US"/>
               <a:t>Click to edit Master text styles</a:t>
             </a:r>
+            <a:endParaRPr lang="en-US"/>
           </a:p>
           <a:p>
             <a:pPr lvl="1"/>
@@ -4361,6 +4322,7 @@
               <a:rPr lang="en-US"/>
               <a:t>Second level</a:t>
             </a:r>
+            <a:endParaRPr lang="en-US"/>
           </a:p>
           <a:p>
             <a:pPr lvl="2"/>
@@ -4368,6 +4330,7 @@
               <a:rPr lang="en-US"/>
               <a:t>Third level</a:t>
             </a:r>
+            <a:endParaRPr lang="en-US"/>
           </a:p>
           <a:p>
             <a:pPr lvl="3"/>
@@ -4375,6 +4338,7 @@
               <a:rPr lang="en-US"/>
               <a:t>Fourth level</a:t>
             </a:r>
+            <a:endParaRPr lang="en-US"/>
           </a:p>
           <a:p>
             <a:pPr lvl="4"/>
@@ -4450,6 +4414,7 @@
               <a:rPr lang="en-US"/>
               <a:t>Click to edit Master text styles</a:t>
             </a:r>
+            <a:endParaRPr lang="en-US"/>
           </a:p>
         </p:txBody>
       </p:sp>
@@ -4480,6 +4445,7 @@
               <a:rPr lang="en-US"/>
               <a:t>Click to edit Master text styles</a:t>
             </a:r>
+            <a:endParaRPr lang="en-US"/>
           </a:p>
           <a:p>
             <a:pPr lvl="1"/>
@@ -4487,6 +4453,7 @@
               <a:rPr lang="en-US"/>
               <a:t>Second level</a:t>
             </a:r>
+            <a:endParaRPr lang="en-US"/>
           </a:p>
           <a:p>
             <a:pPr lvl="2"/>
@@ -4494,6 +4461,7 @@
               <a:rPr lang="en-US"/>
               <a:t>Third level</a:t>
             </a:r>
+            <a:endParaRPr lang="en-US"/>
           </a:p>
           <a:p>
             <a:pPr lvl="3"/>
@@ -4501,6 +4469,7 @@
               <a:rPr lang="en-US"/>
               <a:t>Fourth level</a:t>
             </a:r>
+            <a:endParaRPr lang="en-US"/>
           </a:p>
           <a:p>
             <a:pPr lvl="4"/>
@@ -4529,7 +4498,6 @@
           <a:p>
             <a:fld id="{84D693F1-5C69-4659-AC2D-3B8B20F1BBBB}" type="datetimeFigureOut">
               <a:rPr lang="en-US" smtClean="0"/>
-              <a:t>8/9/2025</a:t>
             </a:fld>
             <a:endParaRPr lang="en-US"/>
           </a:p>
@@ -4571,18 +4539,12 @@
           <a:p>
             <a:fld id="{3CBF80C8-26B9-4536-BFB4-292C29E5F23B}" type="slidenum">
               <a:rPr lang="en-US" smtClean="0"/>
-              <a:t>‹#›</a:t>
             </a:fld>
             <a:endParaRPr lang="en-US"/>
           </a:p>
         </p:txBody>
       </p:sp>
     </p:spTree>
-    <p:extLst>
-      <p:ext uri="{BB962C8B-B14F-4D97-AF65-F5344CB8AC3E}">
-        <p14:creationId xmlns:p14="http://schemas.microsoft.com/office/powerpoint/2010/main" val="1939877147"/>
-      </p:ext>
-    </p:extLst>
   </p:cSld>
   <p:clrMapOvr>
     <a:masterClrMapping/>
@@ -4652,7 +4614,6 @@
           <a:p>
             <a:fld id="{84D693F1-5C69-4659-AC2D-3B8B20F1BBBB}" type="datetimeFigureOut">
               <a:rPr lang="en-US" smtClean="0"/>
-              <a:t>8/9/2025</a:t>
             </a:fld>
             <a:endParaRPr lang="en-US"/>
           </a:p>
@@ -4694,18 +4655,12 @@
           <a:p>
             <a:fld id="{3CBF80C8-26B9-4536-BFB4-292C29E5F23B}" type="slidenum">
               <a:rPr lang="en-US" smtClean="0"/>
-              <a:t>‹#›</a:t>
             </a:fld>
             <a:endParaRPr lang="en-US"/>
           </a:p>
         </p:txBody>
       </p:sp>
     </p:spTree>
-    <p:extLst>
-      <p:ext uri="{BB962C8B-B14F-4D97-AF65-F5344CB8AC3E}">
-        <p14:creationId xmlns:p14="http://schemas.microsoft.com/office/powerpoint/2010/main" val="2188266507"/>
-      </p:ext>
-    </p:extLst>
   </p:cSld>
   <p:clrMapOvr>
     <a:masterClrMapping/>
@@ -4747,7 +4702,6 @@
           <a:p>
             <a:fld id="{84D693F1-5C69-4659-AC2D-3B8B20F1BBBB}" type="datetimeFigureOut">
               <a:rPr lang="en-US" smtClean="0"/>
-              <a:t>8/9/2025</a:t>
             </a:fld>
             <a:endParaRPr lang="en-US"/>
           </a:p>
@@ -4789,18 +4743,12 @@
           <a:p>
             <a:fld id="{3CBF80C8-26B9-4536-BFB4-292C29E5F23B}" type="slidenum">
               <a:rPr lang="en-US" smtClean="0"/>
-              <a:t>‹#›</a:t>
             </a:fld>
             <a:endParaRPr lang="en-US"/>
           </a:p>
         </p:txBody>
       </p:sp>
     </p:spTree>
-    <p:extLst>
-      <p:ext uri="{BB962C8B-B14F-4D97-AF65-F5344CB8AC3E}">
-        <p14:creationId xmlns:p14="http://schemas.microsoft.com/office/powerpoint/2010/main" val="3234882486"/>
-      </p:ext>
-    </p:extLst>
   </p:cSld>
   <p:clrMapOvr>
     <a:masterClrMapping/>
@@ -4886,6 +4834,7 @@
               <a:rPr lang="en-US"/>
               <a:t>Click to edit Master text styles</a:t>
             </a:r>
+            <a:endParaRPr lang="en-US"/>
           </a:p>
           <a:p>
             <a:pPr lvl="1"/>
@@ -4893,6 +4842,7 @@
               <a:rPr lang="en-US"/>
               <a:t>Second level</a:t>
             </a:r>
+            <a:endParaRPr lang="en-US"/>
           </a:p>
           <a:p>
             <a:pPr lvl="2"/>
@@ -4900,6 +4850,7 @@
               <a:rPr lang="en-US"/>
               <a:t>Third level</a:t>
             </a:r>
+            <a:endParaRPr lang="en-US"/>
           </a:p>
           <a:p>
             <a:pPr lvl="3"/>
@@ -4907,6 +4858,7 @@
               <a:rPr lang="en-US"/>
               <a:t>Fourth level</a:t>
             </a:r>
+            <a:endParaRPr lang="en-US"/>
           </a:p>
           <a:p>
             <a:pPr lvl="4"/>
@@ -4943,35 +4895,35 @@
               <a:buNone/>
               <a:defRPr sz="1400"/>
             </a:lvl1pPr>
-            <a:lvl2pPr marL="457063" indent="0">
+            <a:lvl2pPr marL="457200" indent="0">
               <a:buNone/>
               <a:defRPr sz="1400"/>
             </a:lvl2pPr>
-            <a:lvl3pPr marL="914126" indent="0">
+            <a:lvl3pPr marL="914400" indent="0">
               <a:buNone/>
               <a:defRPr sz="1200"/>
             </a:lvl3pPr>
-            <a:lvl4pPr marL="1371189" indent="0">
+            <a:lvl4pPr marL="1370965" indent="0">
               <a:buNone/>
               <a:defRPr sz="1000"/>
             </a:lvl4pPr>
-            <a:lvl5pPr marL="1828251" indent="0">
+            <a:lvl5pPr marL="1828165" indent="0">
               <a:buNone/>
               <a:defRPr sz="1000"/>
             </a:lvl5pPr>
-            <a:lvl6pPr marL="2285314" indent="0">
+            <a:lvl6pPr marL="2285365" indent="0">
               <a:buNone/>
               <a:defRPr sz="1000"/>
             </a:lvl6pPr>
-            <a:lvl7pPr marL="2742377" indent="0">
+            <a:lvl7pPr marL="2742565" indent="0">
               <a:buNone/>
               <a:defRPr sz="1000"/>
             </a:lvl7pPr>
-            <a:lvl8pPr marL="3199440" indent="0">
+            <a:lvl8pPr marL="3199130" indent="0">
               <a:buNone/>
               <a:defRPr sz="1000"/>
             </a:lvl8pPr>
-            <a:lvl9pPr marL="3656503" indent="0">
+            <a:lvl9pPr marL="3656330" indent="0">
               <a:buNone/>
               <a:defRPr sz="1000"/>
             </a:lvl9pPr>
@@ -4982,6 +4934,7 @@
               <a:rPr lang="en-US"/>
               <a:t>Click to edit Master text styles</a:t>
             </a:r>
+            <a:endParaRPr lang="en-US"/>
           </a:p>
         </p:txBody>
       </p:sp>
@@ -5002,7 +4955,6 @@
           <a:p>
             <a:fld id="{84D693F1-5C69-4659-AC2D-3B8B20F1BBBB}" type="datetimeFigureOut">
               <a:rPr lang="en-US" smtClean="0"/>
-              <a:t>8/9/2025</a:t>
             </a:fld>
             <a:endParaRPr lang="en-US"/>
           </a:p>
@@ -5044,18 +4996,12 @@
           <a:p>
             <a:fld id="{3CBF80C8-26B9-4536-BFB4-292C29E5F23B}" type="slidenum">
               <a:rPr lang="en-US" smtClean="0"/>
-              <a:t>‹#›</a:t>
             </a:fld>
             <a:endParaRPr lang="en-US"/>
           </a:p>
         </p:txBody>
       </p:sp>
     </p:spTree>
-    <p:extLst>
-      <p:ext uri="{BB962C8B-B14F-4D97-AF65-F5344CB8AC3E}">
-        <p14:creationId xmlns:p14="http://schemas.microsoft.com/office/powerpoint/2010/main" val="2943065306"/>
-      </p:ext>
-    </p:extLst>
   </p:cSld>
   <p:clrMapOvr>
     <a:masterClrMapping/>
@@ -5245,6 +5191,7 @@
               <a:rPr lang="en-US"/>
               <a:t>Click to edit Master text styles</a:t>
             </a:r>
+            <a:endParaRPr lang="en-US"/>
           </a:p>
         </p:txBody>
       </p:sp>
@@ -5265,7 +5212,6 @@
           <a:p>
             <a:fld id="{84D693F1-5C69-4659-AC2D-3B8B20F1BBBB}" type="datetimeFigureOut">
               <a:rPr lang="en-US" smtClean="0"/>
-              <a:t>8/9/2025</a:t>
             </a:fld>
             <a:endParaRPr lang="en-US"/>
           </a:p>
@@ -5307,18 +5253,12 @@
           <a:p>
             <a:fld id="{3CBF80C8-26B9-4536-BFB4-292C29E5F23B}" type="slidenum">
               <a:rPr lang="en-US" smtClean="0"/>
-              <a:t>‹#›</a:t>
             </a:fld>
             <a:endParaRPr lang="en-US"/>
           </a:p>
         </p:txBody>
       </p:sp>
     </p:spTree>
-    <p:extLst>
-      <p:ext uri="{BB962C8B-B14F-4D97-AF65-F5344CB8AC3E}">
-        <p14:creationId xmlns:p14="http://schemas.microsoft.com/office/powerpoint/2010/main" val="1687598537"/>
-      </p:ext>
-    </p:extLst>
   </p:cSld>
   <p:clrMapOvr>
     <a:masterClrMapping/>
@@ -5941,6 +5881,7 @@
               <a:rPr lang="en-US"/>
               <a:t>Click to edit Master text styles</a:t>
             </a:r>
+            <a:endParaRPr lang="en-US"/>
           </a:p>
           <a:p>
             <a:pPr lvl="1"/>
@@ -5948,6 +5889,7 @@
               <a:rPr lang="en-US"/>
               <a:t>Second level</a:t>
             </a:r>
+            <a:endParaRPr lang="en-US"/>
           </a:p>
           <a:p>
             <a:pPr lvl="2"/>
@@ -5955,6 +5897,7 @@
               <a:rPr lang="en-US"/>
               <a:t>Third level</a:t>
             </a:r>
+            <a:endParaRPr lang="en-US"/>
           </a:p>
           <a:p>
             <a:pPr lvl="3"/>
@@ -5962,6 +5905,7 @@
               <a:rPr lang="en-US"/>
               <a:t>Fourth level</a:t>
             </a:r>
+            <a:endParaRPr lang="en-US"/>
           </a:p>
           <a:p>
             <a:pPr lvl="4"/>
@@ -6008,7 +5952,6 @@
           <a:p>
             <a:fld id="{84D693F1-5C69-4659-AC2D-3B8B20F1BBBB}" type="datetimeFigureOut">
               <a:rPr lang="en-US" smtClean="0"/>
-              <a:t>8/9/2025</a:t>
             </a:fld>
             <a:endParaRPr lang="en-US"/>
           </a:p>
@@ -6084,37 +6027,31 @@
           <a:p>
             <a:fld id="{3CBF80C8-26B9-4536-BFB4-292C29E5F23B}" type="slidenum">
               <a:rPr lang="en-US" smtClean="0"/>
-              <a:t>‹#›</a:t>
             </a:fld>
             <a:endParaRPr lang="en-US"/>
           </a:p>
         </p:txBody>
       </p:sp>
     </p:spTree>
-    <p:extLst>
-      <p:ext uri="{BB962C8B-B14F-4D97-AF65-F5344CB8AC3E}">
-        <p14:creationId xmlns:p14="http://schemas.microsoft.com/office/powerpoint/2010/main" val="4084402207"/>
-      </p:ext>
-    </p:extLst>
   </p:cSld>
   <p:clrMap bg1="lt1" tx1="dk1" bg2="lt2" tx2="dk2" accent1="accent1" accent2="accent2" accent3="accent3" accent4="accent4" accent5="accent5" accent6="accent6" hlink="hlink" folHlink="folHlink"/>
   <p:sldLayoutIdLst>
-    <p:sldLayoutId id="2147483714" r:id="rId1"/>
-    <p:sldLayoutId id="2147483715" r:id="rId2"/>
-    <p:sldLayoutId id="2147483716" r:id="rId3"/>
-    <p:sldLayoutId id="2147483717" r:id="rId4"/>
-    <p:sldLayoutId id="2147483718" r:id="rId5"/>
-    <p:sldLayoutId id="2147483719" r:id="rId6"/>
-    <p:sldLayoutId id="2147483720" r:id="rId7"/>
-    <p:sldLayoutId id="2147483721" r:id="rId8"/>
-    <p:sldLayoutId id="2147483722" r:id="rId9"/>
-    <p:sldLayoutId id="2147483723" r:id="rId10"/>
-    <p:sldLayoutId id="2147483724" r:id="rId11"/>
-    <p:sldLayoutId id="2147483725" r:id="rId12"/>
-    <p:sldLayoutId id="2147483726" r:id="rId13"/>
-    <p:sldLayoutId id="2147483727" r:id="rId14"/>
-    <p:sldLayoutId id="2147483728" r:id="rId15"/>
-    <p:sldLayoutId id="2147483729" r:id="rId16"/>
+    <p:sldLayoutId id="2147483649" r:id="rId1"/>
+    <p:sldLayoutId id="2147483650" r:id="rId2"/>
+    <p:sldLayoutId id="2147483651" r:id="rId3"/>
+    <p:sldLayoutId id="2147483652" r:id="rId4"/>
+    <p:sldLayoutId id="2147483653" r:id="rId5"/>
+    <p:sldLayoutId id="2147483654" r:id="rId6"/>
+    <p:sldLayoutId id="2147483655" r:id="rId7"/>
+    <p:sldLayoutId id="2147483656" r:id="rId8"/>
+    <p:sldLayoutId id="2147483657" r:id="rId9"/>
+    <p:sldLayoutId id="2147483658" r:id="rId10"/>
+    <p:sldLayoutId id="2147483659" r:id="rId11"/>
+    <p:sldLayoutId id="2147483660" r:id="rId12"/>
+    <p:sldLayoutId id="2147483661" r:id="rId13"/>
+    <p:sldLayoutId id="2147483662" r:id="rId14"/>
+    <p:sldLayoutId id="2147483663" r:id="rId15"/>
+    <p:sldLayoutId id="2147483664" r:id="rId16"/>
   </p:sldLayoutIdLst>
   <p:txStyles>
     <p:titleStyle>
@@ -6201,7 +6138,7 @@
           <a:schemeClr val="accent1"/>
         </a:buClr>
         <a:buSzPct val="80000"/>
-        <a:buFont typeface="Wingdings 3" charset="2"/>
+        <a:buFont typeface="Wingdings 3" panose="05040102010807070707" charset="2"/>
         <a:buChar char=""/>
         <a:defRPr sz="1800" kern="1200">
           <a:solidFill>
@@ -6226,7 +6163,7 @@
           <a:schemeClr val="accent1"/>
         </a:buClr>
         <a:buSzPct val="80000"/>
-        <a:buFont typeface="Wingdings 3" charset="2"/>
+        <a:buFont typeface="Wingdings 3" panose="05040102010807070707" charset="2"/>
         <a:buChar char=""/>
         <a:defRPr sz="1600" kern="1200">
           <a:solidFill>
@@ -6251,7 +6188,7 @@
           <a:schemeClr val="accent1"/>
         </a:buClr>
         <a:buSzPct val="80000"/>
-        <a:buFont typeface="Wingdings 3" charset="2"/>
+        <a:buFont typeface="Wingdings 3" panose="05040102010807070707" charset="2"/>
         <a:buChar char=""/>
         <a:defRPr sz="1400" kern="1200">
           <a:solidFill>
@@ -6276,7 +6213,7 @@
           <a:schemeClr val="accent1"/>
         </a:buClr>
         <a:buSzPct val="80000"/>
-        <a:buFont typeface="Wingdings 3" charset="2"/>
+        <a:buFont typeface="Wingdings 3" panose="05040102010807070707" charset="2"/>
         <a:buChar char=""/>
         <a:defRPr sz="1200" kern="1200">
           <a:solidFill>
@@ -6301,7 +6238,7 @@
           <a:schemeClr val="accent1"/>
         </a:buClr>
         <a:buSzPct val="80000"/>
-        <a:buFont typeface="Wingdings 3" charset="2"/>
+        <a:buFont typeface="Wingdings 3" panose="05040102010807070707" charset="2"/>
         <a:buChar char=""/>
         <a:defRPr sz="1200" kern="1200">
           <a:solidFill>
@@ -6326,7 +6263,7 @@
           <a:schemeClr val="accent1"/>
         </a:buClr>
         <a:buSzPct val="80000"/>
-        <a:buFont typeface="Wingdings 3" charset="2"/>
+        <a:buFont typeface="Wingdings 3" panose="05040102010807070707" charset="2"/>
         <a:buChar char=""/>
         <a:defRPr sz="1200" kern="1200">
           <a:solidFill>
@@ -6351,7 +6288,7 @@
           <a:schemeClr val="accent1"/>
         </a:buClr>
         <a:buSzPct val="80000"/>
-        <a:buFont typeface="Wingdings 3" charset="2"/>
+        <a:buFont typeface="Wingdings 3" panose="05040102010807070707" charset="2"/>
         <a:buChar char=""/>
         <a:defRPr sz="1200" kern="1200">
           <a:solidFill>
@@ -6376,7 +6313,7 @@
           <a:schemeClr val="accent1"/>
         </a:buClr>
         <a:buSzPct val="80000"/>
-        <a:buFont typeface="Wingdings 3" charset="2"/>
+        <a:buFont typeface="Wingdings 3" panose="05040102010807070707" charset="2"/>
         <a:buChar char=""/>
         <a:defRPr sz="1200" kern="1200">
           <a:solidFill>
@@ -6401,7 +6338,7 @@
           <a:schemeClr val="accent1"/>
         </a:buClr>
         <a:buSzPct val="80000"/>
-        <a:buFont typeface="Wingdings 3" charset="2"/>
+        <a:buFont typeface="Wingdings 3" panose="05040102010807070707" charset="2"/>
         <a:buChar char=""/>
         <a:defRPr sz="1200" kern="1200">
           <a:solidFill>
@@ -6534,13 +6471,7 @@
       </p:grpSpPr>
       <p:sp>
         <p:nvSpPr>
-          <p:cNvPr id="2" name="Title 1">
-            <a:extLst>
-              <a:ext uri="{FF2B5EF4-FFF2-40B4-BE49-F238E27FC236}">
-                <a16:creationId xmlns:a16="http://schemas.microsoft.com/office/drawing/2014/main" id="{D293D683-BA49-3358-95B7-3F290F13A2CA}"/>
-              </a:ext>
-            </a:extLst>
-          </p:cNvPr>
+          <p:cNvPr id="2" name="Title 1"/>
           <p:cNvSpPr>
             <a:spLocks noGrp="1"/>
           </p:cNvSpPr>
@@ -6588,18 +6519,13 @@
               <a:rPr lang="en-US" dirty="0"/>
               <a:t>                  </a:t>
             </a:r>
+            <a:endParaRPr lang="en-US" dirty="0"/>
           </a:p>
         </p:txBody>
       </p:sp>
       <p:pic>
         <p:nvPicPr>
-          <p:cNvPr id="5" name="Content Placeholder 4">
-            <a:extLst>
-              <a:ext uri="{FF2B5EF4-FFF2-40B4-BE49-F238E27FC236}">
-                <a16:creationId xmlns:a16="http://schemas.microsoft.com/office/drawing/2014/main" id="{546CA1C7-1858-6A91-E547-36A9D3BCA09A}"/>
-              </a:ext>
-            </a:extLst>
-          </p:cNvPr>
+          <p:cNvPr id="5" name="Content Placeholder 4"/>
           <p:cNvPicPr>
             <a:picLocks noGrp="1" noChangeAspect="1"/>
           </p:cNvPicPr>
@@ -6608,13 +6534,10 @@
           </p:nvPr>
         </p:nvPicPr>
         <p:blipFill>
-          <a:blip r:embed="rId2">
+          <a:blip r:embed="rId1">
             <a:extLst>
               <a:ext uri="{28A0092B-C50C-407E-A947-70E740481C1C}">
                 <a14:useLocalDpi xmlns:a14="http://schemas.microsoft.com/office/drawing/2010/main" val="0"/>
-              </a:ext>
-              <a:ext uri="{837473B0-CC2E-450A-ABE3-18F120FF3D39}">
-                <a1611:picAttrSrcUrl xmlns:a1611="http://schemas.microsoft.com/office/drawing/2016/11/main" r:id="rId3"/>
               </a:ext>
             </a:extLst>
           </a:blip>
@@ -6631,13 +6554,7 @@
       </p:pic>
       <p:sp>
         <p:nvSpPr>
-          <p:cNvPr id="6" name="TextBox 5">
-            <a:extLst>
-              <a:ext uri="{FF2B5EF4-FFF2-40B4-BE49-F238E27FC236}">
-                <a16:creationId xmlns:a16="http://schemas.microsoft.com/office/drawing/2014/main" id="{17FCA37B-9883-1436-291B-A067879FFA5A}"/>
-              </a:ext>
-            </a:extLst>
-          </p:cNvPr>
+          <p:cNvPr id="6" name="TextBox 5"/>
           <p:cNvSpPr txBox="1"/>
           <p:nvPr/>
         </p:nvSpPr>
@@ -6659,7 +6576,7 @@
           <a:p>
             <a:r>
               <a:rPr lang="en-US" sz="900">
-                <a:hlinkClick r:id="rId3" tooltip="https://opensource.hk/hkoscon-2015-statistics-attendance/"/>
+                <a:hlinkClick r:id="rId2" tooltip="https://opensource.hk/hkoscon-2015-statistics-attendance/"/>
               </a:rPr>
               <a:t>This Photo</a:t>
             </a:r>
@@ -6669,7 +6586,7 @@
             </a:r>
             <a:r>
               <a:rPr lang="en-US" sz="900">
-                <a:hlinkClick r:id="rId4" tooltip="https://creativecommons.org/licenses/by-sa/3.0/"/>
+                <a:hlinkClick r:id="rId3" tooltip="https://creativecommons.org/licenses/by-sa/3.0/"/>
               </a:rPr>
               <a:t>CC BY-SA</a:t>
             </a:r>
@@ -6678,11 +6595,6 @@
         </p:txBody>
       </p:sp>
     </p:spTree>
-    <p:extLst>
-      <p:ext uri="{BB962C8B-B14F-4D97-AF65-F5344CB8AC3E}">
-        <p14:creationId xmlns:p14="http://schemas.microsoft.com/office/powerpoint/2010/main" val="666917911"/>
-      </p:ext>
-    </p:extLst>
   </p:cSld>
   <p:clrMapOvr>
     <a:masterClrMapping/>
@@ -6709,13 +6621,7 @@
       </p:grpSpPr>
       <p:sp>
         <p:nvSpPr>
-          <p:cNvPr id="2" name="Title 1">
-            <a:extLst>
-              <a:ext uri="{FF2B5EF4-FFF2-40B4-BE49-F238E27FC236}">
-                <a16:creationId xmlns:a16="http://schemas.microsoft.com/office/drawing/2014/main" id="{17452543-87DF-5E34-F031-5231146C5AF8}"/>
-              </a:ext>
-            </a:extLst>
-          </p:cNvPr>
+          <p:cNvPr id="2" name="Title 1"/>
           <p:cNvSpPr>
             <a:spLocks noGrp="1"/>
           </p:cNvSpPr>
@@ -6725,8 +6631,8 @@
         </p:nvSpPr>
         <p:spPr>
           <a:xfrm>
-            <a:off x="18321" y="0"/>
-            <a:ext cx="4401233" cy="1142693"/>
+            <a:off x="677335" y="-725714"/>
+            <a:ext cx="8089294" cy="2322286"/>
           </a:xfrm>
         </p:spPr>
         <p:txBody>
@@ -6735,19 +6641,19 @@
           <a:p>
             <a:r>
               <a:rPr lang="en-US" dirty="0"/>
-              <a:t>             </a:t>
-            </a:r>
-            <a:r>
-              <a:rPr lang="en-US" sz="4800" dirty="0" err="1">
+              <a:t>                    </a:t>
+            </a:r>
+            <a:r>
+              <a:rPr lang="en-US" dirty="0">
                 <a:solidFill>
                   <a:schemeClr val="accent4">
                     <a:lumMod val="75000"/>
                   </a:schemeClr>
                 </a:solidFill>
               </a:rPr>
-              <a:t>RelationShip</a:t>
-            </a:r>
-            <a:endParaRPr lang="en-US" sz="4800" dirty="0">
+              <a:t>Login</a:t>
+            </a:r>
+            <a:endParaRPr lang="en-US" dirty="0">
               <a:solidFill>
                 <a:schemeClr val="accent4">
                   <a:lumMod val="75000"/>
@@ -6757,381 +6663,55 @@
           </a:p>
         </p:txBody>
       </p:sp>
+      <p:sp>
+        <p:nvSpPr>
+          <p:cNvPr id="3" name="Text Placeholder 2"/>
+          <p:cNvSpPr>
+            <a:spLocks noGrp="1"/>
+          </p:cNvSpPr>
+          <p:nvPr>
+            <p:ph type="body" idx="1"/>
+          </p:nvPr>
+        </p:nvSpPr>
+        <p:spPr>
+          <a:xfrm>
+            <a:off x="2554514" y="1045029"/>
+            <a:ext cx="6908800" cy="5653314"/>
+          </a:xfrm>
+        </p:spPr>
+        <p:txBody>
+          <a:bodyPr/>
+          <a:lstStyle/>
+          <a:p>
+            <a:endParaRPr lang="en-US" dirty="0"/>
+          </a:p>
+        </p:txBody>
+      </p:sp>
       <p:pic>
         <p:nvPicPr>
-          <p:cNvPr id="6" name="Content Placeholder 5">
-            <a:extLst>
-              <a:ext uri="{FF2B5EF4-FFF2-40B4-BE49-F238E27FC236}">
-                <a16:creationId xmlns:a16="http://schemas.microsoft.com/office/drawing/2014/main" id="{741ABF7E-529B-45C8-4038-73145726BA55}"/>
-              </a:ext>
-            </a:extLst>
-          </p:cNvPr>
+          <p:cNvPr id="5" name="Picture 4"/>
           <p:cNvPicPr>
-            <a:picLocks noGrp="1" noChangeAspect="1"/>
+            <a:picLocks noChangeAspect="1"/>
           </p:cNvPicPr>
-          <p:nvPr>
-            <p:ph idx="1"/>
-          </p:nvPr>
+          <p:nvPr/>
         </p:nvPicPr>
         <p:blipFill>
-          <a:blip r:embed="rId3">
-            <a:extLst>
-              <a:ext uri="{28A0092B-C50C-407E-A947-70E740481C1C}">
-                <a14:useLocalDpi xmlns:a14="http://schemas.microsoft.com/office/drawing/2010/main" val="0"/>
-              </a:ext>
-              <a:ext uri="{837473B0-CC2E-450A-ABE3-18F120FF3D39}">
-                <a1611:picAttrSrcUrl xmlns:a1611="http://schemas.microsoft.com/office/drawing/2016/11/main" r:id="rId4"/>
-              </a:ext>
-            </a:extLst>
-          </a:blip>
+          <a:blip r:embed="rId1"/>
           <a:stretch>
             <a:fillRect/>
           </a:stretch>
         </p:blipFill>
         <p:spPr>
           <a:xfrm>
-            <a:off x="4760913" y="972457"/>
-            <a:ext cx="7155316" cy="5212873"/>
+            <a:off x="3033486" y="1177128"/>
+            <a:ext cx="5254171" cy="5520624"/>
           </a:xfrm>
+          <a:prstGeom prst="rect">
+            <a:avLst/>
+          </a:prstGeom>
         </p:spPr>
       </p:pic>
-      <p:sp>
-        <p:nvSpPr>
-          <p:cNvPr id="4" name="Text Placeholder 3">
-            <a:extLst>
-              <a:ext uri="{FF2B5EF4-FFF2-40B4-BE49-F238E27FC236}">
-                <a16:creationId xmlns:a16="http://schemas.microsoft.com/office/drawing/2014/main" id="{63B39E69-93A3-6669-25C3-7C8ABDFA9125}"/>
-              </a:ext>
-            </a:extLst>
-          </p:cNvPr>
-          <p:cNvSpPr>
-            <a:spLocks noGrp="1"/>
-          </p:cNvSpPr>
-          <p:nvPr>
-            <p:ph type="body" sz="half" idx="2"/>
-          </p:nvPr>
-        </p:nvSpPr>
-        <p:spPr>
-          <a:xfrm>
-            <a:off x="18321" y="1142693"/>
-            <a:ext cx="4742592" cy="5345193"/>
-          </a:xfrm>
-        </p:spPr>
-        <p:txBody>
-          <a:bodyPr>
-            <a:noAutofit/>
-          </a:bodyPr>
-          <a:lstStyle/>
-          <a:p>
-            <a:pPr marL="342900" indent="-342900" fontAlgn="base">
-              <a:buFont typeface="Wingdings" panose="05000000000000000000" pitchFamily="2" charset="2"/>
-              <a:buChar char="v"/>
-            </a:pPr>
-            <a:r>
-              <a:rPr lang="en-US" sz="2400" dirty="0">
-                <a:solidFill>
-                  <a:schemeClr val="accent2">
-                    <a:lumMod val="75000"/>
-                  </a:schemeClr>
-                </a:solidFill>
-              </a:rPr>
-              <a:t>One </a:t>
-            </a:r>
-            <a:r>
-              <a:rPr lang="en-US" sz="2400" b="1" dirty="0">
-                <a:solidFill>
-                  <a:schemeClr val="accent2">
-                    <a:lumMod val="75000"/>
-                  </a:schemeClr>
-                </a:solidFill>
-              </a:rPr>
-              <a:t>User</a:t>
-            </a:r>
-            <a:r>
-              <a:rPr lang="en-US" sz="2400" dirty="0">
-                <a:solidFill>
-                  <a:schemeClr val="accent2">
-                    <a:lumMod val="75000"/>
-                  </a:schemeClr>
-                </a:solidFill>
-              </a:rPr>
-              <a:t> can book multiple </a:t>
-            </a:r>
-            <a:r>
-              <a:rPr lang="en-US" sz="2400" b="1" dirty="0">
-                <a:solidFill>
-                  <a:schemeClr val="accent2">
-                    <a:lumMod val="75000"/>
-                  </a:schemeClr>
-                </a:solidFill>
-              </a:rPr>
-              <a:t>Tickets</a:t>
-            </a:r>
-            <a:r>
-              <a:rPr lang="en-US" sz="2400" dirty="0">
-                <a:solidFill>
-                  <a:schemeClr val="accent2">
-                    <a:lumMod val="75000"/>
-                  </a:schemeClr>
-                </a:solidFill>
-              </a:rPr>
-              <a:t>.</a:t>
-            </a:r>
-          </a:p>
-          <a:p>
-            <a:pPr marL="342900" indent="-342900" fontAlgn="base">
-              <a:buFont typeface="Wingdings" panose="05000000000000000000" pitchFamily="2" charset="2"/>
-              <a:buChar char="v"/>
-            </a:pPr>
-            <a:r>
-              <a:rPr lang="en-US" sz="2400" dirty="0">
-                <a:solidFill>
-                  <a:schemeClr val="accent2">
-                    <a:lumMod val="75000"/>
-                  </a:schemeClr>
-                </a:solidFill>
-              </a:rPr>
-              <a:t>One </a:t>
-            </a:r>
-            <a:r>
-              <a:rPr lang="en-US" sz="2400" b="1" dirty="0">
-                <a:solidFill>
-                  <a:schemeClr val="accent2">
-                    <a:lumMod val="75000"/>
-                  </a:schemeClr>
-                </a:solidFill>
-              </a:rPr>
-              <a:t>Ticket</a:t>
-            </a:r>
-            <a:r>
-              <a:rPr lang="en-US" sz="2400" dirty="0">
-                <a:solidFill>
-                  <a:schemeClr val="accent2">
-                    <a:lumMod val="75000"/>
-                  </a:schemeClr>
-                </a:solidFill>
-              </a:rPr>
-              <a:t> is linked to one </a:t>
-            </a:r>
-            <a:r>
-              <a:rPr lang="en-US" sz="2400" b="1" dirty="0">
-                <a:solidFill>
-                  <a:schemeClr val="accent2">
-                    <a:lumMod val="75000"/>
-                  </a:schemeClr>
-                </a:solidFill>
-              </a:rPr>
-              <a:t>Event</a:t>
-            </a:r>
-            <a:r>
-              <a:rPr lang="en-US" sz="2400" dirty="0">
-                <a:solidFill>
-                  <a:schemeClr val="accent2">
-                    <a:lumMod val="75000"/>
-                  </a:schemeClr>
-                </a:solidFill>
-              </a:rPr>
-              <a:t>.</a:t>
-            </a:r>
-          </a:p>
-          <a:p>
-            <a:pPr marL="342900" indent="-342900" fontAlgn="base">
-              <a:buFont typeface="Wingdings" panose="05000000000000000000" pitchFamily="2" charset="2"/>
-              <a:buChar char="v"/>
-            </a:pPr>
-            <a:r>
-              <a:rPr lang="en-US" sz="2400" dirty="0">
-                <a:solidFill>
-                  <a:schemeClr val="accent2">
-                    <a:lumMod val="75000"/>
-                  </a:schemeClr>
-                </a:solidFill>
-              </a:rPr>
-              <a:t>One </a:t>
-            </a:r>
-            <a:r>
-              <a:rPr lang="en-US" sz="2400" b="1" dirty="0">
-                <a:solidFill>
-                  <a:schemeClr val="accent2">
-                    <a:lumMod val="75000"/>
-                  </a:schemeClr>
-                </a:solidFill>
-              </a:rPr>
-              <a:t>Event</a:t>
-            </a:r>
-            <a:r>
-              <a:rPr lang="en-US" sz="2400" dirty="0">
-                <a:solidFill>
-                  <a:schemeClr val="accent2">
-                    <a:lumMod val="75000"/>
-                  </a:schemeClr>
-                </a:solidFill>
-              </a:rPr>
-              <a:t> belongs to one </a:t>
-            </a:r>
-            <a:r>
-              <a:rPr lang="en-US" sz="2400" b="1" dirty="0">
-                <a:solidFill>
-                  <a:schemeClr val="accent2">
-                    <a:lumMod val="75000"/>
-                  </a:schemeClr>
-                </a:solidFill>
-              </a:rPr>
-              <a:t>Event Type</a:t>
-            </a:r>
-            <a:r>
-              <a:rPr lang="en-US" sz="2400" dirty="0">
-                <a:solidFill>
-                  <a:schemeClr val="accent2">
-                    <a:lumMod val="75000"/>
-                  </a:schemeClr>
-                </a:solidFill>
-              </a:rPr>
-              <a:t> (e.g., Movie, Music Festival, Convention).</a:t>
-            </a:r>
-          </a:p>
-          <a:p>
-            <a:pPr marL="342900" indent="-342900" fontAlgn="base">
-              <a:buFont typeface="Wingdings" panose="05000000000000000000" pitchFamily="2" charset="2"/>
-              <a:buChar char="v"/>
-            </a:pPr>
-            <a:r>
-              <a:rPr lang="en-US" sz="2400" dirty="0">
-                <a:solidFill>
-                  <a:schemeClr val="accent2">
-                    <a:lumMod val="75000"/>
-                  </a:schemeClr>
-                </a:solidFill>
-              </a:rPr>
-              <a:t>Multiple </a:t>
-            </a:r>
-            <a:r>
-              <a:rPr lang="en-US" sz="2400" b="1" dirty="0">
-                <a:solidFill>
-                  <a:schemeClr val="accent2">
-                    <a:lumMod val="75000"/>
-                  </a:schemeClr>
-                </a:solidFill>
-              </a:rPr>
-              <a:t>Events</a:t>
-            </a:r>
-            <a:r>
-              <a:rPr lang="en-US" sz="2400" dirty="0">
-                <a:solidFill>
-                  <a:schemeClr val="accent2">
-                    <a:lumMod val="75000"/>
-                  </a:schemeClr>
-                </a:solidFill>
-              </a:rPr>
-              <a:t> can be managed by multiple </a:t>
-            </a:r>
-            <a:r>
-              <a:rPr lang="en-US" sz="2400" b="1" dirty="0">
-                <a:solidFill>
-                  <a:schemeClr val="accent2">
-                    <a:lumMod val="75000"/>
-                  </a:schemeClr>
-                </a:solidFill>
-              </a:rPr>
-              <a:t>Admins</a:t>
-            </a:r>
-            <a:r>
-              <a:rPr lang="en-US" sz="2400" dirty="0">
-                <a:solidFill>
-                  <a:schemeClr val="accent2">
-                    <a:lumMod val="75000"/>
-                  </a:schemeClr>
-                </a:solidFill>
-              </a:rPr>
-              <a:t>.</a:t>
-            </a:r>
-          </a:p>
-          <a:p>
-            <a:pPr marL="342900" indent="-342900" fontAlgn="base">
-              <a:buFont typeface="Wingdings" panose="05000000000000000000" pitchFamily="2" charset="2"/>
-              <a:buChar char="v"/>
-            </a:pPr>
-            <a:r>
-              <a:rPr lang="en-US" sz="2400" dirty="0">
-                <a:solidFill>
-                  <a:schemeClr val="accent2">
-                    <a:lumMod val="75000"/>
-                  </a:schemeClr>
-                </a:solidFill>
-              </a:rPr>
-              <a:t>One </a:t>
-            </a:r>
-            <a:r>
-              <a:rPr lang="en-US" sz="2400" b="1" dirty="0">
-                <a:solidFill>
-                  <a:schemeClr val="accent2">
-                    <a:lumMod val="75000"/>
-                  </a:schemeClr>
-                </a:solidFill>
-              </a:rPr>
-              <a:t>Payment</a:t>
-            </a:r>
-            <a:r>
-              <a:rPr lang="en-US" sz="2400" dirty="0">
-                <a:solidFill>
-                  <a:schemeClr val="accent2">
-                    <a:lumMod val="75000"/>
-                  </a:schemeClr>
-                </a:solidFill>
-              </a:rPr>
-              <a:t> is associated with one </a:t>
-            </a:r>
-            <a:r>
-              <a:rPr lang="en-US" sz="2400" b="1" dirty="0">
-                <a:solidFill>
-                  <a:schemeClr val="accent2">
-                    <a:lumMod val="75000"/>
-                  </a:schemeClr>
-                </a:solidFill>
-              </a:rPr>
-              <a:t>Ticket</a:t>
-            </a:r>
-            <a:r>
-              <a:rPr lang="en-US" sz="2400" dirty="0">
-                <a:solidFill>
-                  <a:schemeClr val="accent2">
-                    <a:lumMod val="75000"/>
-                  </a:schemeClr>
-                </a:solidFill>
-              </a:rPr>
-              <a:t>.</a:t>
-            </a:r>
-          </a:p>
-          <a:p>
-            <a:pPr marL="342900" indent="-342900">
-              <a:buFont typeface="Wingdings" panose="05000000000000000000" pitchFamily="2" charset="2"/>
-              <a:buChar char="v"/>
-            </a:pPr>
-            <a:br>
-              <a:rPr lang="en-US" sz="2400" dirty="0">
-                <a:solidFill>
-                  <a:schemeClr val="accent2">
-                    <a:lumMod val="75000"/>
-                  </a:schemeClr>
-                </a:solidFill>
-              </a:rPr>
-            </a:br>
-            <a:endParaRPr lang="en-US" sz="2400" dirty="0">
-              <a:solidFill>
-                <a:schemeClr val="accent2">
-                  <a:lumMod val="75000"/>
-                </a:schemeClr>
-              </a:solidFill>
-            </a:endParaRPr>
-          </a:p>
-        </p:txBody>
-      </p:sp>
     </p:spTree>
-    <p:extLst>
-      <p:ext uri="{BB962C8B-B14F-4D97-AF65-F5344CB8AC3E}">
-        <p14:creationId xmlns:p14="http://schemas.microsoft.com/office/powerpoint/2010/main" val="3595010718"/>
-      </p:ext>
-    </p:extLst>
   </p:cSld>
   <p:clrMapOvr>
     <a:masterClrMapping/>
@@ -7158,13 +6738,7 @@
       </p:grpSpPr>
       <p:sp>
         <p:nvSpPr>
-          <p:cNvPr id="2" name="Title 1">
-            <a:extLst>
-              <a:ext uri="{FF2B5EF4-FFF2-40B4-BE49-F238E27FC236}">
-                <a16:creationId xmlns:a16="http://schemas.microsoft.com/office/drawing/2014/main" id="{ECDF3B29-53AC-A0C5-A3B3-A1E49D6D7F50}"/>
-              </a:ext>
-            </a:extLst>
-          </p:cNvPr>
+          <p:cNvPr id="2" name="Title 1"/>
           <p:cNvSpPr>
             <a:spLocks noGrp="1"/>
           </p:cNvSpPr>
@@ -7174,85 +6748,82 @@
         </p:nvSpPr>
         <p:spPr>
           <a:xfrm>
-            <a:off x="677335" y="-725714"/>
-            <a:ext cx="8089294" cy="2322286"/>
+            <a:off x="677334" y="182163"/>
+            <a:ext cx="8439115" cy="634475"/>
           </a:xfrm>
         </p:spPr>
         <p:txBody>
+          <a:bodyPr>
+            <a:normAutofit fontScale="90000"/>
+          </a:bodyPr>
+          <a:lstStyle/>
+          <a:p>
+            <a:r>
+              <a:rPr lang="en-US" dirty="0"/>
+              <a:t>                   </a:t>
+            </a:r>
+            <a:r>
+              <a:rPr lang="en-US" dirty="0">
+                <a:solidFill>
+                  <a:schemeClr val="accent4">
+                    <a:lumMod val="75000"/>
+                  </a:schemeClr>
+                </a:solidFill>
+              </a:rPr>
+              <a:t>Registration</a:t>
+            </a:r>
+            <a:endParaRPr lang="en-US" dirty="0">
+              <a:solidFill>
+                <a:schemeClr val="accent4">
+                  <a:lumMod val="75000"/>
+                </a:schemeClr>
+              </a:solidFill>
+            </a:endParaRPr>
+          </a:p>
+        </p:txBody>
+      </p:sp>
+      <p:sp>
+        <p:nvSpPr>
+          <p:cNvPr id="3" name="Text Placeholder 2"/>
+          <p:cNvSpPr>
+            <a:spLocks noGrp="1"/>
+          </p:cNvSpPr>
+          <p:nvPr>
+            <p:ph type="body" idx="1"/>
+          </p:nvPr>
+        </p:nvSpPr>
+        <p:spPr>
+          <a:xfrm>
+            <a:off x="3091070" y="816638"/>
+            <a:ext cx="4601817" cy="5622283"/>
+          </a:xfrm>
+        </p:spPr>
+        <p:txBody>
           <a:bodyPr/>
           <a:lstStyle/>
           <a:p>
-            <a:r>
-              <a:rPr lang="en-US" dirty="0"/>
-              <a:t>                    </a:t>
-            </a:r>
-            <a:r>
-              <a:rPr lang="en-US" dirty="0">
-                <a:solidFill>
-                  <a:schemeClr val="accent4">
-                    <a:lumMod val="75000"/>
-                  </a:schemeClr>
-                </a:solidFill>
-              </a:rPr>
-              <a:t>Login</a:t>
-            </a:r>
-          </a:p>
-        </p:txBody>
-      </p:sp>
-      <p:sp>
-        <p:nvSpPr>
-          <p:cNvPr id="3" name="Text Placeholder 2">
-            <a:extLst>
-              <a:ext uri="{FF2B5EF4-FFF2-40B4-BE49-F238E27FC236}">
-                <a16:creationId xmlns:a16="http://schemas.microsoft.com/office/drawing/2014/main" id="{5B283C23-7F8C-60EC-3A52-B4669B89E97A}"/>
-              </a:ext>
-            </a:extLst>
-          </p:cNvPr>
-          <p:cNvSpPr>
-            <a:spLocks noGrp="1"/>
-          </p:cNvSpPr>
-          <p:nvPr>
-            <p:ph type="body" idx="1"/>
-          </p:nvPr>
-        </p:nvSpPr>
-        <p:spPr>
-          <a:xfrm>
-            <a:off x="2554514" y="1045029"/>
-            <a:ext cx="6908800" cy="5653314"/>
-          </a:xfrm>
-        </p:spPr>
-        <p:txBody>
-          <a:bodyPr/>
-          <a:lstStyle/>
-          <a:p>
             <a:endParaRPr lang="en-US" dirty="0"/>
           </a:p>
         </p:txBody>
       </p:sp>
       <p:pic>
         <p:nvPicPr>
-          <p:cNvPr id="5" name="Picture 4">
-            <a:extLst>
-              <a:ext uri="{FF2B5EF4-FFF2-40B4-BE49-F238E27FC236}">
-                <a16:creationId xmlns:a16="http://schemas.microsoft.com/office/drawing/2014/main" id="{D8CF684C-BC82-1826-2DA7-EAC05E1EE813}"/>
-              </a:ext>
-            </a:extLst>
-          </p:cNvPr>
+          <p:cNvPr id="5" name="Picture 4"/>
           <p:cNvPicPr>
             <a:picLocks noChangeAspect="1"/>
           </p:cNvPicPr>
           <p:nvPr/>
         </p:nvPicPr>
         <p:blipFill>
-          <a:blip r:embed="rId3"/>
+          <a:blip r:embed="rId1"/>
           <a:stretch>
             <a:fillRect/>
           </a:stretch>
         </p:blipFill>
         <p:spPr>
           <a:xfrm>
-            <a:off x="3033486" y="1177128"/>
-            <a:ext cx="5254171" cy="5520624"/>
+            <a:off x="3210338" y="816638"/>
+            <a:ext cx="3922317" cy="5622283"/>
           </a:xfrm>
           <a:prstGeom prst="rect">
             <a:avLst/>
@@ -7260,11 +6831,6 @@
         </p:spPr>
       </p:pic>
     </p:spTree>
-    <p:extLst>
-      <p:ext uri="{BB962C8B-B14F-4D97-AF65-F5344CB8AC3E}">
-        <p14:creationId xmlns:p14="http://schemas.microsoft.com/office/powerpoint/2010/main" val="2279933345"/>
-      </p:ext>
-    </p:extLst>
   </p:cSld>
   <p:clrMapOvr>
     <a:masterClrMapping/>
@@ -7291,13 +6857,7 @@
       </p:grpSpPr>
       <p:sp>
         <p:nvSpPr>
-          <p:cNvPr id="2" name="Title 1">
-            <a:extLst>
-              <a:ext uri="{FF2B5EF4-FFF2-40B4-BE49-F238E27FC236}">
-                <a16:creationId xmlns:a16="http://schemas.microsoft.com/office/drawing/2014/main" id="{53C3CA8C-717F-5F09-0EBD-1637F14F2A39}"/>
-              </a:ext>
-            </a:extLst>
-          </p:cNvPr>
+          <p:cNvPr id="2" name="Title 1"/>
           <p:cNvSpPr>
             <a:spLocks noGrp="1"/>
           </p:cNvSpPr>
@@ -7307,19 +6867,17 @@
         </p:nvSpPr>
         <p:spPr>
           <a:xfrm>
-            <a:off x="677334" y="182163"/>
-            <a:ext cx="8439115" cy="634475"/>
+            <a:off x="1997765" y="99392"/>
+            <a:ext cx="6828183" cy="717246"/>
           </a:xfrm>
         </p:spPr>
         <p:txBody>
-          <a:bodyPr>
-            <a:normAutofit fontScale="90000"/>
-          </a:bodyPr>
+          <a:bodyPr/>
           <a:lstStyle/>
           <a:p>
             <a:r>
               <a:rPr lang="en-US" dirty="0"/>
-              <a:t>                   </a:t>
+              <a:t>                  </a:t>
             </a:r>
             <a:r>
               <a:rPr lang="en-US" dirty="0">
@@ -7329,77 +6887,116 @@
                   </a:schemeClr>
                 </a:solidFill>
               </a:rPr>
-              <a:t>Registration</a:t>
-            </a:r>
-          </a:p>
-        </p:txBody>
-      </p:sp>
-      <p:sp>
-        <p:nvSpPr>
-          <p:cNvPr id="3" name="Text Placeholder 2">
-            <a:extLst>
-              <a:ext uri="{FF2B5EF4-FFF2-40B4-BE49-F238E27FC236}">
-                <a16:creationId xmlns:a16="http://schemas.microsoft.com/office/drawing/2014/main" id="{1DCB597D-EE75-E271-37FD-F011D7437455}"/>
-              </a:ext>
-            </a:extLst>
-          </p:cNvPr>
-          <p:cNvSpPr>
-            <a:spLocks noGrp="1"/>
-          </p:cNvSpPr>
-          <p:nvPr>
-            <p:ph type="body" idx="1"/>
-          </p:nvPr>
-        </p:nvSpPr>
-        <p:spPr>
-          <a:xfrm>
-            <a:off x="3091070" y="816638"/>
-            <a:ext cx="4601817" cy="5622283"/>
-          </a:xfrm>
-        </p:spPr>
-        <p:txBody>
-          <a:bodyPr/>
-          <a:lstStyle/>
-          <a:p>
-            <a:endParaRPr lang="en-US" dirty="0"/>
+              <a:t>INVOICE</a:t>
+            </a:r>
+            <a:endParaRPr lang="en-US" dirty="0">
+              <a:solidFill>
+                <a:schemeClr val="accent4">
+                  <a:lumMod val="75000"/>
+                </a:schemeClr>
+              </a:solidFill>
+            </a:endParaRPr>
           </a:p>
         </p:txBody>
       </p:sp>
       <p:pic>
         <p:nvPicPr>
-          <p:cNvPr id="5" name="Picture 4">
-            <a:extLst>
-              <a:ext uri="{FF2B5EF4-FFF2-40B4-BE49-F238E27FC236}">
-                <a16:creationId xmlns:a16="http://schemas.microsoft.com/office/drawing/2014/main" id="{56FE70CC-BC88-C0A0-CA96-DDE880F38DC9}"/>
-              </a:ext>
-            </a:extLst>
-          </p:cNvPr>
+          <p:cNvPr id="6" name="Content Placeholder 5"/>
           <p:cNvPicPr>
-            <a:picLocks noChangeAspect="1"/>
+            <a:picLocks noGrp="1" noChangeAspect="1"/>
           </p:cNvPicPr>
-          <p:nvPr/>
+          <p:nvPr>
+            <p:ph sz="half" idx="1"/>
+          </p:nvPr>
         </p:nvPicPr>
         <p:blipFill>
-          <a:blip r:embed="rId2"/>
+          <a:blip r:embed="rId1"/>
           <a:stretch>
             <a:fillRect/>
           </a:stretch>
         </p:blipFill>
         <p:spPr>
           <a:xfrm>
-            <a:off x="3210338" y="816638"/>
-            <a:ext cx="3922317" cy="5622283"/>
+            <a:off x="237183" y="1093304"/>
+            <a:ext cx="4662808" cy="5396948"/>
           </a:xfrm>
           <a:prstGeom prst="rect">
             <a:avLst/>
           </a:prstGeom>
         </p:spPr>
       </p:pic>
+      <p:pic>
+        <p:nvPicPr>
+          <p:cNvPr id="8" name="Content Placeholder 7"/>
+          <p:cNvPicPr>
+            <a:picLocks noGrp="1" noChangeAspect="1"/>
+          </p:cNvPicPr>
+          <p:nvPr>
+            <p:ph sz="half" idx="2"/>
+          </p:nvPr>
+        </p:nvPicPr>
+        <p:blipFill>
+          <a:blip r:embed="rId2">
+            <a:extLst>
+              <a:ext uri="{28A0092B-C50C-407E-A947-70E740481C1C}">
+                <a14:useLocalDpi xmlns:a14="http://schemas.microsoft.com/office/drawing/2010/main" val="0"/>
+              </a:ext>
+            </a:extLst>
+          </a:blip>
+          <a:stretch>
+            <a:fillRect/>
+          </a:stretch>
+        </p:blipFill>
+        <p:spPr>
+          <a:xfrm>
+            <a:off x="5792213" y="1649896"/>
+            <a:ext cx="3788815" cy="3896140"/>
+          </a:xfrm>
+        </p:spPr>
+      </p:pic>
+      <p:sp>
+        <p:nvSpPr>
+          <p:cNvPr id="9" name="TextBox 8"/>
+          <p:cNvSpPr txBox="1"/>
+          <p:nvPr/>
+        </p:nvSpPr>
+        <p:spPr>
+          <a:xfrm>
+            <a:off x="5237922" y="6490252"/>
+            <a:ext cx="5059017" cy="230832"/>
+          </a:xfrm>
+          <a:prstGeom prst="rect">
+            <a:avLst/>
+          </a:prstGeom>
+          <a:noFill/>
+        </p:spPr>
+        <p:txBody>
+          <a:bodyPr wrap="square" rtlCol="0">
+            <a:spAutoFit/>
+          </a:bodyPr>
+          <a:lstStyle/>
+          <a:p>
+            <a:r>
+              <a:rPr lang="en-US" sz="900">
+                <a:hlinkClick r:id="rId3" tooltip="https://www.groundup.org.za/article/parents-shut-primary-school-force-education-department-pay-its-bills/"/>
+              </a:rPr>
+              <a:t>This Photo</a:t>
+            </a:r>
+            <a:r>
+              <a:rPr lang="en-US" sz="900"/>
+              <a:t> by Unknown Author is licensed under </a:t>
+            </a:r>
+            <a:r>
+              <a:rPr lang="en-US" sz="900">
+                <a:hlinkClick r:id="rId4" tooltip="https://creativecommons.org/licenses/by-nd/3.0/"/>
+              </a:rPr>
+              <a:t>CC BY-ND</a:t>
+            </a:r>
+            <a:endParaRPr lang="en-US" sz="900"/>
+          </a:p>
+        </p:txBody>
+      </p:sp>
     </p:spTree>
-    <p:extLst>
-      <p:ext uri="{BB962C8B-B14F-4D97-AF65-F5344CB8AC3E}">
-        <p14:creationId xmlns:p14="http://schemas.microsoft.com/office/powerpoint/2010/main" val="3525455775"/>
-      </p:ext>
-    </p:extLst>
   </p:cSld>
   <p:clrMapOvr>
     <a:masterClrMapping/>
@@ -7426,204 +7023,7 @@
       </p:grpSpPr>
       <p:sp>
         <p:nvSpPr>
-          <p:cNvPr id="2" name="Title 1">
-            <a:extLst>
-              <a:ext uri="{FF2B5EF4-FFF2-40B4-BE49-F238E27FC236}">
-                <a16:creationId xmlns:a16="http://schemas.microsoft.com/office/drawing/2014/main" id="{860B81AA-BB7F-D4D1-578B-C6400D182E41}"/>
-              </a:ext>
-            </a:extLst>
-          </p:cNvPr>
-          <p:cNvSpPr>
-            <a:spLocks noGrp="1"/>
-          </p:cNvSpPr>
-          <p:nvPr>
-            <p:ph type="title"/>
-          </p:nvPr>
-        </p:nvSpPr>
-        <p:spPr>
-          <a:xfrm>
-            <a:off x="1997765" y="99392"/>
-            <a:ext cx="6828183" cy="717246"/>
-          </a:xfrm>
-        </p:spPr>
-        <p:txBody>
-          <a:bodyPr/>
-          <a:lstStyle/>
-          <a:p>
-            <a:r>
-              <a:rPr lang="en-US" dirty="0"/>
-              <a:t>                  </a:t>
-            </a:r>
-            <a:r>
-              <a:rPr lang="en-US" dirty="0">
-                <a:solidFill>
-                  <a:schemeClr val="accent4">
-                    <a:lumMod val="75000"/>
-                  </a:schemeClr>
-                </a:solidFill>
-              </a:rPr>
-              <a:t>INVOICE</a:t>
-            </a:r>
-          </a:p>
-        </p:txBody>
-      </p:sp>
-      <p:pic>
-        <p:nvPicPr>
-          <p:cNvPr id="6" name="Content Placeholder 5">
-            <a:extLst>
-              <a:ext uri="{FF2B5EF4-FFF2-40B4-BE49-F238E27FC236}">
-                <a16:creationId xmlns:a16="http://schemas.microsoft.com/office/drawing/2014/main" id="{48A2852A-BBB4-398E-D2D1-141E23D6115E}"/>
-              </a:ext>
-            </a:extLst>
-          </p:cNvPr>
-          <p:cNvPicPr>
-            <a:picLocks noGrp="1" noChangeAspect="1"/>
-          </p:cNvPicPr>
-          <p:nvPr>
-            <p:ph sz="half" idx="1"/>
-          </p:nvPr>
-        </p:nvPicPr>
-        <p:blipFill>
-          <a:blip r:embed="rId3"/>
-          <a:stretch>
-            <a:fillRect/>
-          </a:stretch>
-        </p:blipFill>
-        <p:spPr>
-          <a:xfrm>
-            <a:off x="237183" y="1093304"/>
-            <a:ext cx="4662808" cy="5396948"/>
-          </a:xfrm>
-          <a:prstGeom prst="rect">
-            <a:avLst/>
-          </a:prstGeom>
-        </p:spPr>
-      </p:pic>
-      <p:pic>
-        <p:nvPicPr>
-          <p:cNvPr id="8" name="Content Placeholder 7">
-            <a:extLst>
-              <a:ext uri="{FF2B5EF4-FFF2-40B4-BE49-F238E27FC236}">
-                <a16:creationId xmlns:a16="http://schemas.microsoft.com/office/drawing/2014/main" id="{9C45922D-B6AE-4BDB-E2A8-DC649B591CAA}"/>
-              </a:ext>
-            </a:extLst>
-          </p:cNvPr>
-          <p:cNvPicPr>
-            <a:picLocks noGrp="1" noChangeAspect="1"/>
-          </p:cNvPicPr>
-          <p:nvPr>
-            <p:ph sz="half" idx="2"/>
-          </p:nvPr>
-        </p:nvPicPr>
-        <p:blipFill>
-          <a:blip r:embed="rId4">
-            <a:extLst>
-              <a:ext uri="{28A0092B-C50C-407E-A947-70E740481C1C}">
-                <a14:useLocalDpi xmlns:a14="http://schemas.microsoft.com/office/drawing/2010/main" val="0"/>
-              </a:ext>
-              <a:ext uri="{837473B0-CC2E-450A-ABE3-18F120FF3D39}">
-                <a1611:picAttrSrcUrl xmlns:a1611="http://schemas.microsoft.com/office/drawing/2016/11/main" r:id="rId5"/>
-              </a:ext>
-            </a:extLst>
-          </a:blip>
-          <a:stretch>
-            <a:fillRect/>
-          </a:stretch>
-        </p:blipFill>
-        <p:spPr>
-          <a:xfrm>
-            <a:off x="5792213" y="1649896"/>
-            <a:ext cx="3788815" cy="3896140"/>
-          </a:xfrm>
-        </p:spPr>
-      </p:pic>
-      <p:sp>
-        <p:nvSpPr>
-          <p:cNvPr id="9" name="TextBox 8">
-            <a:extLst>
-              <a:ext uri="{FF2B5EF4-FFF2-40B4-BE49-F238E27FC236}">
-                <a16:creationId xmlns:a16="http://schemas.microsoft.com/office/drawing/2014/main" id="{8782706D-22CA-7865-F1F0-C8858CFCC731}"/>
-              </a:ext>
-            </a:extLst>
-          </p:cNvPr>
-          <p:cNvSpPr txBox="1"/>
-          <p:nvPr/>
-        </p:nvSpPr>
-        <p:spPr>
-          <a:xfrm>
-            <a:off x="5237922" y="6490252"/>
-            <a:ext cx="5059017" cy="230832"/>
-          </a:xfrm>
-          <a:prstGeom prst="rect">
-            <a:avLst/>
-          </a:prstGeom>
-          <a:noFill/>
-        </p:spPr>
-        <p:txBody>
-          <a:bodyPr wrap="square" rtlCol="0">
-            <a:spAutoFit/>
-          </a:bodyPr>
-          <a:lstStyle/>
-          <a:p>
-            <a:r>
-              <a:rPr lang="en-US" sz="900">
-                <a:hlinkClick r:id="rId5" tooltip="https://www.groundup.org.za/article/parents-shut-primary-school-force-education-department-pay-its-bills/"/>
-              </a:rPr>
-              <a:t>This Photo</a:t>
-            </a:r>
-            <a:r>
-              <a:rPr lang="en-US" sz="900"/>
-              <a:t> by Unknown Author is licensed under </a:t>
-            </a:r>
-            <a:r>
-              <a:rPr lang="en-US" sz="900">
-                <a:hlinkClick r:id="rId6" tooltip="https://creativecommons.org/licenses/by-nd/3.0/"/>
-              </a:rPr>
-              <a:t>CC BY-ND</a:t>
-            </a:r>
-            <a:endParaRPr lang="en-US" sz="900"/>
-          </a:p>
-        </p:txBody>
-      </p:sp>
-    </p:spTree>
-    <p:extLst>
-      <p:ext uri="{BB962C8B-B14F-4D97-AF65-F5344CB8AC3E}">
-        <p14:creationId xmlns:p14="http://schemas.microsoft.com/office/powerpoint/2010/main" val="558951530"/>
-      </p:ext>
-    </p:extLst>
-  </p:cSld>
-  <p:clrMapOvr>
-    <a:masterClrMapping/>
-  </p:clrMapOvr>
-</p:sld>
-</file>
-
-<file path=ppt/slides/slide14.xml><?xml version="1.0" encoding="utf-8"?>
-<p:sld xmlns:a="http://schemas.openxmlformats.org/drawingml/2006/main" xmlns:r="http://schemas.openxmlformats.org/officeDocument/2006/relationships" xmlns:p="http://schemas.openxmlformats.org/presentationml/2006/main">
-  <p:cSld>
-    <p:spTree>
-      <p:nvGrpSpPr>
-        <p:cNvPr id="1" name=""/>
-        <p:cNvGrpSpPr/>
-        <p:nvPr/>
-      </p:nvGrpSpPr>
-      <p:grpSpPr>
-        <a:xfrm>
-          <a:off x="0" y="0"/>
-          <a:ext cx="0" cy="0"/>
-          <a:chOff x="0" y="0"/>
-          <a:chExt cx="0" cy="0"/>
-        </a:xfrm>
-      </p:grpSpPr>
-      <p:sp>
-        <p:nvSpPr>
-          <p:cNvPr id="2" name="Title 1">
-            <a:extLst>
-              <a:ext uri="{FF2B5EF4-FFF2-40B4-BE49-F238E27FC236}">
-                <a16:creationId xmlns:a16="http://schemas.microsoft.com/office/drawing/2014/main" id="{B3726A03-CA6D-0D92-28C7-AD07BD17F531}"/>
-              </a:ext>
-            </a:extLst>
-          </p:cNvPr>
+          <p:cNvPr id="2" name="Title 1"/>
           <p:cNvSpPr>
             <a:spLocks noGrp="1"/>
           </p:cNvSpPr>
@@ -7653,18 +7053,19 @@
               </a:rPr>
               <a:t>PROJECT MILESTONE &amp; DURATION</a:t>
             </a:r>
-          </a:p>
-        </p:txBody>
-      </p:sp>
-      <p:sp>
-        <p:nvSpPr>
-          <p:cNvPr id="3" name="Text Placeholder 2">
-            <a:extLst>
-              <a:ext uri="{FF2B5EF4-FFF2-40B4-BE49-F238E27FC236}">
-                <a16:creationId xmlns:a16="http://schemas.microsoft.com/office/drawing/2014/main" id="{E444D722-5E0A-01AE-3596-6E8FDDFDE3C4}"/>
-              </a:ext>
-            </a:extLst>
-          </p:cNvPr>
+            <a:endParaRPr lang="en-US" dirty="0">
+              <a:solidFill>
+                <a:schemeClr val="accent4">
+                  <a:lumMod val="75000"/>
+                </a:schemeClr>
+              </a:solidFill>
+            </a:endParaRPr>
+          </a:p>
+        </p:txBody>
+      </p:sp>
+      <p:sp>
+        <p:nvSpPr>
+          <p:cNvPr id="3" name="Text Placeholder 2"/>
           <p:cNvSpPr>
             <a:spLocks noGrp="1"/>
           </p:cNvSpPr>
@@ -7688,23 +7089,11 @@
       </p:sp>
       <p:graphicFrame>
         <p:nvGraphicFramePr>
-          <p:cNvPr id="6" name="Table 5">
-            <a:extLst>
-              <a:ext uri="{FF2B5EF4-FFF2-40B4-BE49-F238E27FC236}">
-                <a16:creationId xmlns:a16="http://schemas.microsoft.com/office/drawing/2014/main" id="{6020A466-62F2-FFAE-7E24-F8CC67998D71}"/>
-              </a:ext>
-            </a:extLst>
-          </p:cNvPr>
+          <p:cNvPr id="6" name="Table 5"/>
           <p:cNvGraphicFramePr>
             <a:graphicFrameLocks noGrp="1"/>
           </p:cNvGraphicFramePr>
-          <p:nvPr>
-            <p:extLst>
-              <p:ext uri="{D42A27DB-BD31-4B8C-83A1-F6EECF244321}">
-                <p14:modId xmlns:p14="http://schemas.microsoft.com/office/powerpoint/2010/main" val="1806713079"/>
-              </p:ext>
-            </p:extLst>
-          </p:nvPr>
+          <p:nvPr/>
         </p:nvGraphicFramePr>
         <p:xfrm>
           <a:off x="417443" y="1391478"/>
@@ -7717,20 +7106,8 @@
                 <a:tableStyleId>{284E427A-3D55-4303-BF80-6455036E1DE7}</a:tableStyleId>
               </a:tblPr>
               <a:tblGrid>
-                <a:gridCol w="7178415">
-                  <a:extLst>
-                    <a:ext uri="{9D8B030D-6E8A-4147-A177-3AD203B41FA5}">
-                      <a16:colId xmlns:a16="http://schemas.microsoft.com/office/drawing/2014/main" val="242639117"/>
-                    </a:ext>
-                  </a:extLst>
-                </a:gridCol>
-                <a:gridCol w="2204125">
-                  <a:extLst>
-                    <a:ext uri="{9D8B030D-6E8A-4147-A177-3AD203B41FA5}">
-                      <a16:colId xmlns:a16="http://schemas.microsoft.com/office/drawing/2014/main" val="2604354083"/>
-                    </a:ext>
-                  </a:extLst>
-                </a:gridCol>
+                <a:gridCol w="7178415"/>
+                <a:gridCol w="2204125"/>
               </a:tblGrid>
               <a:tr h="943788">
                 <a:tc>
@@ -7781,11 +7158,6 @@
                   </a:txBody>
                   <a:tcPr marL="76200" marR="76200" marT="38100" marB="38100"/>
                 </a:tc>
-                <a:extLst>
-                  <a:ext uri="{0D108BD9-81ED-4DB2-BD59-A6C34878D82A}">
-                    <a16:rowId xmlns:a16="http://schemas.microsoft.com/office/drawing/2014/main" val="853554658"/>
-                  </a:ext>
-                </a:extLst>
               </a:tr>
               <a:tr h="529442">
                 <a:tc>
@@ -7836,11 +7208,6 @@
                   </a:txBody>
                   <a:tcPr marL="76200" marR="76200" marT="38100" marB="38100"/>
                 </a:tc>
-                <a:extLst>
-                  <a:ext uri="{0D108BD9-81ED-4DB2-BD59-A6C34878D82A}">
-                    <a16:rowId xmlns:a16="http://schemas.microsoft.com/office/drawing/2014/main" val="1953138613"/>
-                  </a:ext>
-                </a:extLst>
               </a:tr>
               <a:tr h="529442">
                 <a:tc>
@@ -7891,11 +7258,6 @@
                   </a:txBody>
                   <a:tcPr marL="76200" marR="76200" marT="38100" marB="38100"/>
                 </a:tc>
-                <a:extLst>
-                  <a:ext uri="{0D108BD9-81ED-4DB2-BD59-A6C34878D82A}">
-                    <a16:rowId xmlns:a16="http://schemas.microsoft.com/office/drawing/2014/main" val="1012620928"/>
-                  </a:ext>
-                </a:extLst>
               </a:tr>
               <a:tr h="529442">
                 <a:tc>
@@ -7946,11 +7308,6 @@
                   </a:txBody>
                   <a:tcPr marL="76200" marR="76200" marT="38100" marB="38100"/>
                 </a:tc>
-                <a:extLst>
-                  <a:ext uri="{0D108BD9-81ED-4DB2-BD59-A6C34878D82A}">
-                    <a16:rowId xmlns:a16="http://schemas.microsoft.com/office/drawing/2014/main" val="3647406151"/>
-                  </a:ext>
-                </a:extLst>
               </a:tr>
               <a:tr h="529442">
                 <a:tc>
@@ -8001,11 +7358,6 @@
                   </a:txBody>
                   <a:tcPr marL="76200" marR="76200" marT="38100" marB="38100"/>
                 </a:tc>
-                <a:extLst>
-                  <a:ext uri="{0D108BD9-81ED-4DB2-BD59-A6C34878D82A}">
-                    <a16:rowId xmlns:a16="http://schemas.microsoft.com/office/drawing/2014/main" val="2551060884"/>
-                  </a:ext>
-                </a:extLst>
               </a:tr>
               <a:tr h="529442">
                 <a:tc>
@@ -8056,11 +7408,6 @@
                   </a:txBody>
                   <a:tcPr marL="76200" marR="76200" marT="38100" marB="38100"/>
                 </a:tc>
-                <a:extLst>
-                  <a:ext uri="{0D108BD9-81ED-4DB2-BD59-A6C34878D82A}">
-                    <a16:rowId xmlns:a16="http://schemas.microsoft.com/office/drawing/2014/main" val="2774722036"/>
-                  </a:ext>
-                </a:extLst>
               </a:tr>
               <a:tr h="529442">
                 <a:tc>
@@ -8111,11 +7458,6 @@
                   </a:txBody>
                   <a:tcPr marL="76200" marR="76200" marT="38100" marB="38100"/>
                 </a:tc>
-                <a:extLst>
-                  <a:ext uri="{0D108BD9-81ED-4DB2-BD59-A6C34878D82A}">
-                    <a16:rowId xmlns:a16="http://schemas.microsoft.com/office/drawing/2014/main" val="2918534218"/>
-                  </a:ext>
-                </a:extLst>
               </a:tr>
               <a:tr h="529442">
                 <a:tc>
@@ -8166,11 +7508,6 @@
                   </a:txBody>
                   <a:tcPr marL="76200" marR="76200" marT="38100" marB="38100"/>
                 </a:tc>
-                <a:extLst>
-                  <a:ext uri="{0D108BD9-81ED-4DB2-BD59-A6C34878D82A}">
-                    <a16:rowId xmlns:a16="http://schemas.microsoft.com/office/drawing/2014/main" val="3797255631"/>
-                  </a:ext>
-                </a:extLst>
               </a:tr>
             </a:tbl>
           </a:graphicData>
@@ -8178,13 +7515,7 @@
       </p:graphicFrame>
       <p:sp>
         <p:nvSpPr>
-          <p:cNvPr id="7" name="Rectangle 2">
-            <a:extLst>
-              <a:ext uri="{FF2B5EF4-FFF2-40B4-BE49-F238E27FC236}">
-                <a16:creationId xmlns:a16="http://schemas.microsoft.com/office/drawing/2014/main" id="{E4B19BCD-4651-43ED-D577-F47718673E35}"/>
-              </a:ext>
-            </a:extLst>
-          </p:cNvPr>
+          <p:cNvPr id="7" name="Rectangle 2"/>
           <p:cNvSpPr>
             <a:spLocks noChangeArrowheads="1"/>
           </p:cNvSpPr>
@@ -8234,9 +7565,6 @@
         </p:spPr>
         <p:txBody>
           <a:bodyPr vert="horz" wrap="square" lIns="91440" tIns="45720" rIns="91440" bIns="45720" numCol="1" anchor="ctr" anchorCtr="0" compatLnSpc="1">
-            <a:prstTxWarp prst="textNoShape">
-              <a:avLst/>
-            </a:prstTxWarp>
             <a:spAutoFit/>
           </a:bodyPr>
           <a:lstStyle/>
@@ -8246,11 +7574,308 @@
         </p:txBody>
       </p:sp>
     </p:spTree>
-    <p:extLst>
-      <p:ext uri="{BB962C8B-B14F-4D97-AF65-F5344CB8AC3E}">
-        <p14:creationId xmlns:p14="http://schemas.microsoft.com/office/powerpoint/2010/main" val="122259970"/>
-      </p:ext>
-    </p:extLst>
+  </p:cSld>
+  <p:clrMapOvr>
+    <a:masterClrMapping/>
+  </p:clrMapOvr>
+</p:sld>
+</file>
+
+<file path=ppt/slides/slide14.xml><?xml version="1.0" encoding="utf-8"?>
+<p:sld xmlns:a="http://schemas.openxmlformats.org/drawingml/2006/main" xmlns:r="http://schemas.openxmlformats.org/officeDocument/2006/relationships" xmlns:p="http://schemas.openxmlformats.org/presentationml/2006/main">
+  <p:cSld>
+    <p:spTree>
+      <p:nvGrpSpPr>
+        <p:cNvPr id="1" name=""/>
+        <p:cNvGrpSpPr/>
+        <p:nvPr/>
+      </p:nvGrpSpPr>
+      <p:grpSpPr>
+        <a:xfrm>
+          <a:off x="0" y="0"/>
+          <a:ext cx="0" cy="0"/>
+          <a:chOff x="0" y="0"/>
+          <a:chExt cx="0" cy="0"/>
+        </a:xfrm>
+      </p:grpSpPr>
+      <p:sp>
+        <p:nvSpPr>
+          <p:cNvPr id="2" name="Title 1"/>
+          <p:cNvSpPr>
+            <a:spLocks noGrp="1"/>
+          </p:cNvSpPr>
+          <p:nvPr>
+            <p:ph type="title"/>
+          </p:nvPr>
+        </p:nvSpPr>
+        <p:spPr>
+          <a:xfrm>
+            <a:off x="556591" y="496957"/>
+            <a:ext cx="8717411" cy="1272208"/>
+          </a:xfrm>
+        </p:spPr>
+        <p:txBody>
+          <a:bodyPr>
+            <a:normAutofit fontScale="90000"/>
+          </a:bodyPr>
+          <a:lstStyle/>
+          <a:p>
+            <a:r>
+              <a:rPr lang="en-US" b="1" dirty="0">
+                <a:solidFill>
+                  <a:schemeClr val="accent4">
+                    <a:lumMod val="75000"/>
+                  </a:schemeClr>
+                </a:solidFill>
+              </a:rPr>
+              <a:t>         TECHNICAL REQUIREMENTS</a:t>
+            </a:r>
+            <a:br>
+              <a:rPr lang="en-US" dirty="0">
+                <a:solidFill>
+                  <a:schemeClr val="accent4">
+                    <a:lumMod val="75000"/>
+                  </a:schemeClr>
+                </a:solidFill>
+              </a:rPr>
+            </a:br>
+            <a:endParaRPr lang="en-US" dirty="0">
+              <a:solidFill>
+                <a:schemeClr val="accent4">
+                  <a:lumMod val="75000"/>
+                </a:schemeClr>
+              </a:solidFill>
+            </a:endParaRPr>
+          </a:p>
+        </p:txBody>
+      </p:sp>
+      <p:sp>
+        <p:nvSpPr>
+          <p:cNvPr id="3" name="Text Placeholder 2"/>
+          <p:cNvSpPr>
+            <a:spLocks noGrp="1"/>
+          </p:cNvSpPr>
+          <p:nvPr>
+            <p:ph type="body" idx="1"/>
+          </p:nvPr>
+        </p:nvSpPr>
+        <p:spPr>
+          <a:xfrm>
+            <a:off x="1152147" y="1689652"/>
+            <a:ext cx="8011732" cy="2922105"/>
+          </a:xfrm>
+        </p:spPr>
+        <p:txBody>
+          <a:bodyPr>
+            <a:normAutofit/>
+          </a:bodyPr>
+          <a:lstStyle/>
+          <a:p>
+            <a:pPr marL="285750" indent="-285750" fontAlgn="base">
+              <a:buFont typeface="Wingdings" panose="05000000000000000000" pitchFamily="2" charset="2"/>
+              <a:buChar char="v"/>
+            </a:pPr>
+            <a:r>
+              <a:rPr lang="en-US" b="1" dirty="0">
+                <a:solidFill>
+                  <a:schemeClr val="accent2">
+                    <a:lumMod val="75000"/>
+                  </a:schemeClr>
+                </a:solidFill>
+              </a:rPr>
+              <a:t>FRONTEND</a:t>
+            </a:r>
+            <a:r>
+              <a:rPr lang="en-US" dirty="0">
+                <a:solidFill>
+                  <a:schemeClr val="accent2">
+                    <a:lumMod val="75000"/>
+                  </a:schemeClr>
+                </a:solidFill>
+              </a:rPr>
+              <a:t>:</a:t>
+            </a:r>
+            <a:r>
+              <a:rPr lang="en-US" b="1" dirty="0">
+                <a:solidFill>
+                  <a:schemeClr val="accent2">
+                    <a:lumMod val="75000"/>
+                  </a:schemeClr>
+                </a:solidFill>
+              </a:rPr>
+              <a:t>HTML5, CSS3, JavaScript, </a:t>
+            </a:r>
+            <a:r>
+              <a:rPr lang="en-US" b="1" dirty="0" err="1">
+                <a:solidFill>
+                  <a:schemeClr val="accent2">
+                    <a:lumMod val="75000"/>
+                  </a:schemeClr>
+                </a:solidFill>
+              </a:rPr>
+              <a:t>Jquery</a:t>
+            </a:r>
+            <a:r>
+              <a:rPr lang="en-US" dirty="0">
+                <a:solidFill>
+                  <a:schemeClr val="accent2">
+                    <a:lumMod val="75000"/>
+                  </a:schemeClr>
+                </a:solidFill>
+              </a:rPr>
+              <a:t>: For responsive and interactive UI.</a:t>
+            </a:r>
+            <a:endParaRPr lang="en-US" b="1" dirty="0">
+              <a:solidFill>
+                <a:schemeClr val="accent2">
+                  <a:lumMod val="75000"/>
+                </a:schemeClr>
+              </a:solidFill>
+            </a:endParaRPr>
+          </a:p>
+          <a:p>
+            <a:pPr marL="285750" indent="-285750" fontAlgn="base">
+              <a:buFont typeface="Wingdings" panose="05000000000000000000" pitchFamily="2" charset="2"/>
+              <a:buChar char="v"/>
+            </a:pPr>
+            <a:r>
+              <a:rPr lang="en-US" b="1" dirty="0">
+                <a:solidFill>
+                  <a:schemeClr val="accent2">
+                    <a:lumMod val="75000"/>
+                  </a:schemeClr>
+                </a:solidFill>
+              </a:rPr>
+              <a:t>Bootstrap CSS</a:t>
+            </a:r>
+            <a:r>
+              <a:rPr lang="en-US" dirty="0">
+                <a:solidFill>
+                  <a:schemeClr val="accent2">
+                    <a:lumMod val="75000"/>
+                  </a:schemeClr>
+                </a:solidFill>
+              </a:rPr>
+              <a:t>: For a responsive layout.</a:t>
+            </a:r>
+            <a:endParaRPr lang="en-US" b="1" dirty="0">
+              <a:solidFill>
+                <a:schemeClr val="accent2">
+                  <a:lumMod val="75000"/>
+                </a:schemeClr>
+              </a:solidFill>
+            </a:endParaRPr>
+          </a:p>
+          <a:p>
+            <a:pPr marL="285750" indent="-285750" fontAlgn="base">
+              <a:buFont typeface="Wingdings" panose="05000000000000000000" pitchFamily="2" charset="2"/>
+              <a:buChar char="v"/>
+            </a:pPr>
+            <a:r>
+              <a:rPr lang="en-US" dirty="0">
+                <a:solidFill>
+                  <a:schemeClr val="accent2">
+                    <a:lumMod val="75000"/>
+                  </a:schemeClr>
+                </a:solidFill>
+              </a:rPr>
+              <a:t>Backend:</a:t>
+            </a:r>
+            <a:endParaRPr lang="en-US" dirty="0">
+              <a:solidFill>
+                <a:schemeClr val="accent2">
+                  <a:lumMod val="75000"/>
+                </a:schemeClr>
+              </a:solidFill>
+            </a:endParaRPr>
+          </a:p>
+          <a:p>
+            <a:pPr marL="285750" indent="-285750" fontAlgn="base">
+              <a:buFont typeface="Wingdings" panose="05000000000000000000" pitchFamily="2" charset="2"/>
+              <a:buChar char="v"/>
+            </a:pPr>
+            <a:r>
+              <a:rPr lang="en-US" b="1" dirty="0">
+                <a:solidFill>
+                  <a:schemeClr val="accent2">
+                    <a:lumMod val="75000"/>
+                  </a:schemeClr>
+                </a:solidFill>
+              </a:rPr>
+              <a:t>PHP</a:t>
+            </a:r>
+            <a:r>
+              <a:rPr lang="en-US" dirty="0">
+                <a:solidFill>
+                  <a:schemeClr val="accent2">
+                    <a:lumMod val="75000"/>
+                  </a:schemeClr>
+                </a:solidFill>
+              </a:rPr>
+              <a:t> : For server-side operations.</a:t>
+            </a:r>
+            <a:endParaRPr lang="en-US" sz="900" b="1" dirty="0">
+              <a:solidFill>
+                <a:schemeClr val="accent2">
+                  <a:lumMod val="75000"/>
+                </a:schemeClr>
+              </a:solidFill>
+            </a:endParaRPr>
+          </a:p>
+          <a:p>
+            <a:pPr marL="285750" indent="-285750" fontAlgn="base">
+              <a:buFont typeface="Wingdings" panose="05000000000000000000" pitchFamily="2" charset="2"/>
+              <a:buChar char="v"/>
+            </a:pPr>
+            <a:r>
+              <a:rPr lang="en-US" b="1" dirty="0">
+                <a:solidFill>
+                  <a:schemeClr val="accent2">
+                    <a:lumMod val="75000"/>
+                  </a:schemeClr>
+                </a:solidFill>
+              </a:rPr>
+              <a:t>Database : </a:t>
+            </a:r>
+            <a:r>
+              <a:rPr lang="en-US" dirty="0">
+                <a:solidFill>
+                  <a:schemeClr val="accent2">
+                    <a:lumMod val="75000"/>
+                  </a:schemeClr>
+                </a:solidFill>
+              </a:rPr>
+              <a:t>MySQL for storing data.</a:t>
+            </a:r>
+            <a:endParaRPr lang="en-US" sz="900" b="1" dirty="0">
+              <a:solidFill>
+                <a:schemeClr val="accent2">
+                  <a:lumMod val="75000"/>
+                </a:schemeClr>
+              </a:solidFill>
+            </a:endParaRPr>
+          </a:p>
+          <a:p>
+            <a:br>
+              <a:rPr lang="en-US" dirty="0">
+                <a:solidFill>
+                  <a:schemeClr val="accent2">
+                    <a:lumMod val="75000"/>
+                  </a:schemeClr>
+                </a:solidFill>
+              </a:rPr>
+            </a:br>
+            <a:endParaRPr lang="en-US" dirty="0">
+              <a:solidFill>
+                <a:schemeClr val="accent2">
+                  <a:lumMod val="75000"/>
+                </a:schemeClr>
+              </a:solidFill>
+            </a:endParaRPr>
+          </a:p>
+        </p:txBody>
+      </p:sp>
+    </p:spTree>
   </p:cSld>
   <p:clrMapOvr>
     <a:masterClrMapping/>
@@ -8277,325 +7902,7 @@
       </p:grpSpPr>
       <p:sp>
         <p:nvSpPr>
-          <p:cNvPr id="2" name="Title 1">
-            <a:extLst>
-              <a:ext uri="{FF2B5EF4-FFF2-40B4-BE49-F238E27FC236}">
-                <a16:creationId xmlns:a16="http://schemas.microsoft.com/office/drawing/2014/main" id="{7BA8BC24-0D11-DFB0-2EF5-A38F7EA3E1A9}"/>
-              </a:ext>
-            </a:extLst>
-          </p:cNvPr>
-          <p:cNvSpPr>
-            <a:spLocks noGrp="1"/>
-          </p:cNvSpPr>
-          <p:nvPr>
-            <p:ph type="title"/>
-          </p:nvPr>
-        </p:nvSpPr>
-        <p:spPr>
-          <a:xfrm>
-            <a:off x="556591" y="496957"/>
-            <a:ext cx="8717411" cy="1272208"/>
-          </a:xfrm>
-        </p:spPr>
-        <p:txBody>
-          <a:bodyPr>
-            <a:normAutofit fontScale="90000"/>
-          </a:bodyPr>
-          <a:lstStyle/>
-          <a:p>
-            <a:r>
-              <a:rPr lang="en-US" b="1" dirty="0">
-                <a:solidFill>
-                  <a:schemeClr val="accent4">
-                    <a:lumMod val="75000"/>
-                  </a:schemeClr>
-                </a:solidFill>
-              </a:rPr>
-              <a:t>         TECHNICAL REQUIREMENTS</a:t>
-            </a:r>
-            <a:br>
-              <a:rPr lang="en-US" dirty="0">
-                <a:solidFill>
-                  <a:schemeClr val="accent4">
-                    <a:lumMod val="75000"/>
-                  </a:schemeClr>
-                </a:solidFill>
-              </a:rPr>
-            </a:br>
-            <a:endParaRPr lang="en-US" dirty="0">
-              <a:solidFill>
-                <a:schemeClr val="accent4">
-                  <a:lumMod val="75000"/>
-                </a:schemeClr>
-              </a:solidFill>
-            </a:endParaRPr>
-          </a:p>
-        </p:txBody>
-      </p:sp>
-      <p:sp>
-        <p:nvSpPr>
-          <p:cNvPr id="3" name="Text Placeholder 2">
-            <a:extLst>
-              <a:ext uri="{FF2B5EF4-FFF2-40B4-BE49-F238E27FC236}">
-                <a16:creationId xmlns:a16="http://schemas.microsoft.com/office/drawing/2014/main" id="{69C4576D-8E60-7880-B56F-7506C81FBF80}"/>
-              </a:ext>
-            </a:extLst>
-          </p:cNvPr>
-          <p:cNvSpPr>
-            <a:spLocks noGrp="1"/>
-          </p:cNvSpPr>
-          <p:nvPr>
-            <p:ph type="body" idx="1"/>
-          </p:nvPr>
-        </p:nvSpPr>
-        <p:spPr>
-          <a:xfrm>
-            <a:off x="1152147" y="1689652"/>
-            <a:ext cx="8011732" cy="2922105"/>
-          </a:xfrm>
-        </p:spPr>
-        <p:txBody>
-          <a:bodyPr>
-            <a:normAutofit/>
-          </a:bodyPr>
-          <a:lstStyle/>
-          <a:p>
-            <a:pPr marL="285750" indent="-285750" fontAlgn="base">
-              <a:buFont typeface="Wingdings" panose="05000000000000000000" pitchFamily="2" charset="2"/>
-              <a:buChar char="v"/>
-            </a:pPr>
-            <a:r>
-              <a:rPr lang="en-US" b="1" dirty="0">
-                <a:solidFill>
-                  <a:schemeClr val="accent2">
-                    <a:lumMod val="75000"/>
-                  </a:schemeClr>
-                </a:solidFill>
-              </a:rPr>
-              <a:t>FRONTEND</a:t>
-            </a:r>
-            <a:r>
-              <a:rPr lang="en-US" dirty="0">
-                <a:solidFill>
-                  <a:schemeClr val="accent2">
-                    <a:lumMod val="75000"/>
-                  </a:schemeClr>
-                </a:solidFill>
-              </a:rPr>
-              <a:t>:</a:t>
-            </a:r>
-            <a:r>
-              <a:rPr lang="en-US" b="1" dirty="0">
-                <a:solidFill>
-                  <a:schemeClr val="accent2">
-                    <a:lumMod val="75000"/>
-                  </a:schemeClr>
-                </a:solidFill>
-              </a:rPr>
-              <a:t>HTML5, CSS3, JavaScript, </a:t>
-            </a:r>
-            <a:r>
-              <a:rPr lang="en-US" b="1" dirty="0" err="1">
-                <a:solidFill>
-                  <a:schemeClr val="accent2">
-                    <a:lumMod val="75000"/>
-                  </a:schemeClr>
-                </a:solidFill>
-              </a:rPr>
-              <a:t>Jquery</a:t>
-            </a:r>
-            <a:r>
-              <a:rPr lang="en-US" dirty="0">
-                <a:solidFill>
-                  <a:schemeClr val="accent2">
-                    <a:lumMod val="75000"/>
-                  </a:schemeClr>
-                </a:solidFill>
-              </a:rPr>
-              <a:t>: For responsive and interactive UI.</a:t>
-            </a:r>
-            <a:endParaRPr lang="en-US" b="1" dirty="0">
-              <a:solidFill>
-                <a:schemeClr val="accent2">
-                  <a:lumMod val="75000"/>
-                </a:schemeClr>
-              </a:solidFill>
-            </a:endParaRPr>
-          </a:p>
-          <a:p>
-            <a:pPr marL="285750" indent="-285750" fontAlgn="base">
-              <a:buFont typeface="Wingdings" panose="05000000000000000000" pitchFamily="2" charset="2"/>
-              <a:buChar char="v"/>
-            </a:pPr>
-            <a:r>
-              <a:rPr lang="en-US" b="1" dirty="0">
-                <a:solidFill>
-                  <a:schemeClr val="accent2">
-                    <a:lumMod val="75000"/>
-                  </a:schemeClr>
-                </a:solidFill>
-              </a:rPr>
-              <a:t>Bootstrap CSS</a:t>
-            </a:r>
-            <a:r>
-              <a:rPr lang="en-US" dirty="0">
-                <a:solidFill>
-                  <a:schemeClr val="accent2">
-                    <a:lumMod val="75000"/>
-                  </a:schemeClr>
-                </a:solidFill>
-              </a:rPr>
-              <a:t>: For a responsive layout.</a:t>
-            </a:r>
-            <a:endParaRPr lang="en-US" b="1" dirty="0">
-              <a:solidFill>
-                <a:schemeClr val="accent2">
-                  <a:lumMod val="75000"/>
-                </a:schemeClr>
-              </a:solidFill>
-            </a:endParaRPr>
-          </a:p>
-          <a:p>
-            <a:pPr marL="285750" indent="-285750" fontAlgn="base">
-              <a:buFont typeface="Wingdings" panose="05000000000000000000" pitchFamily="2" charset="2"/>
-              <a:buChar char="v"/>
-            </a:pPr>
-            <a:r>
-              <a:rPr lang="en-US" dirty="0">
-                <a:solidFill>
-                  <a:schemeClr val="accent2">
-                    <a:lumMod val="75000"/>
-                  </a:schemeClr>
-                </a:solidFill>
-              </a:rPr>
-              <a:t>Backend:</a:t>
-            </a:r>
-          </a:p>
-          <a:p>
-            <a:pPr marL="285750" indent="-285750" fontAlgn="base">
-              <a:buFont typeface="Wingdings" panose="05000000000000000000" pitchFamily="2" charset="2"/>
-              <a:buChar char="v"/>
-            </a:pPr>
-            <a:r>
-              <a:rPr lang="en-US" b="1" dirty="0">
-                <a:solidFill>
-                  <a:schemeClr val="accent2">
-                    <a:lumMod val="75000"/>
-                  </a:schemeClr>
-                </a:solidFill>
-              </a:rPr>
-              <a:t>PHP</a:t>
-            </a:r>
-            <a:r>
-              <a:rPr lang="en-US" dirty="0">
-                <a:solidFill>
-                  <a:schemeClr val="accent2">
-                    <a:lumMod val="75000"/>
-                  </a:schemeClr>
-                </a:solidFill>
-              </a:rPr>
-              <a:t> : For server-side operations.</a:t>
-            </a:r>
-            <a:endParaRPr lang="en-US" sz="900" b="1" dirty="0">
-              <a:solidFill>
-                <a:schemeClr val="accent2">
-                  <a:lumMod val="75000"/>
-                </a:schemeClr>
-              </a:solidFill>
-            </a:endParaRPr>
-          </a:p>
-          <a:p>
-            <a:pPr marL="285750" indent="-285750" fontAlgn="base">
-              <a:buFont typeface="Wingdings" panose="05000000000000000000" pitchFamily="2" charset="2"/>
-              <a:buChar char="v"/>
-            </a:pPr>
-            <a:r>
-              <a:rPr lang="en-US" b="1" dirty="0">
-                <a:solidFill>
-                  <a:schemeClr val="accent2">
-                    <a:lumMod val="75000"/>
-                  </a:schemeClr>
-                </a:solidFill>
-              </a:rPr>
-              <a:t>Database : </a:t>
-            </a:r>
-            <a:r>
-              <a:rPr lang="en-US" dirty="0">
-                <a:solidFill>
-                  <a:schemeClr val="accent2">
-                    <a:lumMod val="75000"/>
-                  </a:schemeClr>
-                </a:solidFill>
-              </a:rPr>
-              <a:t>MySQL for storing data.</a:t>
-            </a:r>
-            <a:endParaRPr lang="en-US" sz="900" b="1" dirty="0">
-              <a:solidFill>
-                <a:schemeClr val="accent2">
-                  <a:lumMod val="75000"/>
-                </a:schemeClr>
-              </a:solidFill>
-            </a:endParaRPr>
-          </a:p>
-          <a:p>
-            <a:br>
-              <a:rPr lang="en-US" dirty="0">
-                <a:solidFill>
-                  <a:schemeClr val="accent2">
-                    <a:lumMod val="75000"/>
-                  </a:schemeClr>
-                </a:solidFill>
-              </a:rPr>
-            </a:br>
-            <a:endParaRPr lang="en-US" dirty="0">
-              <a:solidFill>
-                <a:schemeClr val="accent2">
-                  <a:lumMod val="75000"/>
-                </a:schemeClr>
-              </a:solidFill>
-            </a:endParaRPr>
-          </a:p>
-        </p:txBody>
-      </p:sp>
-    </p:spTree>
-    <p:extLst>
-      <p:ext uri="{BB962C8B-B14F-4D97-AF65-F5344CB8AC3E}">
-        <p14:creationId xmlns:p14="http://schemas.microsoft.com/office/powerpoint/2010/main" val="935298969"/>
-      </p:ext>
-    </p:extLst>
-  </p:cSld>
-  <p:clrMapOvr>
-    <a:masterClrMapping/>
-  </p:clrMapOvr>
-</p:sld>
-</file>
-
-<file path=ppt/slides/slide16.xml><?xml version="1.0" encoding="utf-8"?>
-<p:sld xmlns:a="http://schemas.openxmlformats.org/drawingml/2006/main" xmlns:r="http://schemas.openxmlformats.org/officeDocument/2006/relationships" xmlns:p="http://schemas.openxmlformats.org/presentationml/2006/main">
-  <p:cSld>
-    <p:spTree>
-      <p:nvGrpSpPr>
-        <p:cNvPr id="1" name=""/>
-        <p:cNvGrpSpPr/>
-        <p:nvPr/>
-      </p:nvGrpSpPr>
-      <p:grpSpPr>
-        <a:xfrm>
-          <a:off x="0" y="0"/>
-          <a:ext cx="0" cy="0"/>
-          <a:chOff x="0" y="0"/>
-          <a:chExt cx="0" cy="0"/>
-        </a:xfrm>
-      </p:grpSpPr>
-      <p:sp>
-        <p:nvSpPr>
-          <p:cNvPr id="2" name="Title 1">
-            <a:extLst>
-              <a:ext uri="{FF2B5EF4-FFF2-40B4-BE49-F238E27FC236}">
-                <a16:creationId xmlns:a16="http://schemas.microsoft.com/office/drawing/2014/main" id="{3E2E99E9-3D59-D079-56AB-5547CF769D1E}"/>
-              </a:ext>
-            </a:extLst>
-          </p:cNvPr>
+          <p:cNvPr id="2" name="Title 1"/>
           <p:cNvSpPr>
             <a:spLocks noGrp="1"/>
           </p:cNvSpPr>
@@ -8625,18 +7932,19 @@
               </a:rPr>
               <a:t>           Thanks for watching</a:t>
             </a:r>
+            <a:endParaRPr lang="en-US" sz="5400" dirty="0">
+              <a:solidFill>
+                <a:schemeClr val="accent5">
+                  <a:lumMod val="75000"/>
+                </a:schemeClr>
+              </a:solidFill>
+            </a:endParaRPr>
           </a:p>
         </p:txBody>
       </p:sp>
       <p:pic>
         <p:nvPicPr>
-          <p:cNvPr id="5" name="Content Placeholder 4">
-            <a:extLst>
-              <a:ext uri="{FF2B5EF4-FFF2-40B4-BE49-F238E27FC236}">
-                <a16:creationId xmlns:a16="http://schemas.microsoft.com/office/drawing/2014/main" id="{677EBD8D-BA50-CE98-A906-D51AB5437578}"/>
-              </a:ext>
-            </a:extLst>
-          </p:cNvPr>
+          <p:cNvPr id="5" name="Content Placeholder 4"/>
           <p:cNvPicPr>
             <a:picLocks noGrp="1" noChangeAspect="1"/>
           </p:cNvPicPr>
@@ -8645,13 +7953,10 @@
           </p:nvPr>
         </p:nvPicPr>
         <p:blipFill>
-          <a:blip r:embed="rId2">
+          <a:blip r:embed="rId1">
             <a:extLst>
               <a:ext uri="{28A0092B-C50C-407E-A947-70E740481C1C}">
                 <a14:useLocalDpi xmlns:a14="http://schemas.microsoft.com/office/drawing/2010/main" val="0"/>
-              </a:ext>
-              <a:ext uri="{837473B0-CC2E-450A-ABE3-18F120FF3D39}">
-                <a1611:picAttrSrcUrl xmlns:a1611="http://schemas.microsoft.com/office/drawing/2016/11/main" r:id="rId3"/>
               </a:ext>
             </a:extLst>
           </a:blip>
@@ -8668,13 +7973,7 @@
       </p:pic>
       <p:sp>
         <p:nvSpPr>
-          <p:cNvPr id="6" name="TextBox 5">
-            <a:extLst>
-              <a:ext uri="{FF2B5EF4-FFF2-40B4-BE49-F238E27FC236}">
-                <a16:creationId xmlns:a16="http://schemas.microsoft.com/office/drawing/2014/main" id="{1909DF02-3595-083C-2DB7-9E60AA610C72}"/>
-              </a:ext>
-            </a:extLst>
-          </p:cNvPr>
+          <p:cNvPr id="6" name="TextBox 5"/>
           <p:cNvSpPr txBox="1"/>
           <p:nvPr/>
         </p:nvSpPr>
@@ -8696,7 +7995,7 @@
           <a:p>
             <a:r>
               <a:rPr lang="en-US" sz="900">
-                <a:hlinkClick r:id="rId3" tooltip="https://www.mtctutorials.com/thanks-for-watching-png-3d-text/"/>
+                <a:hlinkClick r:id="rId2" tooltip="https://www.mtctutorials.com/thanks-for-watching-png-3d-text/"/>
               </a:rPr>
               <a:t>This Photo</a:t>
             </a:r>
@@ -8706,7 +8005,7 @@
             </a:r>
             <a:r>
               <a:rPr lang="en-US" sz="900">
-                <a:hlinkClick r:id="rId4" tooltip="https://creativecommons.org/licenses/by-nc/3.0/"/>
+                <a:hlinkClick r:id="rId3" tooltip="https://creativecommons.org/licenses/by-nc/3.0/"/>
               </a:rPr>
               <a:t>CC BY-NC</a:t>
             </a:r>
@@ -8715,11 +8014,6 @@
         </p:txBody>
       </p:sp>
     </p:spTree>
-    <p:extLst>
-      <p:ext uri="{BB962C8B-B14F-4D97-AF65-F5344CB8AC3E}">
-        <p14:creationId xmlns:p14="http://schemas.microsoft.com/office/powerpoint/2010/main" val="3258860648"/>
-      </p:ext>
-    </p:extLst>
   </p:cSld>
   <p:clrMapOvr>
     <a:masterClrMapping/>
@@ -8744,365 +8038,13 @@
           <a:chExt cx="0" cy="0"/>
         </a:xfrm>
       </p:grpSpPr>
-      <p:sp>
-        <p:nvSpPr>
-          <p:cNvPr id="2" name="Title 1">
-            <a:extLst>
-              <a:ext uri="{FF2B5EF4-FFF2-40B4-BE49-F238E27FC236}">
-                <a16:creationId xmlns:a16="http://schemas.microsoft.com/office/drawing/2014/main" id="{E69C0666-D785-A8A3-40D4-59D0F45089D4}"/>
-              </a:ext>
-            </a:extLst>
-          </p:cNvPr>
-          <p:cNvSpPr>
-            <a:spLocks noGrp="1"/>
-          </p:cNvSpPr>
-          <p:nvPr>
-            <p:ph type="title"/>
-          </p:nvPr>
-        </p:nvSpPr>
-        <p:spPr>
-          <a:xfrm>
-            <a:off x="729517" y="1498603"/>
-            <a:ext cx="3854528" cy="1278466"/>
-          </a:xfrm>
-        </p:spPr>
-        <p:txBody>
-          <a:bodyPr>
-            <a:normAutofit fontScale="90000"/>
-          </a:bodyPr>
-          <a:lstStyle/>
-          <a:p>
-            <a:pPr>
-              <a:lnSpc>
-                <a:spcPct val="150000"/>
-              </a:lnSpc>
-            </a:pPr>
-            <a:r>
-              <a:rPr lang="en-US" spc="-4" dirty="0">
-                <a:solidFill>
-                  <a:schemeClr val="accent2"/>
-                </a:solidFill>
-                <a:latin typeface="Kollektif Bold"/>
-              </a:rPr>
-              <a:t>CONSULTANT.</a:t>
-            </a:r>
-            <a:br>
-              <a:rPr lang="en-US" spc="-4" dirty="0">
-                <a:solidFill>
-                  <a:schemeClr val="accent2"/>
-                </a:solidFill>
-                <a:latin typeface="Kollektif Bold"/>
-              </a:rPr>
-            </a:br>
-            <a:r>
-              <a:rPr lang="en-US" spc="-4" dirty="0">
-                <a:solidFill>
-                  <a:schemeClr val="accent2"/>
-                </a:solidFill>
-                <a:latin typeface="Kollektif Bold"/>
-              </a:rPr>
-              <a:t>Md. </a:t>
-            </a:r>
-            <a:r>
-              <a:rPr lang="en-US" spc="-4" dirty="0" err="1">
-                <a:solidFill>
-                  <a:schemeClr val="accent2"/>
-                </a:solidFill>
-                <a:latin typeface="Kollektif Bold"/>
-              </a:rPr>
-              <a:t>Moshaidul</a:t>
-            </a:r>
-            <a:r>
-              <a:rPr lang="en-US" spc="-4" dirty="0">
-                <a:solidFill>
-                  <a:schemeClr val="accent2"/>
-                </a:solidFill>
-                <a:latin typeface="Kollektif Bold"/>
-              </a:rPr>
-              <a:t> Islam</a:t>
-            </a:r>
-            <a:br>
-              <a:rPr lang="en-US" spc="-4" dirty="0">
-                <a:solidFill>
-                  <a:schemeClr val="accent2"/>
-                </a:solidFill>
-                <a:latin typeface="Kollektif Bold"/>
-              </a:rPr>
-            </a:br>
-            <a:r>
-              <a:rPr lang="en-US" spc="-4" dirty="0" err="1">
-                <a:solidFill>
-                  <a:schemeClr val="accent2"/>
-                </a:solidFill>
-                <a:latin typeface="Kollektif Bold"/>
-              </a:rPr>
-              <a:t>wdpf.idb-bisew</a:t>
-            </a:r>
-            <a:r>
-              <a:rPr lang="en-US" spc="-4" dirty="0">
-                <a:solidFill>
-                  <a:schemeClr val="accent2"/>
-                </a:solidFill>
-                <a:latin typeface="Kollektif Bold"/>
-              </a:rPr>
-              <a:t> it scholarship</a:t>
-            </a:r>
-            <a:br>
-              <a:rPr lang="en-US" spc="-4" dirty="0">
-                <a:solidFill>
-                  <a:schemeClr val="accent2"/>
-                </a:solidFill>
-                <a:latin typeface="Kollektif Bold"/>
-              </a:rPr>
-            </a:br>
-            <a:r>
-              <a:rPr lang="en-US" spc="-4" dirty="0">
-                <a:solidFill>
-                  <a:schemeClr val="accent2"/>
-                </a:solidFill>
-                <a:latin typeface="Kollektif Bold"/>
-              </a:rPr>
-              <a:t>Email: moshaidul@gmail.com</a:t>
-            </a:r>
-            <a:br>
-              <a:rPr lang="en-US" spc="-4" dirty="0">
-                <a:latin typeface="Kollektif Bold"/>
-              </a:rPr>
-            </a:br>
-            <a:endParaRPr lang="en-US" dirty="0"/>
-          </a:p>
-        </p:txBody>
-      </p:sp>
-      <p:sp>
-        <p:nvSpPr>
-          <p:cNvPr id="3" name="Content Placeholder 2">
-            <a:extLst>
-              <a:ext uri="{FF2B5EF4-FFF2-40B4-BE49-F238E27FC236}">
-                <a16:creationId xmlns:a16="http://schemas.microsoft.com/office/drawing/2014/main" id="{EC20FECF-FAD3-D1BF-9EDA-33A70372589D}"/>
-              </a:ext>
-            </a:extLst>
-          </p:cNvPr>
-          <p:cNvSpPr>
-            <a:spLocks noGrp="1"/>
-          </p:cNvSpPr>
-          <p:nvPr>
-            <p:ph idx="1"/>
-          </p:nvPr>
-        </p:nvSpPr>
-        <p:spPr>
-          <a:xfrm>
-            <a:off x="5589037" y="2295330"/>
-            <a:ext cx="4227752" cy="2584449"/>
-          </a:xfrm>
-        </p:spPr>
-        <p:txBody>
-          <a:bodyPr>
-            <a:normAutofit/>
-          </a:bodyPr>
-          <a:lstStyle/>
-          <a:p>
-            <a:pPr algn="just"/>
-            <a:r>
-              <a:rPr lang="en-US" spc="-4" dirty="0">
-                <a:latin typeface="Kollektif Bold"/>
-              </a:rPr>
-              <a:t>DEVELOPED BY.</a:t>
-            </a:r>
-          </a:p>
-          <a:p>
-            <a:pPr algn="just"/>
-            <a:r>
-              <a:rPr lang="en-US" spc="-4" dirty="0">
-                <a:latin typeface="Kollektif Bold"/>
-              </a:rPr>
-              <a:t>Name: Azmira Khatun</a:t>
-            </a:r>
-          </a:p>
-          <a:p>
-            <a:pPr algn="just"/>
-            <a:r>
-              <a:rPr lang="en-US" spc="-4" dirty="0">
-                <a:latin typeface="Kollektif Bold"/>
-              </a:rPr>
-              <a:t>Trainee ID:1288399</a:t>
-            </a:r>
-          </a:p>
-          <a:p>
-            <a:pPr algn="just"/>
-            <a:r>
-              <a:rPr lang="en-US" spc="-4" dirty="0">
-                <a:latin typeface="Kollektif Bold"/>
-              </a:rPr>
-              <a:t>Batch: WDPF/NCLC-M/65/01</a:t>
-            </a:r>
-          </a:p>
-          <a:p>
-            <a:pPr algn="just"/>
-            <a:r>
-              <a:rPr lang="en-US" spc="-4" dirty="0" err="1">
-                <a:latin typeface="Kollektif Bold"/>
-              </a:rPr>
-              <a:t>Email:azmiragrn@gmail.com</a:t>
-            </a:r>
-            <a:endParaRPr lang="en-US" spc="-4" dirty="0">
-              <a:latin typeface="Kollektif Bold"/>
-            </a:endParaRPr>
-          </a:p>
-          <a:p>
-            <a:pPr algn="just"/>
-            <a:endParaRPr lang="en-US" dirty="0"/>
-          </a:p>
-        </p:txBody>
-      </p:sp>
-      <p:sp>
-        <p:nvSpPr>
-          <p:cNvPr id="4" name="Text Placeholder 3">
-            <a:extLst>
-              <a:ext uri="{FF2B5EF4-FFF2-40B4-BE49-F238E27FC236}">
-                <a16:creationId xmlns:a16="http://schemas.microsoft.com/office/drawing/2014/main" id="{662FF385-DA6F-16A2-0FF0-9AB82854C947}"/>
-              </a:ext>
-            </a:extLst>
-          </p:cNvPr>
-          <p:cNvSpPr>
-            <a:spLocks noGrp="1"/>
-          </p:cNvSpPr>
-          <p:nvPr>
-            <p:ph type="body" sz="half" idx="2"/>
-          </p:nvPr>
-        </p:nvSpPr>
-        <p:spPr/>
-        <p:txBody>
-          <a:bodyPr anchor="ctr">
-            <a:normAutofit/>
-          </a:bodyPr>
-          <a:lstStyle/>
-          <a:p>
-            <a:r>
-              <a:rPr lang="en-US" sz="2000" spc="-4" dirty="0">
-                <a:solidFill>
-                  <a:schemeClr val="accent2"/>
-                </a:solidFill>
-                <a:latin typeface="Kollektif Bold"/>
-              </a:rPr>
-              <a:t>FARHANA AKTER LUCKY</a:t>
-            </a:r>
-          </a:p>
-          <a:p>
-            <a:r>
-              <a:rPr lang="en-US" sz="2000" spc="-4" dirty="0">
-                <a:solidFill>
-                  <a:schemeClr val="accent2"/>
-                </a:solidFill>
-                <a:latin typeface="Kollektif Bold"/>
-              </a:rPr>
-              <a:t>Instructor:</a:t>
-            </a:r>
-          </a:p>
-          <a:p>
-            <a:r>
-              <a:rPr lang="en-US" sz="2000" spc="-4" dirty="0" err="1">
-                <a:solidFill>
-                  <a:schemeClr val="accent2"/>
-                </a:solidFill>
-                <a:latin typeface="Kollektif Bold"/>
-              </a:rPr>
-              <a:t>wdpf</a:t>
-            </a:r>
-            <a:r>
-              <a:rPr lang="en-US" sz="2000" spc="-4" dirty="0">
-                <a:solidFill>
-                  <a:schemeClr val="accent2"/>
-                </a:solidFill>
-                <a:latin typeface="Kollektif Bold"/>
-              </a:rPr>
-              <a:t> </a:t>
-            </a:r>
-            <a:r>
-              <a:rPr lang="en-US" sz="2000" spc="-4" dirty="0" err="1">
-                <a:solidFill>
-                  <a:schemeClr val="accent2"/>
-                </a:solidFill>
-                <a:latin typeface="Kollektif Bold"/>
-              </a:rPr>
-              <a:t>idb-bisew</a:t>
-            </a:r>
-            <a:r>
-              <a:rPr lang="en-US" sz="2000" spc="-4" dirty="0">
-                <a:solidFill>
-                  <a:schemeClr val="accent2"/>
-                </a:solidFill>
-                <a:latin typeface="Kollektif Bold"/>
-              </a:rPr>
-              <a:t> it scholarship</a:t>
-            </a:r>
-          </a:p>
-          <a:p>
-            <a:r>
-              <a:rPr lang="en-US" sz="2000" spc="-4" dirty="0">
-                <a:solidFill>
-                  <a:schemeClr val="accent2"/>
-                </a:solidFill>
-                <a:latin typeface="Kollektif Bold"/>
-              </a:rPr>
-              <a:t>Email: farhanawdpf@gmail.com</a:t>
-            </a:r>
-            <a:endParaRPr lang="en-US" sz="2000" dirty="0">
-              <a:solidFill>
-                <a:schemeClr val="accent2"/>
-              </a:solidFill>
-            </a:endParaRPr>
-          </a:p>
-        </p:txBody>
-      </p:sp>
-    </p:spTree>
-    <p:extLst>
-      <p:ext uri="{BB962C8B-B14F-4D97-AF65-F5344CB8AC3E}">
-        <p14:creationId xmlns:p14="http://schemas.microsoft.com/office/powerpoint/2010/main" val="2609183995"/>
-      </p:ext>
-    </p:extLst>
-  </p:cSld>
-  <p:clrMapOvr>
-    <a:masterClrMapping/>
-  </p:clrMapOvr>
-</p:sld>
-</file>
-
-<file path=ppt/slides/slide3.xml><?xml version="1.0" encoding="utf-8"?>
-<p:sld xmlns:a="http://schemas.openxmlformats.org/drawingml/2006/main" xmlns:r="http://schemas.openxmlformats.org/officeDocument/2006/relationships" xmlns:p="http://schemas.openxmlformats.org/presentationml/2006/main">
-  <p:cSld>
-    <p:spTree>
-      <p:nvGrpSpPr>
-        <p:cNvPr id="1" name=""/>
-        <p:cNvGrpSpPr/>
-        <p:nvPr/>
-      </p:nvGrpSpPr>
-      <p:grpSpPr>
-        <a:xfrm>
-          <a:off x="0" y="0"/>
-          <a:ext cx="0" cy="0"/>
-          <a:chOff x="0" y="0"/>
-          <a:chExt cx="0" cy="0"/>
-        </a:xfrm>
-      </p:grpSpPr>
       <p:graphicFrame>
         <p:nvGraphicFramePr>
-          <p:cNvPr id="2" name="Table 1">
-            <a:extLst>
-              <a:ext uri="{FF2B5EF4-FFF2-40B4-BE49-F238E27FC236}">
-                <a16:creationId xmlns:a16="http://schemas.microsoft.com/office/drawing/2014/main" id="{D1B3E988-1001-CB39-14C8-BDED25FAF742}"/>
-              </a:ext>
-            </a:extLst>
-          </p:cNvPr>
+          <p:cNvPr id="2" name="Table 1"/>
           <p:cNvGraphicFramePr>
             <a:graphicFrameLocks noGrp="1"/>
           </p:cNvGraphicFramePr>
-          <p:nvPr>
-            <p:extLst>
-              <p:ext uri="{D42A27DB-BD31-4B8C-83A1-F6EECF244321}">
-                <p14:modId xmlns:p14="http://schemas.microsoft.com/office/powerpoint/2010/main" val="3984441225"/>
-              </p:ext>
-            </p:extLst>
-          </p:nvPr>
+          <p:nvPr/>
         </p:nvGraphicFramePr>
         <p:xfrm>
           <a:off x="615820" y="578505"/>
@@ -9113,20 +8055,8 @@
             <a:tbl>
               <a:tblPr/>
               <a:tblGrid>
-                <a:gridCol w="6814234">
-                  <a:extLst>
-                    <a:ext uri="{9D8B030D-6E8A-4147-A177-3AD203B41FA5}">
-                      <a16:colId xmlns:a16="http://schemas.microsoft.com/office/drawing/2014/main" val="1719559874"/>
-                    </a:ext>
-                  </a:extLst>
-                </a:gridCol>
-                <a:gridCol w="1769930">
-                  <a:extLst>
-                    <a:ext uri="{9D8B030D-6E8A-4147-A177-3AD203B41FA5}">
-                      <a16:colId xmlns:a16="http://schemas.microsoft.com/office/drawing/2014/main" val="950105327"/>
-                    </a:ext>
-                  </a:extLst>
-                </a:gridCol>
+                <a:gridCol w="6814234"/>
+                <a:gridCol w="1769930"/>
               </a:tblGrid>
               <a:tr h="472750">
                 <a:tc>
@@ -9275,11 +8205,6 @@
                     </a:solidFill>
                   </a:tcPr>
                 </a:tc>
-                <a:extLst>
-                  <a:ext uri="{0D108BD9-81ED-4DB2-BD59-A6C34878D82A}">
-                    <a16:rowId xmlns:a16="http://schemas.microsoft.com/office/drawing/2014/main" val="2428965683"/>
-                  </a:ext>
-                </a:extLst>
               </a:tr>
               <a:tr h="472750">
                 <a:tc>
@@ -9418,11 +8343,6 @@
                     </a:solidFill>
                   </a:tcPr>
                 </a:tc>
-                <a:extLst>
-                  <a:ext uri="{0D108BD9-81ED-4DB2-BD59-A6C34878D82A}">
-                    <a16:rowId xmlns:a16="http://schemas.microsoft.com/office/drawing/2014/main" val="2298861711"/>
-                  </a:ext>
-                </a:extLst>
               </a:tr>
               <a:tr h="472750">
                 <a:tc>
@@ -9561,11 +8481,6 @@
                     </a:solidFill>
                   </a:tcPr>
                 </a:tc>
-                <a:extLst>
-                  <a:ext uri="{0D108BD9-81ED-4DB2-BD59-A6C34878D82A}">
-                    <a16:rowId xmlns:a16="http://schemas.microsoft.com/office/drawing/2014/main" val="3122970821"/>
-                  </a:ext>
-                </a:extLst>
               </a:tr>
               <a:tr h="472750">
                 <a:tc>
@@ -9704,11 +8619,6 @@
                     </a:solidFill>
                   </a:tcPr>
                 </a:tc>
-                <a:extLst>
-                  <a:ext uri="{0D108BD9-81ED-4DB2-BD59-A6C34878D82A}">
-                    <a16:rowId xmlns:a16="http://schemas.microsoft.com/office/drawing/2014/main" val="1195254400"/>
-                  </a:ext>
-                </a:extLst>
               </a:tr>
               <a:tr h="472750">
                 <a:tc>
@@ -9847,11 +8757,6 @@
                     </a:solidFill>
                   </a:tcPr>
                 </a:tc>
-                <a:extLst>
-                  <a:ext uri="{0D108BD9-81ED-4DB2-BD59-A6C34878D82A}">
-                    <a16:rowId xmlns:a16="http://schemas.microsoft.com/office/drawing/2014/main" val="336722311"/>
-                  </a:ext>
-                </a:extLst>
               </a:tr>
               <a:tr h="472750">
                 <a:tc>
@@ -9990,11 +8895,6 @@
                     </a:solidFill>
                   </a:tcPr>
                 </a:tc>
-                <a:extLst>
-                  <a:ext uri="{0D108BD9-81ED-4DB2-BD59-A6C34878D82A}">
-                    <a16:rowId xmlns:a16="http://schemas.microsoft.com/office/drawing/2014/main" val="1441481128"/>
-                  </a:ext>
-                </a:extLst>
               </a:tr>
               <a:tr h="472750">
                 <a:tc>
@@ -10143,11 +9043,6 @@
                     </a:solidFill>
                   </a:tcPr>
                 </a:tc>
-                <a:extLst>
-                  <a:ext uri="{0D108BD9-81ED-4DB2-BD59-A6C34878D82A}">
-                    <a16:rowId xmlns:a16="http://schemas.microsoft.com/office/drawing/2014/main" val="3913217939"/>
-                  </a:ext>
-                </a:extLst>
               </a:tr>
               <a:tr h="472750">
                 <a:tc>
@@ -10286,11 +9181,6 @@
                     </a:solidFill>
                   </a:tcPr>
                 </a:tc>
-                <a:extLst>
-                  <a:ext uri="{0D108BD9-81ED-4DB2-BD59-A6C34878D82A}">
-                    <a16:rowId xmlns:a16="http://schemas.microsoft.com/office/drawing/2014/main" val="1176641518"/>
-                  </a:ext>
-                </a:extLst>
               </a:tr>
               <a:tr h="472750">
                 <a:tc>
@@ -10429,11 +9319,6 @@
                     </a:solidFill>
                   </a:tcPr>
                 </a:tc>
-                <a:extLst>
-                  <a:ext uri="{0D108BD9-81ED-4DB2-BD59-A6C34878D82A}">
-                    <a16:rowId xmlns:a16="http://schemas.microsoft.com/office/drawing/2014/main" val="3976598021"/>
-                  </a:ext>
-                </a:extLst>
               </a:tr>
               <a:tr h="472750">
                 <a:tc>
@@ -10572,11 +9457,6 @@
                     </a:solidFill>
                   </a:tcPr>
                 </a:tc>
-                <a:extLst>
-                  <a:ext uri="{0D108BD9-81ED-4DB2-BD59-A6C34878D82A}">
-                    <a16:rowId xmlns:a16="http://schemas.microsoft.com/office/drawing/2014/main" val="2539122610"/>
-                  </a:ext>
-                </a:extLst>
               </a:tr>
               <a:tr h="472750">
                 <a:tc>
@@ -10715,11 +9595,6 @@
                     </a:solidFill>
                   </a:tcPr>
                 </a:tc>
-                <a:extLst>
-                  <a:ext uri="{0D108BD9-81ED-4DB2-BD59-A6C34878D82A}">
-                    <a16:rowId xmlns:a16="http://schemas.microsoft.com/office/drawing/2014/main" val="3436363501"/>
-                  </a:ext>
-                </a:extLst>
               </a:tr>
               <a:tr h="472750">
                 <a:tc>
@@ -10858,11 +9733,6 @@
                     </a:solidFill>
                   </a:tcPr>
                 </a:tc>
-                <a:extLst>
-                  <a:ext uri="{0D108BD9-81ED-4DB2-BD59-A6C34878D82A}">
-                    <a16:rowId xmlns:a16="http://schemas.microsoft.com/office/drawing/2014/main" val="1724982507"/>
-                  </a:ext>
-                </a:extLst>
               </a:tr>
             </a:tbl>
           </a:graphicData>
@@ -10870,13 +9740,7 @@
       </p:graphicFrame>
       <p:sp>
         <p:nvSpPr>
-          <p:cNvPr id="3" name="Rectangle 1">
-            <a:extLst>
-              <a:ext uri="{FF2B5EF4-FFF2-40B4-BE49-F238E27FC236}">
-                <a16:creationId xmlns:a16="http://schemas.microsoft.com/office/drawing/2014/main" id="{F8A6C297-5DEB-A95A-1AF2-FDF740A195FE}"/>
-              </a:ext>
-            </a:extLst>
-          </p:cNvPr>
+          <p:cNvPr id="3" name="Rectangle 1"/>
           <p:cNvSpPr>
             <a:spLocks noChangeArrowheads="1"/>
           </p:cNvSpPr>
@@ -10926,9 +9790,6 @@
         </p:spPr>
         <p:txBody>
           <a:bodyPr vert="horz" wrap="square" lIns="91440" tIns="45720" rIns="91440" bIns="45720" numCol="1" anchor="ctr" anchorCtr="0" compatLnSpc="1">
-            <a:prstTxWarp prst="textNoShape">
-              <a:avLst/>
-            </a:prstTxWarp>
             <a:spAutoFit/>
           </a:bodyPr>
           <a:lstStyle/>
@@ -10938,11 +9799,550 @@
         </p:txBody>
       </p:sp>
     </p:spTree>
-    <p:extLst>
-      <p:ext uri="{BB962C8B-B14F-4D97-AF65-F5344CB8AC3E}">
-        <p14:creationId xmlns:p14="http://schemas.microsoft.com/office/powerpoint/2010/main" val="3211833040"/>
-      </p:ext>
-    </p:extLst>
+  </p:cSld>
+  <p:clrMapOvr>
+    <a:masterClrMapping/>
+  </p:clrMapOvr>
+</p:sld>
+</file>
+
+<file path=ppt/slides/slide3.xml><?xml version="1.0" encoding="utf-8"?>
+<p:sld xmlns:a="http://schemas.openxmlformats.org/drawingml/2006/main" xmlns:r="http://schemas.openxmlformats.org/officeDocument/2006/relationships" xmlns:p="http://schemas.openxmlformats.org/presentationml/2006/main">
+  <p:cSld>
+    <p:spTree>
+      <p:nvGrpSpPr>
+        <p:cNvPr id="1" name=""/>
+        <p:cNvGrpSpPr/>
+        <p:nvPr/>
+      </p:nvGrpSpPr>
+      <p:grpSpPr>
+        <a:xfrm>
+          <a:off x="0" y="0"/>
+          <a:ext cx="0" cy="0"/>
+          <a:chOff x="0" y="0"/>
+          <a:chExt cx="0" cy="0"/>
+        </a:xfrm>
+      </p:grpSpPr>
+      <p:sp>
+        <p:nvSpPr>
+          <p:cNvPr id="2" name="Title 1"/>
+          <p:cNvSpPr>
+            <a:spLocks noGrp="1"/>
+          </p:cNvSpPr>
+          <p:nvPr>
+            <p:ph type="title"/>
+          </p:nvPr>
+        </p:nvSpPr>
+        <p:spPr>
+          <a:xfrm>
+            <a:off x="677334" y="158620"/>
+            <a:ext cx="8596668" cy="802433"/>
+          </a:xfrm>
+        </p:spPr>
+        <p:txBody>
+          <a:bodyPr/>
+          <a:lstStyle/>
+          <a:p>
+            <a:r>
+              <a:rPr lang="en-US" dirty="0">
+                <a:solidFill>
+                  <a:schemeClr val="accent4">
+                    <a:lumMod val="75000"/>
+                  </a:schemeClr>
+                </a:solidFill>
+              </a:rPr>
+              <a:t>               PROJECT OBJECTIVES</a:t>
+            </a:r>
+            <a:endParaRPr lang="en-US" dirty="0">
+              <a:solidFill>
+                <a:schemeClr val="accent4">
+                  <a:lumMod val="75000"/>
+                </a:schemeClr>
+              </a:solidFill>
+            </a:endParaRPr>
+          </a:p>
+        </p:txBody>
+      </p:sp>
+      <p:sp>
+        <p:nvSpPr>
+          <p:cNvPr id="4" name="TextBox 3"/>
+          <p:cNvSpPr txBox="1"/>
+          <p:nvPr/>
+        </p:nvSpPr>
+        <p:spPr>
+          <a:xfrm>
+            <a:off x="550506" y="923731"/>
+            <a:ext cx="10300996" cy="6186309"/>
+          </a:xfrm>
+          <a:prstGeom prst="rect">
+            <a:avLst/>
+          </a:prstGeom>
+          <a:noFill/>
+        </p:spPr>
+        <p:txBody>
+          <a:bodyPr wrap="square">
+            <a:spAutoFit/>
+          </a:bodyPr>
+          <a:lstStyle/>
+          <a:p>
+            <a:pPr rtl="0" fontAlgn="base">
+              <a:buFont typeface="Arial" panose="020B0604020202020204" pitchFamily="34" charset="0"/>
+              <a:buChar char="•"/>
+            </a:pPr>
+            <a:r>
+              <a:rPr lang="en-US" sz="1800" b="1" i="0" u="none" strike="noStrike" dirty="0">
+                <a:solidFill>
+                  <a:schemeClr val="accent2">
+                    <a:lumMod val="75000"/>
+                  </a:schemeClr>
+                </a:solidFill>
+                <a:effectLst/>
+                <a:latin typeface="Arial" panose="020B0604020202020204" pitchFamily="34" charset="0"/>
+              </a:rPr>
+              <a:t>Streamlined Event Creation and Listing</a:t>
+            </a:r>
+            <a:endParaRPr lang="en-US" sz="1800" b="1" i="0" u="none" strike="noStrike" dirty="0">
+              <a:solidFill>
+                <a:schemeClr val="accent2">
+                  <a:lumMod val="75000"/>
+                </a:schemeClr>
+              </a:solidFill>
+              <a:effectLst/>
+              <a:latin typeface="Arial" panose="020B0604020202020204" pitchFamily="34" charset="0"/>
+            </a:endParaRPr>
+          </a:p>
+          <a:p>
+            <a:pPr rtl="0" fontAlgn="base">
+              <a:buFont typeface="Arial" panose="020B0604020202020204" pitchFamily="34" charset="0"/>
+              <a:buChar char="•"/>
+            </a:pPr>
+            <a:r>
+              <a:rPr lang="en-US" sz="1800" b="0" i="0" u="none" strike="noStrike" dirty="0">
+                <a:solidFill>
+                  <a:schemeClr val="accent2">
+                    <a:lumMod val="75000"/>
+                  </a:schemeClr>
+                </a:solidFill>
+                <a:effectLst/>
+                <a:latin typeface="Arial" panose="020B0604020202020204" pitchFamily="34" charset="0"/>
+              </a:rPr>
+              <a:t>Provide an intuitive interface for administrators to create, edit, and list events.</a:t>
+            </a:r>
+            <a:endParaRPr lang="en-US" sz="1800" b="0" i="0" u="none" strike="noStrike" dirty="0">
+              <a:solidFill>
+                <a:schemeClr val="accent2">
+                  <a:lumMod val="75000"/>
+                </a:schemeClr>
+              </a:solidFill>
+              <a:effectLst/>
+              <a:latin typeface="Arial" panose="020B0604020202020204" pitchFamily="34" charset="0"/>
+            </a:endParaRPr>
+          </a:p>
+          <a:p>
+            <a:pPr rtl="0" fontAlgn="base">
+              <a:buFont typeface="Arial" panose="020B0604020202020204" pitchFamily="34" charset="0"/>
+              <a:buChar char="•"/>
+            </a:pPr>
+            <a:r>
+              <a:rPr lang="en-US" sz="1800" b="0" i="0" u="none" strike="noStrike" dirty="0">
+                <a:solidFill>
+                  <a:schemeClr val="accent2">
+                    <a:lumMod val="75000"/>
+                  </a:schemeClr>
+                </a:solidFill>
+                <a:effectLst/>
+                <a:latin typeface="Arial" panose="020B0604020202020204" pitchFamily="34" charset="0"/>
+              </a:rPr>
+              <a:t>Include essential event details like title, date, time, venue, description, and pricing.</a:t>
+            </a:r>
+            <a:endParaRPr lang="en-US" sz="1800" b="0" i="0" u="none" strike="noStrike" dirty="0">
+              <a:solidFill>
+                <a:schemeClr val="accent2">
+                  <a:lumMod val="75000"/>
+                </a:schemeClr>
+              </a:solidFill>
+              <a:effectLst/>
+              <a:latin typeface="Arial" panose="020B0604020202020204" pitchFamily="34" charset="0"/>
+            </a:endParaRPr>
+          </a:p>
+          <a:p>
+            <a:pPr rtl="0" fontAlgn="base">
+              <a:buFont typeface="Arial" panose="020B0604020202020204" pitchFamily="34" charset="0"/>
+              <a:buChar char="•"/>
+            </a:pPr>
+            <a:br>
+              <a:rPr lang="en-US" b="0" dirty="0">
+                <a:solidFill>
+                  <a:schemeClr val="accent2">
+                    <a:lumMod val="75000"/>
+                  </a:schemeClr>
+                </a:solidFill>
+                <a:effectLst/>
+              </a:rPr>
+            </a:br>
+            <a:r>
+              <a:rPr lang="en-US" sz="1800" b="1" i="0" u="none" strike="noStrike" dirty="0">
+                <a:solidFill>
+                  <a:schemeClr val="accent2">
+                    <a:lumMod val="75000"/>
+                  </a:schemeClr>
+                </a:solidFill>
+                <a:effectLst/>
+                <a:latin typeface="Arial" panose="020B0604020202020204" pitchFamily="34" charset="0"/>
+              </a:rPr>
+              <a:t>User-Friendly Registration and Booking</a:t>
+            </a:r>
+            <a:endParaRPr lang="en-US" sz="1800" b="1" i="0" u="none" strike="noStrike" dirty="0">
+              <a:solidFill>
+                <a:schemeClr val="accent2">
+                  <a:lumMod val="75000"/>
+                </a:schemeClr>
+              </a:solidFill>
+              <a:effectLst/>
+              <a:latin typeface="Arial" panose="020B0604020202020204" pitchFamily="34" charset="0"/>
+            </a:endParaRPr>
+          </a:p>
+          <a:p>
+            <a:pPr rtl="0" fontAlgn="base">
+              <a:buFont typeface="Arial" panose="020B0604020202020204" pitchFamily="34" charset="0"/>
+              <a:buChar char="•"/>
+            </a:pPr>
+            <a:r>
+              <a:rPr lang="en-US" sz="1800" b="0" i="0" u="none" strike="noStrike" dirty="0">
+                <a:solidFill>
+                  <a:schemeClr val="accent2">
+                    <a:lumMod val="75000"/>
+                  </a:schemeClr>
+                </a:solidFill>
+                <a:effectLst/>
+                <a:latin typeface="Arial" panose="020B0604020202020204" pitchFamily="34" charset="0"/>
+              </a:rPr>
+              <a:t>Enable users to register and book tickets seamlessly through a responsive and interactive UI.</a:t>
+            </a:r>
+            <a:endParaRPr lang="en-US" sz="1800" b="0" i="0" u="none" strike="noStrike" dirty="0">
+              <a:solidFill>
+                <a:schemeClr val="accent2">
+                  <a:lumMod val="75000"/>
+                </a:schemeClr>
+              </a:solidFill>
+              <a:effectLst/>
+              <a:latin typeface="Arial" panose="020B0604020202020204" pitchFamily="34" charset="0"/>
+            </a:endParaRPr>
+          </a:p>
+          <a:p>
+            <a:pPr rtl="0" fontAlgn="base">
+              <a:buFont typeface="Arial" panose="020B0604020202020204" pitchFamily="34" charset="0"/>
+              <a:buChar char="•"/>
+            </a:pPr>
+            <a:r>
+              <a:rPr lang="en-US" sz="1800" b="0" i="0" u="none" strike="noStrike" dirty="0">
+                <a:solidFill>
+                  <a:schemeClr val="accent2">
+                    <a:lumMod val="75000"/>
+                  </a:schemeClr>
+                </a:solidFill>
+                <a:effectLst/>
+                <a:latin typeface="Arial" panose="020B0604020202020204" pitchFamily="34" charset="0"/>
+              </a:rPr>
+              <a:t>Include real-time ticket availability updates to prevent overbooking.</a:t>
+            </a:r>
+            <a:endParaRPr lang="en-US" sz="1800" b="0" i="0" u="none" strike="noStrike" dirty="0">
+              <a:solidFill>
+                <a:schemeClr val="accent2">
+                  <a:lumMod val="75000"/>
+                </a:schemeClr>
+              </a:solidFill>
+              <a:effectLst/>
+              <a:latin typeface="Arial" panose="020B0604020202020204" pitchFamily="34" charset="0"/>
+            </a:endParaRPr>
+          </a:p>
+          <a:p>
+            <a:pPr rtl="0" fontAlgn="base">
+              <a:buFont typeface="Arial" panose="020B0604020202020204" pitchFamily="34" charset="0"/>
+              <a:buChar char="•"/>
+            </a:pPr>
+            <a:br>
+              <a:rPr lang="en-US" b="0" dirty="0">
+                <a:solidFill>
+                  <a:schemeClr val="accent2">
+                    <a:lumMod val="75000"/>
+                  </a:schemeClr>
+                </a:solidFill>
+                <a:effectLst/>
+              </a:rPr>
+            </a:br>
+            <a:r>
+              <a:rPr lang="en-US" sz="1800" b="1" i="0" u="none" strike="noStrike" dirty="0">
+                <a:solidFill>
+                  <a:schemeClr val="accent2">
+                    <a:lumMod val="75000"/>
+                  </a:schemeClr>
+                </a:solidFill>
+                <a:effectLst/>
+                <a:latin typeface="Arial" panose="020B0604020202020204" pitchFamily="34" charset="0"/>
+              </a:rPr>
+              <a:t>Secure User Authentication</a:t>
+            </a:r>
+            <a:endParaRPr lang="en-US" sz="1800" b="1" i="0" u="none" strike="noStrike" dirty="0">
+              <a:solidFill>
+                <a:schemeClr val="accent2">
+                  <a:lumMod val="75000"/>
+                </a:schemeClr>
+              </a:solidFill>
+              <a:effectLst/>
+              <a:latin typeface="Arial" panose="020B0604020202020204" pitchFamily="34" charset="0"/>
+            </a:endParaRPr>
+          </a:p>
+          <a:p>
+            <a:pPr rtl="0" fontAlgn="base">
+              <a:buFont typeface="Arial" panose="020B0604020202020204" pitchFamily="34" charset="0"/>
+              <a:buChar char="•"/>
+            </a:pPr>
+            <a:r>
+              <a:rPr lang="en-US" sz="1800" b="0" i="0" u="none" strike="noStrike" dirty="0">
+                <a:solidFill>
+                  <a:schemeClr val="accent2">
+                    <a:lumMod val="75000"/>
+                  </a:schemeClr>
+                </a:solidFill>
+                <a:effectLst/>
+                <a:latin typeface="Arial" panose="020B0604020202020204" pitchFamily="34" charset="0"/>
+              </a:rPr>
+              <a:t>Implement a robust authentication system for users and administrators, ensuring secure access to functionalities.</a:t>
+            </a:r>
+            <a:endParaRPr lang="en-US" sz="1800" b="0" i="0" u="none" strike="noStrike" dirty="0">
+              <a:solidFill>
+                <a:schemeClr val="accent2">
+                  <a:lumMod val="75000"/>
+                </a:schemeClr>
+              </a:solidFill>
+              <a:effectLst/>
+              <a:latin typeface="Arial" panose="020B0604020202020204" pitchFamily="34" charset="0"/>
+            </a:endParaRPr>
+          </a:p>
+          <a:p>
+            <a:pPr rtl="0" fontAlgn="base">
+              <a:buFont typeface="Arial" panose="020B0604020202020204" pitchFamily="34" charset="0"/>
+              <a:buChar char="•"/>
+            </a:pPr>
+            <a:r>
+              <a:rPr lang="en-US" sz="1800" b="0" i="0" u="none" strike="noStrike" dirty="0">
+                <a:solidFill>
+                  <a:schemeClr val="accent2">
+                    <a:lumMod val="75000"/>
+                  </a:schemeClr>
+                </a:solidFill>
+                <a:effectLst/>
+                <a:latin typeface="Arial" panose="020B0604020202020204" pitchFamily="34" charset="0"/>
+              </a:rPr>
+              <a:t>Protect sensitive user data with encryption and secure session management.</a:t>
+            </a:r>
+            <a:endParaRPr lang="en-US" sz="1800" b="0" i="0" u="none" strike="noStrike" dirty="0">
+              <a:solidFill>
+                <a:schemeClr val="accent2">
+                  <a:lumMod val="75000"/>
+                </a:schemeClr>
+              </a:solidFill>
+              <a:effectLst/>
+              <a:latin typeface="Arial" panose="020B0604020202020204" pitchFamily="34" charset="0"/>
+            </a:endParaRPr>
+          </a:p>
+          <a:p>
+            <a:pPr rtl="0" fontAlgn="base">
+              <a:buFont typeface="Arial" panose="020B0604020202020204" pitchFamily="34" charset="0"/>
+              <a:buChar char="•"/>
+            </a:pPr>
+            <a:br>
+              <a:rPr lang="en-US" b="0" dirty="0">
+                <a:solidFill>
+                  <a:schemeClr val="accent2">
+                    <a:lumMod val="75000"/>
+                  </a:schemeClr>
+                </a:solidFill>
+                <a:effectLst/>
+              </a:rPr>
+            </a:br>
+            <a:r>
+              <a:rPr lang="en-US" sz="1800" b="1" i="0" u="none" strike="noStrike" dirty="0">
+                <a:solidFill>
+                  <a:schemeClr val="accent2">
+                    <a:lumMod val="75000"/>
+                  </a:schemeClr>
+                </a:solidFill>
+                <a:effectLst/>
+                <a:latin typeface="Arial" panose="020B0604020202020204" pitchFamily="34" charset="0"/>
+              </a:rPr>
+              <a:t>Comprehensive Admin Panel</a:t>
+            </a:r>
+            <a:endParaRPr lang="en-US" sz="1800" b="1" i="0" u="none" strike="noStrike" dirty="0">
+              <a:solidFill>
+                <a:schemeClr val="accent2">
+                  <a:lumMod val="75000"/>
+                </a:schemeClr>
+              </a:solidFill>
+              <a:effectLst/>
+              <a:latin typeface="Arial" panose="020B0604020202020204" pitchFamily="34" charset="0"/>
+            </a:endParaRPr>
+          </a:p>
+          <a:p>
+            <a:pPr rtl="0" fontAlgn="base">
+              <a:buFont typeface="Arial" panose="020B0604020202020204" pitchFamily="34" charset="0"/>
+              <a:buChar char="•"/>
+            </a:pPr>
+            <a:r>
+              <a:rPr lang="en-US" sz="1800" b="0" i="0" u="none" strike="noStrike" dirty="0">
+                <a:solidFill>
+                  <a:schemeClr val="accent2">
+                    <a:lumMod val="75000"/>
+                  </a:schemeClr>
+                </a:solidFill>
+                <a:effectLst/>
+                <a:latin typeface="Arial" panose="020B0604020202020204" pitchFamily="34" charset="0"/>
+              </a:rPr>
+              <a:t>Provide admins with tools to monitor registrations, manage bookings, and generate reports.</a:t>
+            </a:r>
+            <a:endParaRPr lang="en-US" sz="1800" b="0" i="0" u="none" strike="noStrike" dirty="0">
+              <a:solidFill>
+                <a:schemeClr val="accent2">
+                  <a:lumMod val="75000"/>
+                </a:schemeClr>
+              </a:solidFill>
+              <a:effectLst/>
+              <a:latin typeface="Arial" panose="020B0604020202020204" pitchFamily="34" charset="0"/>
+            </a:endParaRPr>
+          </a:p>
+          <a:p>
+            <a:pPr rtl="0" fontAlgn="base">
+              <a:buFont typeface="Arial" panose="020B0604020202020204" pitchFamily="34" charset="0"/>
+              <a:buChar char="•"/>
+            </a:pPr>
+            <a:r>
+              <a:rPr lang="en-US" sz="1800" b="0" i="0" u="none" strike="noStrike" dirty="0">
+                <a:solidFill>
+                  <a:schemeClr val="accent2">
+                    <a:lumMod val="75000"/>
+                  </a:schemeClr>
+                </a:solidFill>
+                <a:effectLst/>
+                <a:latin typeface="Arial" panose="020B0604020202020204" pitchFamily="34" charset="0"/>
+              </a:rPr>
+              <a:t>Include event performance analytics and ticket sales data for insights.</a:t>
+            </a:r>
+            <a:endParaRPr lang="en-US" sz="1800" b="0" i="0" u="none" strike="noStrike" dirty="0">
+              <a:solidFill>
+                <a:schemeClr val="accent2">
+                  <a:lumMod val="75000"/>
+                </a:schemeClr>
+              </a:solidFill>
+              <a:effectLst/>
+              <a:latin typeface="Arial" panose="020B0604020202020204" pitchFamily="34" charset="0"/>
+            </a:endParaRPr>
+          </a:p>
+          <a:p>
+            <a:pPr rtl="0" fontAlgn="base">
+              <a:buFont typeface="Arial" panose="020B0604020202020204" pitchFamily="34" charset="0"/>
+              <a:buChar char="•"/>
+            </a:pPr>
+            <a:br>
+              <a:rPr lang="en-US" b="0" dirty="0">
+                <a:solidFill>
+                  <a:schemeClr val="accent2">
+                    <a:lumMod val="75000"/>
+                  </a:schemeClr>
+                </a:solidFill>
+                <a:effectLst/>
+              </a:rPr>
+            </a:br>
+            <a:r>
+              <a:rPr lang="en-US" sz="1800" b="1" i="0" u="none" strike="noStrike" dirty="0">
+                <a:solidFill>
+                  <a:schemeClr val="accent2">
+                    <a:lumMod val="75000"/>
+                  </a:schemeClr>
+                </a:solidFill>
+                <a:effectLst/>
+                <a:latin typeface="Arial" panose="020B0604020202020204" pitchFamily="34" charset="0"/>
+              </a:rPr>
+              <a:t>Payment Gateway Integration</a:t>
+            </a:r>
+            <a:endParaRPr lang="en-US" sz="1800" b="1" i="0" u="none" strike="noStrike" dirty="0">
+              <a:solidFill>
+                <a:schemeClr val="accent2">
+                  <a:lumMod val="75000"/>
+                </a:schemeClr>
+              </a:solidFill>
+              <a:effectLst/>
+              <a:latin typeface="Arial" panose="020B0604020202020204" pitchFamily="34" charset="0"/>
+            </a:endParaRPr>
+          </a:p>
+          <a:p>
+            <a:pPr rtl="0" fontAlgn="base">
+              <a:buFont typeface="Arial" panose="020B0604020202020204" pitchFamily="34" charset="0"/>
+              <a:buChar char="•"/>
+            </a:pPr>
+            <a:r>
+              <a:rPr lang="en-US" sz="1800" b="0" i="0" u="none" strike="noStrike" dirty="0">
+                <a:solidFill>
+                  <a:schemeClr val="accent2">
+                    <a:lumMod val="75000"/>
+                  </a:schemeClr>
+                </a:solidFill>
+                <a:effectLst/>
+                <a:latin typeface="Arial" panose="020B0604020202020204" pitchFamily="34" charset="0"/>
+              </a:rPr>
+              <a:t>Support secure online payments with integration of trusted payment gateways.</a:t>
+            </a:r>
+            <a:endParaRPr lang="en-US" sz="1800" b="0" i="0" u="none" strike="noStrike" dirty="0">
+              <a:solidFill>
+                <a:schemeClr val="accent2">
+                  <a:lumMod val="75000"/>
+                </a:schemeClr>
+              </a:solidFill>
+              <a:effectLst/>
+              <a:latin typeface="Arial" panose="020B0604020202020204" pitchFamily="34" charset="0"/>
+            </a:endParaRPr>
+          </a:p>
+          <a:p>
+            <a:pPr rtl="0" fontAlgn="base">
+              <a:buFont typeface="Arial" panose="020B0604020202020204" pitchFamily="34" charset="0"/>
+              <a:buChar char="•"/>
+            </a:pPr>
+            <a:r>
+              <a:rPr lang="en-US" sz="1800" b="0" i="0" u="none" strike="noStrike" dirty="0">
+                <a:solidFill>
+                  <a:schemeClr val="accent2">
+                    <a:lumMod val="75000"/>
+                  </a:schemeClr>
+                </a:solidFill>
+                <a:effectLst/>
+                <a:latin typeface="Arial" panose="020B0604020202020204" pitchFamily="34" charset="0"/>
+              </a:rPr>
+              <a:t>Offer multiple payment options for user convenience.</a:t>
+            </a:r>
+            <a:endParaRPr lang="en-US" sz="1800" b="0" i="0" u="none" strike="noStrike" dirty="0">
+              <a:solidFill>
+                <a:schemeClr val="accent2">
+                  <a:lumMod val="75000"/>
+                </a:schemeClr>
+              </a:solidFill>
+              <a:effectLst/>
+              <a:latin typeface="Arial" panose="020B0604020202020204" pitchFamily="34" charset="0"/>
+            </a:endParaRPr>
+          </a:p>
+          <a:p>
+            <a:pPr>
+              <a:buNone/>
+            </a:pPr>
+            <a:br>
+              <a:rPr lang="en-US" b="0" dirty="0">
+                <a:effectLst/>
+              </a:rPr>
+            </a:br>
+            <a:endParaRPr lang="en-US" dirty="0"/>
+          </a:p>
+        </p:txBody>
+      </p:sp>
+    </p:spTree>
   </p:cSld>
   <p:clrMapOvr>
     <a:masterClrMapping/>
@@ -10969,59 +10369,14 @@
       </p:grpSpPr>
       <p:sp>
         <p:nvSpPr>
-          <p:cNvPr id="2" name="Title 1">
-            <a:extLst>
-              <a:ext uri="{FF2B5EF4-FFF2-40B4-BE49-F238E27FC236}">
-                <a16:creationId xmlns:a16="http://schemas.microsoft.com/office/drawing/2014/main" id="{B6272444-21F1-1FC0-C0CD-A56DACC3505E}"/>
-              </a:ext>
-            </a:extLst>
-          </p:cNvPr>
-          <p:cNvSpPr>
-            <a:spLocks noGrp="1"/>
-          </p:cNvSpPr>
-          <p:nvPr>
-            <p:ph type="title"/>
-          </p:nvPr>
+          <p:cNvPr id="3" name="TextBox 2"/>
+          <p:cNvSpPr txBox="1"/>
+          <p:nvPr/>
         </p:nvSpPr>
         <p:spPr>
           <a:xfrm>
-            <a:off x="677334" y="158620"/>
-            <a:ext cx="8596668" cy="802433"/>
-          </a:xfrm>
-        </p:spPr>
-        <p:txBody>
-          <a:bodyPr/>
-          <a:lstStyle/>
-          <a:p>
-            <a:r>
-              <a:rPr lang="en-US" dirty="0">
-                <a:solidFill>
-                  <a:schemeClr val="accent4">
-                    <a:lumMod val="75000"/>
-                  </a:schemeClr>
-                </a:solidFill>
-              </a:rPr>
-              <a:t>               PROJECT OBJECTIVES</a:t>
-            </a:r>
-          </a:p>
-        </p:txBody>
-      </p:sp>
-      <p:sp>
-        <p:nvSpPr>
-          <p:cNvPr id="4" name="TextBox 3">
-            <a:extLst>
-              <a:ext uri="{FF2B5EF4-FFF2-40B4-BE49-F238E27FC236}">
-                <a16:creationId xmlns:a16="http://schemas.microsoft.com/office/drawing/2014/main" id="{24C0EA6A-CE04-6EBA-B279-C95E6AC3A088}"/>
-              </a:ext>
-            </a:extLst>
-          </p:cNvPr>
-          <p:cNvSpPr txBox="1"/>
-          <p:nvPr/>
-        </p:nvSpPr>
-        <p:spPr>
-          <a:xfrm>
-            <a:off x="550506" y="923731"/>
-            <a:ext cx="10300996" cy="6186309"/>
+            <a:off x="326571" y="942392"/>
+            <a:ext cx="10552923" cy="6360716"/>
           </a:xfrm>
           <a:prstGeom prst="rect">
             <a:avLst/>
@@ -11034,12 +10389,202 @@
           </a:bodyPr>
           <a:lstStyle/>
           <a:p>
-            <a:pPr rtl="0" fontAlgn="base">
-              <a:buFont typeface="Arial" panose="020B0604020202020204" pitchFamily="34" charset="0"/>
-              <a:buChar char="•"/>
+            <a:pPr rtl="0">
+              <a:buNone/>
             </a:pPr>
             <a:r>
-              <a:rPr lang="en-US" sz="1800" b="1" i="0" u="none" strike="noStrike" dirty="0">
+              <a:rPr lang="en-US" dirty="0">
+                <a:solidFill>
+                  <a:schemeClr val="accent2">
+                    <a:lumMod val="75000"/>
+                  </a:schemeClr>
+                </a:solidFill>
+                <a:latin typeface="Times New Roman" panose="02020603050405020304" pitchFamily="18" charset="0"/>
+              </a:rPr>
+              <a:t>9</a:t>
+            </a:r>
+            <a:r>
+              <a:rPr lang="en-US" sz="1800" b="0" i="0" u="none" strike="noStrike" dirty="0">
+                <a:solidFill>
+                  <a:schemeClr val="accent2">
+                    <a:lumMod val="75000"/>
+                  </a:schemeClr>
+                </a:solidFill>
+                <a:effectLst/>
+                <a:latin typeface="Times New Roman" panose="02020603050405020304" pitchFamily="18" charset="0"/>
+              </a:rPr>
+              <a:t> August, 2025</a:t>
+            </a:r>
+            <a:endParaRPr lang="en-US" b="0" dirty="0">
+              <a:solidFill>
+                <a:schemeClr val="accent2">
+                  <a:lumMod val="75000"/>
+                </a:schemeClr>
+              </a:solidFill>
+              <a:effectLst/>
+            </a:endParaRPr>
+          </a:p>
+          <a:p>
+            <a:pPr rtl="0">
+              <a:spcBef>
+                <a:spcPts val="1000"/>
+              </a:spcBef>
+              <a:buNone/>
+            </a:pPr>
+            <a:r>
+              <a:rPr lang="en-US" sz="1800" b="0" i="0" u="none" strike="noStrike" dirty="0">
+                <a:solidFill>
+                  <a:schemeClr val="accent2">
+                    <a:lumMod val="75000"/>
+                  </a:schemeClr>
+                </a:solidFill>
+                <a:effectLst/>
+                <a:latin typeface="Times New Roman" panose="02020603050405020304" pitchFamily="18" charset="0"/>
+              </a:rPr>
+              <a:t>The Consultant</a:t>
+            </a:r>
+            <a:endParaRPr lang="en-US" b="0" dirty="0">
+              <a:solidFill>
+                <a:schemeClr val="accent2">
+                  <a:lumMod val="75000"/>
+                </a:schemeClr>
+              </a:solidFill>
+              <a:effectLst/>
+            </a:endParaRPr>
+          </a:p>
+          <a:p>
+            <a:pPr rtl="0">
+              <a:spcBef>
+                <a:spcPts val="1000"/>
+              </a:spcBef>
+              <a:buNone/>
+            </a:pPr>
+            <a:r>
+              <a:rPr lang="en-US" sz="1800" b="0" i="0" u="none" strike="noStrike" dirty="0">
+                <a:solidFill>
+                  <a:schemeClr val="accent2">
+                    <a:lumMod val="75000"/>
+                  </a:schemeClr>
+                </a:solidFill>
+                <a:effectLst/>
+                <a:latin typeface="Times New Roman" panose="02020603050405020304" pitchFamily="18" charset="0"/>
+              </a:rPr>
+              <a:t>IDB Bhaban, </a:t>
+            </a:r>
+            <a:endParaRPr lang="en-US" b="0" dirty="0">
+              <a:solidFill>
+                <a:schemeClr val="accent2">
+                  <a:lumMod val="75000"/>
+                </a:schemeClr>
+              </a:solidFill>
+              <a:effectLst/>
+            </a:endParaRPr>
+          </a:p>
+          <a:p>
+            <a:pPr rtl="0">
+              <a:spcBef>
+                <a:spcPts val="1000"/>
+              </a:spcBef>
+              <a:buNone/>
+            </a:pPr>
+            <a:r>
+              <a:rPr lang="en-US" sz="1800" b="0" i="0" u="none" strike="noStrike" dirty="0">
+                <a:solidFill>
+                  <a:schemeClr val="accent2">
+                    <a:lumMod val="75000"/>
+                  </a:schemeClr>
+                </a:solidFill>
+                <a:effectLst/>
+                <a:latin typeface="Times New Roman" panose="02020603050405020304" pitchFamily="18" charset="0"/>
+              </a:rPr>
+              <a:t>Sher e Bangla, Nagar, Dhaka </a:t>
+            </a:r>
+            <a:endParaRPr lang="en-US" b="0" dirty="0">
+              <a:solidFill>
+                <a:schemeClr val="accent2">
+                  <a:lumMod val="75000"/>
+                </a:schemeClr>
+              </a:solidFill>
+              <a:effectLst/>
+            </a:endParaRPr>
+          </a:p>
+          <a:p>
+            <a:pPr rtl="0">
+              <a:spcBef>
+                <a:spcPts val="1000"/>
+              </a:spcBef>
+              <a:buNone/>
+            </a:pPr>
+            <a:r>
+              <a:rPr lang="en-US" sz="1800" b="0" i="0" u="none" strike="noStrike" dirty="0">
+                <a:solidFill>
+                  <a:schemeClr val="accent2">
+                    <a:lumMod val="75000"/>
+                  </a:schemeClr>
+                </a:solidFill>
+                <a:effectLst/>
+                <a:latin typeface="Times New Roman" panose="02020603050405020304" pitchFamily="18" charset="0"/>
+              </a:rPr>
+              <a:t>Subject: Project proposal letter for the Event Management system. </a:t>
+            </a:r>
+            <a:endParaRPr lang="en-US" b="0" dirty="0">
+              <a:solidFill>
+                <a:schemeClr val="accent2">
+                  <a:lumMod val="75000"/>
+                </a:schemeClr>
+              </a:solidFill>
+              <a:effectLst/>
+            </a:endParaRPr>
+          </a:p>
+          <a:p>
+            <a:pPr rtl="0">
+              <a:spcBef>
+                <a:spcPts val="1000"/>
+              </a:spcBef>
+              <a:buNone/>
+            </a:pPr>
+            <a:r>
+              <a:rPr lang="en-US" sz="1800" b="0" i="0" u="none" strike="noStrike" dirty="0">
+                <a:solidFill>
+                  <a:schemeClr val="accent2">
+                    <a:lumMod val="75000"/>
+                  </a:schemeClr>
+                </a:solidFill>
+                <a:effectLst/>
+                <a:latin typeface="Times New Roman" panose="02020603050405020304" pitchFamily="18" charset="0"/>
+              </a:rPr>
+              <a:t>Dear sir, </a:t>
+            </a:r>
+            <a:endParaRPr lang="en-US" b="0" dirty="0">
+              <a:solidFill>
+                <a:schemeClr val="accent2">
+                  <a:lumMod val="75000"/>
+                </a:schemeClr>
+              </a:solidFill>
+              <a:effectLst/>
+            </a:endParaRPr>
+          </a:p>
+          <a:p>
+            <a:pPr algn="just" rtl="0">
+              <a:spcBef>
+                <a:spcPts val="1000"/>
+              </a:spcBef>
+              <a:buNone/>
+            </a:pPr>
+            <a:r>
+              <a:rPr lang="en-US" sz="1800" b="0" i="0" u="none" strike="noStrike" dirty="0">
+                <a:solidFill>
+                  <a:schemeClr val="accent2">
+                    <a:lumMod val="75000"/>
+                  </a:schemeClr>
+                </a:solidFill>
+                <a:effectLst/>
+                <a:latin typeface="Times New Roman" panose="02020603050405020304" pitchFamily="18" charset="0"/>
+              </a:rPr>
+              <a:t>Thank you for offering us a great opportunity to make a Real-life project based on our core course that is Professional Web Development with PHP and MySQL. In this project, I would like to inform you that I have decided to make a project on Event Management System, which is most importance for every business communities</a:t>
+            </a:r>
+            <a:r>
+              <a:rPr lang="en-US" sz="1800" b="0" i="0" u="none" strike="noStrike" dirty="0">
                 <a:solidFill>
                   <a:schemeClr val="accent2">
                     <a:lumMod val="75000"/>
@@ -11048,14 +10593,8 @@
                 <a:effectLst/>
                 <a:latin typeface="Arial" panose="020B0604020202020204" pitchFamily="34" charset="0"/>
               </a:rPr>
-              <a:t>Streamlined Event Creation and Listing</a:t>
-            </a:r>
-          </a:p>
-          <a:p>
-            <a:pPr rtl="0" fontAlgn="base">
-              <a:buFont typeface="Arial" panose="020B0604020202020204" pitchFamily="34" charset="0"/>
-              <a:buChar char="•"/>
-            </a:pPr>
+              <a:t>.</a:t>
+            </a:r>
             <a:r>
               <a:rPr lang="en-US" sz="1800" b="0" i="0" u="none" strike="noStrike" dirty="0">
                 <a:solidFill>
@@ -11064,15 +10603,25 @@
                   </a:schemeClr>
                 </a:solidFill>
                 <a:effectLst/>
-                <a:latin typeface="Arial" panose="020B0604020202020204" pitchFamily="34" charset="0"/>
+                <a:latin typeface="Times New Roman" panose="02020603050405020304" pitchFamily="18" charset="0"/>
               </a:rPr>
-              <a:t>Provide an intuitive interface for administrators to create, edit, and list events.</a:t>
-            </a:r>
-          </a:p>
-          <a:p>
-            <a:pPr rtl="0" fontAlgn="base">
-              <a:buFont typeface="Arial" panose="020B0604020202020204" pitchFamily="34" charset="0"/>
-              <a:buChar char="•"/>
+              <a:t>. I have studied about the various aspects of the system and make a proposal accordingly which is enclosed here with for your kind perusal. So, We think you will finally Approved the project and help to utilize my creativity. </a:t>
+            </a:r>
+            <a:endParaRPr lang="en-US" b="0" dirty="0">
+              <a:solidFill>
+                <a:schemeClr val="accent2">
+                  <a:lumMod val="75000"/>
+                </a:schemeClr>
+              </a:solidFill>
+              <a:effectLst/>
+            </a:endParaRPr>
+          </a:p>
+          <a:p>
+            <a:pPr rtl="0">
+              <a:spcBef>
+                <a:spcPts val="1000"/>
+              </a:spcBef>
+              <a:buNone/>
             </a:pPr>
             <a:r>
               <a:rPr lang="en-US" sz="1800" b="0" i="0" u="none" strike="noStrike" dirty="0">
@@ -11082,286 +10631,207 @@
                   </a:schemeClr>
                 </a:solidFill>
                 <a:effectLst/>
-                <a:latin typeface="Arial" panose="020B0604020202020204" pitchFamily="34" charset="0"/>
+                <a:latin typeface="Times New Roman" panose="02020603050405020304" pitchFamily="18" charset="0"/>
               </a:rPr>
-              <a:t>Include essential event details like title, date, time, venue, description, and pricing.</a:t>
-            </a:r>
-          </a:p>
-          <a:p>
-            <a:pPr rtl="0" fontAlgn="base">
-              <a:buFont typeface="Arial" panose="020B0604020202020204" pitchFamily="34" charset="0"/>
-              <a:buChar char="•"/>
+              <a:t>Sincerely, </a:t>
+            </a:r>
+            <a:endParaRPr lang="en-US" b="0" dirty="0">
+              <a:solidFill>
+                <a:schemeClr val="accent2">
+                  <a:lumMod val="75000"/>
+                </a:schemeClr>
+              </a:solidFill>
+              <a:effectLst/>
+            </a:endParaRPr>
+          </a:p>
+          <a:p>
+            <a:pPr rtl="0">
+              <a:spcBef>
+                <a:spcPts val="1000"/>
+              </a:spcBef>
+              <a:buNone/>
+            </a:pPr>
+            <a:r>
+              <a:rPr lang="en-US" sz="1800" b="0" i="0" u="none" strike="noStrike" dirty="0" err="1">
+                <a:solidFill>
+                  <a:schemeClr val="accent2">
+                    <a:lumMod val="75000"/>
+                  </a:schemeClr>
+                </a:solidFill>
+                <a:effectLst/>
+                <a:latin typeface="Times New Roman" panose="02020603050405020304" pitchFamily="18" charset="0"/>
+              </a:rPr>
+              <a:t>NameAzmira</a:t>
+            </a:r>
+            <a:r>
+              <a:rPr lang="en-US" sz="1800" b="0" i="0" u="none" strike="noStrike" dirty="0">
+                <a:solidFill>
+                  <a:schemeClr val="accent2">
+                    <a:lumMod val="75000"/>
+                  </a:schemeClr>
+                </a:solidFill>
+                <a:effectLst/>
+                <a:latin typeface="Times New Roman" panose="02020603050405020304" pitchFamily="18" charset="0"/>
+              </a:rPr>
+              <a:t> Khatun</a:t>
+            </a:r>
+            <a:endParaRPr lang="en-US" b="0" dirty="0">
+              <a:solidFill>
+                <a:schemeClr val="accent2">
+                  <a:lumMod val="75000"/>
+                </a:schemeClr>
+              </a:solidFill>
+              <a:effectLst/>
+            </a:endParaRPr>
+          </a:p>
+          <a:p>
+            <a:pPr rtl="0">
+              <a:spcBef>
+                <a:spcPts val="1000"/>
+              </a:spcBef>
+              <a:buNone/>
+            </a:pPr>
+            <a:r>
+              <a:rPr lang="en-US" sz="1800" b="0" i="0" u="none" strike="noStrike" dirty="0">
+                <a:solidFill>
+                  <a:schemeClr val="accent2">
+                    <a:lumMod val="75000"/>
+                  </a:schemeClr>
+                </a:solidFill>
+                <a:effectLst/>
+                <a:latin typeface="Times New Roman" panose="02020603050405020304" pitchFamily="18" charset="0"/>
+              </a:rPr>
+              <a:t>Batch: PWAD/NCLC-M/</a:t>
+            </a:r>
+            <a:r>
+              <a:rPr lang="en-US" dirty="0">
+                <a:solidFill>
+                  <a:schemeClr val="accent2">
+                    <a:lumMod val="75000"/>
+                  </a:schemeClr>
+                </a:solidFill>
+                <a:latin typeface="Times New Roman" panose="02020603050405020304" pitchFamily="18" charset="0"/>
+              </a:rPr>
+              <a:t>65</a:t>
+            </a:r>
+            <a:r>
+              <a:rPr lang="en-US" sz="1800" b="0" i="0" u="none" strike="noStrike" dirty="0">
+                <a:solidFill>
+                  <a:schemeClr val="accent2">
+                    <a:lumMod val="75000"/>
+                  </a:schemeClr>
+                </a:solidFill>
+                <a:effectLst/>
+                <a:latin typeface="Times New Roman" panose="02020603050405020304" pitchFamily="18" charset="0"/>
+              </a:rPr>
+              <a:t>/01 </a:t>
+            </a:r>
+            <a:endParaRPr lang="en-US" b="0" dirty="0">
+              <a:solidFill>
+                <a:schemeClr val="accent2">
+                  <a:lumMod val="75000"/>
+                </a:schemeClr>
+              </a:solidFill>
+              <a:effectLst/>
+            </a:endParaRPr>
+          </a:p>
+          <a:p>
+            <a:pPr rtl="0">
+              <a:spcBef>
+                <a:spcPts val="1000"/>
+              </a:spcBef>
+              <a:buNone/>
+            </a:pPr>
+            <a:r>
+              <a:rPr lang="en-US" sz="1800" b="0" i="0" u="none" strike="noStrike" dirty="0">
+                <a:solidFill>
+                  <a:schemeClr val="accent2">
+                    <a:lumMod val="75000"/>
+                  </a:schemeClr>
+                </a:solidFill>
+                <a:effectLst/>
+                <a:latin typeface="Times New Roman" panose="02020603050405020304" pitchFamily="18" charset="0"/>
+              </a:rPr>
+              <a:t>Round - </a:t>
+            </a:r>
+            <a:r>
+              <a:rPr lang="en-US" dirty="0">
+                <a:solidFill>
+                  <a:schemeClr val="accent2">
+                    <a:lumMod val="75000"/>
+                  </a:schemeClr>
+                </a:solidFill>
+                <a:latin typeface="Times New Roman" panose="02020603050405020304" pitchFamily="18" charset="0"/>
+              </a:rPr>
+              <a:t>65</a:t>
+            </a:r>
+            <a:endParaRPr lang="en-US" b="0" dirty="0">
+              <a:solidFill>
+                <a:schemeClr val="accent2">
+                  <a:lumMod val="75000"/>
+                </a:schemeClr>
+              </a:solidFill>
+              <a:effectLst/>
+            </a:endParaRPr>
+          </a:p>
+          <a:p>
+            <a:pPr>
+              <a:buNone/>
             </a:pPr>
             <a:br>
-              <a:rPr lang="en-US" b="0" dirty="0">
-                <a:solidFill>
-                  <a:schemeClr val="accent2">
-                    <a:lumMod val="75000"/>
-                  </a:schemeClr>
-                </a:solidFill>
-                <a:effectLst/>
-              </a:rPr>
-            </a:br>
-            <a:r>
-              <a:rPr lang="en-US" sz="1800" b="1" i="0" u="none" strike="noStrike" dirty="0">
-                <a:solidFill>
-                  <a:schemeClr val="accent2">
-                    <a:lumMod val="75000"/>
-                  </a:schemeClr>
-                </a:solidFill>
-                <a:effectLst/>
-                <a:latin typeface="Arial" panose="020B0604020202020204" pitchFamily="34" charset="0"/>
-              </a:rPr>
-              <a:t>User-Friendly Registration and Booking</a:t>
-            </a:r>
-          </a:p>
-          <a:p>
-            <a:pPr rtl="0" fontAlgn="base">
-              <a:buFont typeface="Arial" panose="020B0604020202020204" pitchFamily="34" charset="0"/>
-              <a:buChar char="•"/>
-            </a:pPr>
-            <a:r>
-              <a:rPr lang="en-US" sz="1800" b="0" i="0" u="none" strike="noStrike" dirty="0">
-                <a:solidFill>
-                  <a:schemeClr val="accent2">
-                    <a:lumMod val="75000"/>
-                  </a:schemeClr>
-                </a:solidFill>
-                <a:effectLst/>
-                <a:latin typeface="Arial" panose="020B0604020202020204" pitchFamily="34" charset="0"/>
-              </a:rPr>
-              <a:t>Enable users to register and book tickets seamlessly through a responsive and interactive UI.</a:t>
-            </a:r>
-          </a:p>
-          <a:p>
-            <a:pPr rtl="0" fontAlgn="base">
-              <a:buFont typeface="Arial" panose="020B0604020202020204" pitchFamily="34" charset="0"/>
-              <a:buChar char="•"/>
-            </a:pPr>
-            <a:r>
-              <a:rPr lang="en-US" sz="1800" b="0" i="0" u="none" strike="noStrike" dirty="0">
-                <a:solidFill>
-                  <a:schemeClr val="accent2">
-                    <a:lumMod val="75000"/>
-                  </a:schemeClr>
-                </a:solidFill>
-                <a:effectLst/>
-                <a:latin typeface="Arial" panose="020B0604020202020204" pitchFamily="34" charset="0"/>
-              </a:rPr>
-              <a:t>Include real-time ticket availability updates to prevent overbooking.</a:t>
-            </a:r>
-          </a:p>
-          <a:p>
-            <a:pPr rtl="0" fontAlgn="base">
-              <a:buFont typeface="Arial" panose="020B0604020202020204" pitchFamily="34" charset="0"/>
-              <a:buChar char="•"/>
-            </a:pPr>
-            <a:br>
-              <a:rPr lang="en-US" b="0" dirty="0">
-                <a:solidFill>
-                  <a:schemeClr val="accent2">
-                    <a:lumMod val="75000"/>
-                  </a:schemeClr>
-                </a:solidFill>
-                <a:effectLst/>
-              </a:rPr>
-            </a:br>
-            <a:r>
-              <a:rPr lang="en-US" sz="1800" b="1" i="0" u="none" strike="noStrike" dirty="0">
-                <a:solidFill>
-                  <a:schemeClr val="accent2">
-                    <a:lumMod val="75000"/>
-                  </a:schemeClr>
-                </a:solidFill>
-                <a:effectLst/>
-                <a:latin typeface="Arial" panose="020B0604020202020204" pitchFamily="34" charset="0"/>
-              </a:rPr>
-              <a:t>Secure User Authentication</a:t>
-            </a:r>
-          </a:p>
-          <a:p>
-            <a:pPr rtl="0" fontAlgn="base">
-              <a:buFont typeface="Arial" panose="020B0604020202020204" pitchFamily="34" charset="0"/>
-              <a:buChar char="•"/>
-            </a:pPr>
-            <a:r>
-              <a:rPr lang="en-US" sz="1800" b="0" i="0" u="none" strike="noStrike" dirty="0">
-                <a:solidFill>
-                  <a:schemeClr val="accent2">
-                    <a:lumMod val="75000"/>
-                  </a:schemeClr>
-                </a:solidFill>
-                <a:effectLst/>
-                <a:latin typeface="Arial" panose="020B0604020202020204" pitchFamily="34" charset="0"/>
-              </a:rPr>
-              <a:t>Implement a robust authentication system for users and administrators, ensuring secure access to functionalities.</a:t>
-            </a:r>
-          </a:p>
-          <a:p>
-            <a:pPr rtl="0" fontAlgn="base">
-              <a:buFont typeface="Arial" panose="020B0604020202020204" pitchFamily="34" charset="0"/>
-              <a:buChar char="•"/>
-            </a:pPr>
-            <a:r>
-              <a:rPr lang="en-US" sz="1800" b="0" i="0" u="none" strike="noStrike" dirty="0">
-                <a:solidFill>
-                  <a:schemeClr val="accent2">
-                    <a:lumMod val="75000"/>
-                  </a:schemeClr>
-                </a:solidFill>
-                <a:effectLst/>
-                <a:latin typeface="Arial" panose="020B0604020202020204" pitchFamily="34" charset="0"/>
-              </a:rPr>
-              <a:t>Protect sensitive user data with encryption and secure session management.</a:t>
-            </a:r>
-          </a:p>
-          <a:p>
-            <a:pPr rtl="0" fontAlgn="base">
-              <a:buFont typeface="Arial" panose="020B0604020202020204" pitchFamily="34" charset="0"/>
-              <a:buChar char="•"/>
-            </a:pPr>
-            <a:br>
-              <a:rPr lang="en-US" b="0" dirty="0">
-                <a:solidFill>
-                  <a:schemeClr val="accent2">
-                    <a:lumMod val="75000"/>
-                  </a:schemeClr>
-                </a:solidFill>
-                <a:effectLst/>
-              </a:rPr>
-            </a:br>
-            <a:r>
-              <a:rPr lang="en-US" sz="1800" b="1" i="0" u="none" strike="noStrike" dirty="0">
-                <a:solidFill>
-                  <a:schemeClr val="accent2">
-                    <a:lumMod val="75000"/>
-                  </a:schemeClr>
-                </a:solidFill>
-                <a:effectLst/>
-                <a:latin typeface="Arial" panose="020B0604020202020204" pitchFamily="34" charset="0"/>
-              </a:rPr>
-              <a:t>Comprehensive Admin Panel</a:t>
-            </a:r>
-          </a:p>
-          <a:p>
-            <a:pPr rtl="0" fontAlgn="base">
-              <a:buFont typeface="Arial" panose="020B0604020202020204" pitchFamily="34" charset="0"/>
-              <a:buChar char="•"/>
-            </a:pPr>
-            <a:r>
-              <a:rPr lang="en-US" sz="1800" b="0" i="0" u="none" strike="noStrike" dirty="0">
-                <a:solidFill>
-                  <a:schemeClr val="accent2">
-                    <a:lumMod val="75000"/>
-                  </a:schemeClr>
-                </a:solidFill>
-                <a:effectLst/>
-                <a:latin typeface="Arial" panose="020B0604020202020204" pitchFamily="34" charset="0"/>
-              </a:rPr>
-              <a:t>Provide admins with tools to monitor registrations, manage bookings, and generate reports.</a:t>
-            </a:r>
-          </a:p>
-          <a:p>
-            <a:pPr rtl="0" fontAlgn="base">
-              <a:buFont typeface="Arial" panose="020B0604020202020204" pitchFamily="34" charset="0"/>
-              <a:buChar char="•"/>
-            </a:pPr>
-            <a:r>
-              <a:rPr lang="en-US" sz="1800" b="0" i="0" u="none" strike="noStrike" dirty="0">
-                <a:solidFill>
-                  <a:schemeClr val="accent2">
-                    <a:lumMod val="75000"/>
-                  </a:schemeClr>
-                </a:solidFill>
-                <a:effectLst/>
-                <a:latin typeface="Arial" panose="020B0604020202020204" pitchFamily="34" charset="0"/>
-              </a:rPr>
-              <a:t>Include event performance analytics and ticket sales data for insights.</a:t>
-            </a:r>
-          </a:p>
-          <a:p>
-            <a:pPr rtl="0" fontAlgn="base">
-              <a:buFont typeface="Arial" panose="020B0604020202020204" pitchFamily="34" charset="0"/>
-              <a:buChar char="•"/>
-            </a:pPr>
-            <a:br>
-              <a:rPr lang="en-US" b="0" dirty="0">
-                <a:solidFill>
-                  <a:schemeClr val="accent2">
-                    <a:lumMod val="75000"/>
-                  </a:schemeClr>
-                </a:solidFill>
-                <a:effectLst/>
-              </a:rPr>
-            </a:br>
-            <a:r>
-              <a:rPr lang="en-US" sz="1800" b="1" i="0" u="none" strike="noStrike" dirty="0">
-                <a:solidFill>
-                  <a:schemeClr val="accent2">
-                    <a:lumMod val="75000"/>
-                  </a:schemeClr>
-                </a:solidFill>
-                <a:effectLst/>
-                <a:latin typeface="Arial" panose="020B0604020202020204" pitchFamily="34" charset="0"/>
-              </a:rPr>
-              <a:t>Payment Gateway Integration</a:t>
-            </a:r>
-          </a:p>
-          <a:p>
-            <a:pPr rtl="0" fontAlgn="base">
-              <a:buFont typeface="Arial" panose="020B0604020202020204" pitchFamily="34" charset="0"/>
-              <a:buChar char="•"/>
-            </a:pPr>
-            <a:r>
-              <a:rPr lang="en-US" sz="1800" b="0" i="0" u="none" strike="noStrike" dirty="0">
-                <a:solidFill>
-                  <a:schemeClr val="accent2">
-                    <a:lumMod val="75000"/>
-                  </a:schemeClr>
-                </a:solidFill>
-                <a:effectLst/>
-                <a:latin typeface="Arial" panose="020B0604020202020204" pitchFamily="34" charset="0"/>
-              </a:rPr>
-              <a:t>Support secure online payments with integration of trusted payment gateways.</a:t>
-            </a:r>
-          </a:p>
-          <a:p>
-            <a:pPr rtl="0" fontAlgn="base">
-              <a:buFont typeface="Arial" panose="020B0604020202020204" pitchFamily="34" charset="0"/>
-              <a:buChar char="•"/>
-            </a:pPr>
-            <a:r>
-              <a:rPr lang="en-US" sz="1800" b="0" i="0" u="none" strike="noStrike" dirty="0">
-                <a:solidFill>
-                  <a:schemeClr val="accent2">
-                    <a:lumMod val="75000"/>
-                  </a:schemeClr>
-                </a:solidFill>
-                <a:effectLst/>
-                <a:latin typeface="Arial" panose="020B0604020202020204" pitchFamily="34" charset="0"/>
-              </a:rPr>
-              <a:t>Offer multiple payment options for user convenience.</a:t>
-            </a:r>
-          </a:p>
-          <a:p>
-            <a:pPr>
-              <a:buNone/>
-            </a:pPr>
-            <a:br>
-              <a:rPr lang="en-US" b="0" dirty="0">
-                <a:effectLst/>
-              </a:rPr>
+              <a:rPr lang="en-US" dirty="0"/>
             </a:br>
             <a:endParaRPr lang="en-US" dirty="0"/>
           </a:p>
         </p:txBody>
       </p:sp>
+      <p:sp>
+        <p:nvSpPr>
+          <p:cNvPr id="4" name="Title 3"/>
+          <p:cNvSpPr>
+            <a:spLocks noGrp="1"/>
+          </p:cNvSpPr>
+          <p:nvPr>
+            <p:ph type="title"/>
+          </p:nvPr>
+        </p:nvSpPr>
+        <p:spPr>
+          <a:xfrm>
+            <a:off x="139959" y="223935"/>
+            <a:ext cx="8985379" cy="1073020"/>
+          </a:xfrm>
+        </p:spPr>
+        <p:txBody>
+          <a:bodyPr/>
+          <a:lstStyle/>
+          <a:p>
+            <a:r>
+              <a:rPr lang="en-US" dirty="0"/>
+              <a:t>                    </a:t>
+            </a:r>
+            <a:r>
+              <a:rPr lang="en-US" dirty="0">
+                <a:solidFill>
+                  <a:schemeClr val="accent4">
+                    <a:lumMod val="60000"/>
+                    <a:lumOff val="40000"/>
+                  </a:schemeClr>
+                </a:solidFill>
+              </a:rPr>
+              <a:t>APPLICATION</a:t>
+            </a:r>
+            <a:endParaRPr lang="en-US" dirty="0">
+              <a:solidFill>
+                <a:schemeClr val="accent4">
+                  <a:lumMod val="60000"/>
+                  <a:lumOff val="40000"/>
+                </a:schemeClr>
+              </a:solidFill>
+            </a:endParaRPr>
+          </a:p>
+        </p:txBody>
+      </p:sp>
     </p:spTree>
-    <p:extLst>
-      <p:ext uri="{BB962C8B-B14F-4D97-AF65-F5344CB8AC3E}">
-        <p14:creationId xmlns:p14="http://schemas.microsoft.com/office/powerpoint/2010/main" val="3386020000"/>
-      </p:ext>
-    </p:extLst>
   </p:cSld>
   <p:clrMapOvr>
     <a:masterClrMapping/>
@@ -11388,478 +10858,401 @@
       </p:grpSpPr>
       <p:sp>
         <p:nvSpPr>
-          <p:cNvPr id="3" name="TextBox 2">
-            <a:extLst>
-              <a:ext uri="{FF2B5EF4-FFF2-40B4-BE49-F238E27FC236}">
-                <a16:creationId xmlns:a16="http://schemas.microsoft.com/office/drawing/2014/main" id="{5666A76C-32BF-9F7C-5831-9625F2B2DDDE}"/>
-              </a:ext>
-            </a:extLst>
-          </p:cNvPr>
-          <p:cNvSpPr txBox="1"/>
-          <p:nvPr/>
+          <p:cNvPr id="2" name="Title 1"/>
+          <p:cNvSpPr>
+            <a:spLocks noGrp="1"/>
+          </p:cNvSpPr>
+          <p:nvPr>
+            <p:ph type="title"/>
+          </p:nvPr>
         </p:nvSpPr>
         <p:spPr>
           <a:xfrm>
-            <a:off x="326571" y="942392"/>
-            <a:ext cx="10552923" cy="6360716"/>
+            <a:off x="472061" y="531844"/>
+            <a:ext cx="8801942" cy="867747"/>
           </a:xfrm>
-          <a:prstGeom prst="rect">
-            <a:avLst/>
-          </a:prstGeom>
-          <a:noFill/>
         </p:spPr>
         <p:txBody>
-          <a:bodyPr wrap="square">
-            <a:spAutoFit/>
+          <a:bodyPr>
+            <a:normAutofit fontScale="90000"/>
           </a:bodyPr>
           <a:lstStyle/>
           <a:p>
-            <a:pPr rtl="0">
-              <a:buNone/>
+            <a:r>
+              <a:rPr lang="en-US" dirty="0">
+                <a:solidFill>
+                  <a:schemeClr val="accent5">
+                    <a:lumMod val="75000"/>
+                  </a:schemeClr>
+                </a:solidFill>
+              </a:rPr>
+              <a:t>SOFTWARE KEY FEATURES FOR USARS</a:t>
+            </a:r>
+            <a:r>
+              <a:rPr lang="en-US" dirty="0"/>
+              <a:t> </a:t>
+            </a:r>
+            <a:endParaRPr lang="en-US" dirty="0"/>
+          </a:p>
+        </p:txBody>
+      </p:sp>
+      <p:sp>
+        <p:nvSpPr>
+          <p:cNvPr id="3" name="Text Placeholder 2"/>
+          <p:cNvSpPr>
+            <a:spLocks noGrp="1"/>
+          </p:cNvSpPr>
+          <p:nvPr>
+            <p:ph type="body" idx="1"/>
+          </p:nvPr>
+        </p:nvSpPr>
+        <p:spPr>
+          <a:xfrm>
+            <a:off x="373223" y="1511558"/>
+            <a:ext cx="9890449" cy="5178491"/>
+          </a:xfrm>
+        </p:spPr>
+        <p:txBody>
+          <a:bodyPr>
+            <a:noAutofit/>
+          </a:bodyPr>
+          <a:lstStyle/>
+          <a:p>
+            <a:pPr marL="285750" indent="-285750" fontAlgn="base">
+              <a:buFont typeface="Wingdings" panose="05000000000000000000" pitchFamily="2" charset="2"/>
+              <a:buChar char="v"/>
             </a:pPr>
             <a:r>
-              <a:rPr lang="en-US" dirty="0">
+              <a:rPr lang="en-US" sz="1400" b="1" dirty="0">
                 <a:solidFill>
                   <a:schemeClr val="accent2">
                     <a:lumMod val="75000"/>
                   </a:schemeClr>
                 </a:solidFill>
-                <a:latin typeface="Times New Roman" panose="02020603050405020304" pitchFamily="18" charset="0"/>
               </a:rPr>
-              <a:t>9</a:t>
-            </a:r>
-            <a:r>
-              <a:rPr lang="en-US" sz="1800" b="0" i="0" u="none" strike="noStrike" dirty="0">
-                <a:solidFill>
-                  <a:schemeClr val="accent2">
-                    <a:lumMod val="75000"/>
-                  </a:schemeClr>
-                </a:solidFill>
-                <a:effectLst/>
-                <a:latin typeface="Times New Roman" panose="02020603050405020304" pitchFamily="18" charset="0"/>
-              </a:rPr>
-              <a:t> August, 2025</a:t>
-            </a:r>
-            <a:endParaRPr lang="en-US" b="0" dirty="0">
+              <a:t>Streamlined Event Creation and Listing</a:t>
+            </a:r>
+            <a:endParaRPr lang="en-US" sz="1400" b="1" dirty="0">
               <a:solidFill>
                 <a:schemeClr val="accent2">
                   <a:lumMod val="75000"/>
                 </a:schemeClr>
               </a:solidFill>
-              <a:effectLst/>
             </a:endParaRPr>
           </a:p>
           <a:p>
-            <a:pPr rtl="0">
-              <a:spcBef>
-                <a:spcPts val="1000"/>
-              </a:spcBef>
-              <a:buNone/>
+            <a:pPr marL="285750" indent="-285750" fontAlgn="base">
+              <a:buFont typeface="Wingdings" panose="05000000000000000000" pitchFamily="2" charset="2"/>
+              <a:buChar char="v"/>
             </a:pPr>
             <a:r>
-              <a:rPr lang="en-US" sz="1800" b="0" i="0" u="none" strike="noStrike" dirty="0">
+              <a:rPr lang="en-US" sz="1400" b="1" dirty="0">
                 <a:solidFill>
                   <a:schemeClr val="accent2">
                     <a:lumMod val="75000"/>
                   </a:schemeClr>
                 </a:solidFill>
-                <a:effectLst/>
-                <a:latin typeface="Times New Roman" panose="02020603050405020304" pitchFamily="18" charset="0"/>
               </a:rPr>
-              <a:t>The Consultant</a:t>
-            </a:r>
-            <a:endParaRPr lang="en-US" b="0" dirty="0">
+              <a:t>Provide an intuitive interface for administrators to create, edit, and list events.</a:t>
+            </a:r>
+            <a:endParaRPr lang="en-US" sz="1400" b="1" dirty="0">
               <a:solidFill>
                 <a:schemeClr val="accent2">
                   <a:lumMod val="75000"/>
                 </a:schemeClr>
               </a:solidFill>
-              <a:effectLst/>
             </a:endParaRPr>
           </a:p>
           <a:p>
-            <a:pPr rtl="0">
-              <a:spcBef>
-                <a:spcPts val="1000"/>
-              </a:spcBef>
-              <a:buNone/>
+            <a:pPr marL="285750" indent="-285750" fontAlgn="base">
+              <a:buFont typeface="Wingdings" panose="05000000000000000000" pitchFamily="2" charset="2"/>
+              <a:buChar char="v"/>
             </a:pPr>
             <a:r>
-              <a:rPr lang="en-US" sz="1800" b="0" i="0" u="none" strike="noStrike" dirty="0">
+              <a:rPr lang="en-US" sz="1400" b="1" dirty="0">
                 <a:solidFill>
                   <a:schemeClr val="accent2">
                     <a:lumMod val="75000"/>
                   </a:schemeClr>
                 </a:solidFill>
-                <a:effectLst/>
-                <a:latin typeface="Times New Roman" panose="02020603050405020304" pitchFamily="18" charset="0"/>
               </a:rPr>
-              <a:t>IDB Bhaban, </a:t>
-            </a:r>
-            <a:endParaRPr lang="en-US" b="0" dirty="0">
+              <a:t>Include essential event details like title, date, time, venue, description, and pricing.</a:t>
+            </a:r>
+            <a:endParaRPr lang="en-US" sz="1400" b="1" dirty="0">
               <a:solidFill>
                 <a:schemeClr val="accent2">
                   <a:lumMod val="75000"/>
                 </a:schemeClr>
               </a:solidFill>
-              <a:effectLst/>
             </a:endParaRPr>
           </a:p>
           <a:p>
-            <a:pPr rtl="0">
-              <a:spcBef>
-                <a:spcPts val="1000"/>
-              </a:spcBef>
-              <a:buNone/>
+            <a:pPr marL="285750" indent="-285750" fontAlgn="base">
+              <a:buFont typeface="Wingdings" panose="05000000000000000000" pitchFamily="2" charset="2"/>
+              <a:buChar char="v"/>
             </a:pPr>
             <a:r>
-              <a:rPr lang="en-US" sz="1800" b="0" i="0" u="none" strike="noStrike" dirty="0">
+              <a:rPr lang="en-US" sz="1400" b="1" dirty="0">
                 <a:solidFill>
                   <a:schemeClr val="accent2">
                     <a:lumMod val="75000"/>
                   </a:schemeClr>
                 </a:solidFill>
-                <a:effectLst/>
-                <a:latin typeface="Times New Roman" panose="02020603050405020304" pitchFamily="18" charset="0"/>
               </a:rPr>
-              <a:t>Sher e Bangla, Nagar, Dhaka </a:t>
-            </a:r>
-            <a:endParaRPr lang="en-US" b="0" dirty="0">
+              <a:t>User-Friendly Registration and Booking</a:t>
+            </a:r>
+            <a:endParaRPr lang="en-US" sz="1400" b="1" dirty="0">
               <a:solidFill>
                 <a:schemeClr val="accent2">
                   <a:lumMod val="75000"/>
                 </a:schemeClr>
               </a:solidFill>
-              <a:effectLst/>
             </a:endParaRPr>
           </a:p>
           <a:p>
-            <a:pPr rtl="0">
-              <a:spcBef>
-                <a:spcPts val="1000"/>
-              </a:spcBef>
-              <a:buNone/>
+            <a:pPr marL="285750" indent="-285750" fontAlgn="base">
+              <a:buFont typeface="Wingdings" panose="05000000000000000000" pitchFamily="2" charset="2"/>
+              <a:buChar char="v"/>
             </a:pPr>
             <a:r>
-              <a:rPr lang="en-US" sz="1800" b="0" i="0" u="none" strike="noStrike" dirty="0">
+              <a:rPr lang="en-US" sz="1400" b="1" dirty="0">
                 <a:solidFill>
                   <a:schemeClr val="accent2">
                     <a:lumMod val="75000"/>
                   </a:schemeClr>
                 </a:solidFill>
-                <a:effectLst/>
-                <a:latin typeface="Times New Roman" panose="02020603050405020304" pitchFamily="18" charset="0"/>
               </a:rPr>
-              <a:t>Subject: Project proposal letter for the Event Management system. </a:t>
-            </a:r>
-            <a:endParaRPr lang="en-US" b="0" dirty="0">
+              <a:t>Enable users to register and book tickets seamlessly through a responsive and interactive UI.</a:t>
+            </a:r>
+            <a:endParaRPr lang="en-US" sz="1400" b="1" dirty="0">
               <a:solidFill>
                 <a:schemeClr val="accent2">
                   <a:lumMod val="75000"/>
                 </a:schemeClr>
               </a:solidFill>
-              <a:effectLst/>
             </a:endParaRPr>
           </a:p>
           <a:p>
-            <a:pPr rtl="0">
-              <a:spcBef>
-                <a:spcPts val="1000"/>
-              </a:spcBef>
-              <a:buNone/>
+            <a:pPr marL="285750" indent="-285750" fontAlgn="base">
+              <a:buFont typeface="Wingdings" panose="05000000000000000000" pitchFamily="2" charset="2"/>
+              <a:buChar char="v"/>
             </a:pPr>
             <a:r>
-              <a:rPr lang="en-US" sz="1800" b="0" i="0" u="none" strike="noStrike" dirty="0">
+              <a:rPr lang="en-US" sz="1400" b="1" dirty="0">
                 <a:solidFill>
                   <a:schemeClr val="accent2">
                     <a:lumMod val="75000"/>
                   </a:schemeClr>
                 </a:solidFill>
-                <a:effectLst/>
-                <a:latin typeface="Times New Roman" panose="02020603050405020304" pitchFamily="18" charset="0"/>
               </a:rPr>
-              <a:t>Dear sir, </a:t>
-            </a:r>
-            <a:endParaRPr lang="en-US" b="0" dirty="0">
+              <a:t>Include real-time ticket availability updates to prevent overbooking.</a:t>
+            </a:r>
+            <a:endParaRPr lang="en-US" sz="1400" b="1" dirty="0">
               <a:solidFill>
                 <a:schemeClr val="accent2">
                   <a:lumMod val="75000"/>
                 </a:schemeClr>
               </a:solidFill>
-              <a:effectLst/>
             </a:endParaRPr>
           </a:p>
           <a:p>
-            <a:pPr algn="just" rtl="0">
-              <a:spcBef>
-                <a:spcPts val="1000"/>
-              </a:spcBef>
-              <a:buNone/>
+            <a:pPr marL="285750" indent="-285750" fontAlgn="base">
+              <a:buFont typeface="Wingdings" panose="05000000000000000000" pitchFamily="2" charset="2"/>
+              <a:buChar char="v"/>
             </a:pPr>
             <a:r>
-              <a:rPr lang="en-US" sz="1800" b="0" i="0" u="none" strike="noStrike" dirty="0">
+              <a:rPr lang="en-US" sz="1400" b="1" dirty="0">
                 <a:solidFill>
                   <a:schemeClr val="accent2">
                     <a:lumMod val="75000"/>
                   </a:schemeClr>
                 </a:solidFill>
-                <a:effectLst/>
-                <a:latin typeface="Times New Roman" panose="02020603050405020304" pitchFamily="18" charset="0"/>
               </a:rPr>
-              <a:t>Thank you for offering us a great opportunity to make a Real-life project based on our core course that is Professional Web Development with PHP and MySQL. In this project, I would like to inform you that I have decided to make a project on Event Management System, which is most importance for every business communities</a:t>
-            </a:r>
-            <a:r>
-              <a:rPr lang="en-US" sz="1800" b="0" i="0" u="none" strike="noStrike" dirty="0">
-                <a:solidFill>
-                  <a:schemeClr val="accent2">
-                    <a:lumMod val="75000"/>
-                  </a:schemeClr>
-                </a:solidFill>
-                <a:effectLst/>
-                <a:latin typeface="Arial" panose="020B0604020202020204" pitchFamily="34" charset="0"/>
-              </a:rPr>
-              <a:t>.</a:t>
-            </a:r>
-            <a:r>
-              <a:rPr lang="en-US" sz="1800" b="0" i="0" u="none" strike="noStrike" dirty="0">
-                <a:solidFill>
-                  <a:schemeClr val="accent2">
-                    <a:lumMod val="75000"/>
-                  </a:schemeClr>
-                </a:solidFill>
-                <a:effectLst/>
-                <a:latin typeface="Times New Roman" panose="02020603050405020304" pitchFamily="18" charset="0"/>
-              </a:rPr>
-              <a:t>. I have studied about the various aspects of the system and make a proposal accordingly which is enclosed here with for your kind perusal. So, We think you will finally Approved the project and help to utilize my creativity. </a:t>
-            </a:r>
-            <a:endParaRPr lang="en-US" b="0" dirty="0">
+              <a:t>Secure User Authentication</a:t>
+            </a:r>
+            <a:endParaRPr lang="en-US" sz="1400" b="1" dirty="0">
               <a:solidFill>
                 <a:schemeClr val="accent2">
                   <a:lumMod val="75000"/>
                 </a:schemeClr>
               </a:solidFill>
-              <a:effectLst/>
             </a:endParaRPr>
           </a:p>
           <a:p>
-            <a:pPr rtl="0">
-              <a:spcBef>
-                <a:spcPts val="1000"/>
-              </a:spcBef>
-              <a:buNone/>
+            <a:pPr marL="285750" indent="-285750" fontAlgn="base">
+              <a:buFont typeface="Wingdings" panose="05000000000000000000" pitchFamily="2" charset="2"/>
+              <a:buChar char="v"/>
             </a:pPr>
             <a:r>
-              <a:rPr lang="en-US" sz="1800" b="0" i="0" u="none" strike="noStrike" dirty="0">
+              <a:rPr lang="en-US" sz="1400" b="1" dirty="0">
                 <a:solidFill>
                   <a:schemeClr val="accent2">
                     <a:lumMod val="75000"/>
                   </a:schemeClr>
                 </a:solidFill>
-                <a:effectLst/>
-                <a:latin typeface="Times New Roman" panose="02020603050405020304" pitchFamily="18" charset="0"/>
               </a:rPr>
-              <a:t>Sincerely, </a:t>
-            </a:r>
-            <a:endParaRPr lang="en-US" b="0" dirty="0">
+              <a:t>Implement a robust authentication system for users and administrators, ensuring secure access to functionalities.</a:t>
+            </a:r>
+            <a:endParaRPr lang="en-US" sz="1400" b="1" dirty="0">
               <a:solidFill>
                 <a:schemeClr val="accent2">
                   <a:lumMod val="75000"/>
                 </a:schemeClr>
               </a:solidFill>
-              <a:effectLst/>
             </a:endParaRPr>
           </a:p>
           <a:p>
-            <a:pPr rtl="0">
-              <a:spcBef>
-                <a:spcPts val="1000"/>
-              </a:spcBef>
-              <a:buNone/>
+            <a:pPr marL="285750" indent="-285750" fontAlgn="base">
+              <a:buFont typeface="Wingdings" panose="05000000000000000000" pitchFamily="2" charset="2"/>
+              <a:buChar char="v"/>
             </a:pPr>
             <a:r>
-              <a:rPr lang="en-US" sz="1800" b="0" i="0" u="none" strike="noStrike" dirty="0" err="1">
+              <a:rPr lang="en-US" sz="1400" b="1" dirty="0">
                 <a:solidFill>
                   <a:schemeClr val="accent2">
                     <a:lumMod val="75000"/>
                   </a:schemeClr>
                 </a:solidFill>
-                <a:effectLst/>
-                <a:latin typeface="Times New Roman" panose="02020603050405020304" pitchFamily="18" charset="0"/>
               </a:rPr>
-              <a:t>NameAzmira</a:t>
-            </a:r>
-            <a:r>
-              <a:rPr lang="en-US" sz="1800" b="0" i="0" u="none" strike="noStrike" dirty="0">
-                <a:solidFill>
-                  <a:schemeClr val="accent2">
-                    <a:lumMod val="75000"/>
-                  </a:schemeClr>
-                </a:solidFill>
-                <a:effectLst/>
-                <a:latin typeface="Times New Roman" panose="02020603050405020304" pitchFamily="18" charset="0"/>
-              </a:rPr>
-              <a:t> Khatun</a:t>
-            </a:r>
-            <a:endParaRPr lang="en-US" b="0" dirty="0">
+              <a:t>Protect sensitive user data with encryption and secure session management.</a:t>
+            </a:r>
+            <a:endParaRPr lang="en-US" sz="1400" b="1" dirty="0">
               <a:solidFill>
                 <a:schemeClr val="accent2">
                   <a:lumMod val="75000"/>
                 </a:schemeClr>
               </a:solidFill>
-              <a:effectLst/>
             </a:endParaRPr>
           </a:p>
           <a:p>
-            <a:pPr rtl="0">
-              <a:spcBef>
-                <a:spcPts val="1000"/>
-              </a:spcBef>
-              <a:buNone/>
+            <a:pPr marL="285750" indent="-285750" fontAlgn="base">
+              <a:buFont typeface="Wingdings" panose="05000000000000000000" pitchFamily="2" charset="2"/>
+              <a:buChar char="v"/>
             </a:pPr>
             <a:r>
-              <a:rPr lang="en-US" sz="1800" b="0" i="0" u="none" strike="noStrike" dirty="0">
+              <a:rPr lang="en-US" sz="1400" b="1" dirty="0">
                 <a:solidFill>
                   <a:schemeClr val="accent2">
                     <a:lumMod val="75000"/>
                   </a:schemeClr>
                 </a:solidFill>
-                <a:effectLst/>
-                <a:latin typeface="Times New Roman" panose="02020603050405020304" pitchFamily="18" charset="0"/>
               </a:rPr>
-              <a:t>Batch: PWAD/NCLC-M/</a:t>
-            </a:r>
-            <a:r>
-              <a:rPr lang="en-US" dirty="0">
-                <a:solidFill>
-                  <a:schemeClr val="accent2">
-                    <a:lumMod val="75000"/>
-                  </a:schemeClr>
-                </a:solidFill>
-                <a:latin typeface="Times New Roman" panose="02020603050405020304" pitchFamily="18" charset="0"/>
-              </a:rPr>
-              <a:t>65</a:t>
-            </a:r>
-            <a:r>
-              <a:rPr lang="en-US" sz="1800" b="0" i="0" u="none" strike="noStrike" dirty="0">
-                <a:solidFill>
-                  <a:schemeClr val="accent2">
-                    <a:lumMod val="75000"/>
-                  </a:schemeClr>
-                </a:solidFill>
-                <a:effectLst/>
-                <a:latin typeface="Times New Roman" panose="02020603050405020304" pitchFamily="18" charset="0"/>
-              </a:rPr>
-              <a:t>/01 </a:t>
-            </a:r>
-            <a:endParaRPr lang="en-US" b="0" dirty="0">
+              <a:t>Comprehensive Admin Panel</a:t>
+            </a:r>
+            <a:endParaRPr lang="en-US" sz="1400" b="1" dirty="0">
               <a:solidFill>
                 <a:schemeClr val="accent2">
                   <a:lumMod val="75000"/>
                 </a:schemeClr>
               </a:solidFill>
-              <a:effectLst/>
             </a:endParaRPr>
           </a:p>
           <a:p>
-            <a:pPr rtl="0">
-              <a:spcBef>
-                <a:spcPts val="1000"/>
-              </a:spcBef>
-              <a:buNone/>
+            <a:pPr marL="285750" indent="-285750" fontAlgn="base">
+              <a:buFont typeface="Wingdings" panose="05000000000000000000" pitchFamily="2" charset="2"/>
+              <a:buChar char="v"/>
             </a:pPr>
             <a:r>
-              <a:rPr lang="en-US" sz="1800" b="0" i="0" u="none" strike="noStrike" dirty="0">
+              <a:rPr lang="en-US" sz="1400" b="1" dirty="0">
                 <a:solidFill>
                   <a:schemeClr val="accent2">
                     <a:lumMod val="75000"/>
                   </a:schemeClr>
                 </a:solidFill>
-                <a:effectLst/>
-                <a:latin typeface="Times New Roman" panose="02020603050405020304" pitchFamily="18" charset="0"/>
               </a:rPr>
-              <a:t>Round - </a:t>
-            </a:r>
-            <a:r>
-              <a:rPr lang="en-US" dirty="0">
-                <a:solidFill>
-                  <a:schemeClr val="accent2">
-                    <a:lumMod val="75000"/>
-                  </a:schemeClr>
-                </a:solidFill>
-                <a:latin typeface="Times New Roman" panose="02020603050405020304" pitchFamily="18" charset="0"/>
-              </a:rPr>
-              <a:t>65</a:t>
-            </a:r>
-            <a:endParaRPr lang="en-US" b="0" dirty="0">
+              <a:t>Provide admins with tools to monitor registrations, manage bookings, and generate reports.</a:t>
+            </a:r>
+            <a:endParaRPr lang="en-US" sz="1400" b="1" dirty="0">
               <a:solidFill>
                 <a:schemeClr val="accent2">
                   <a:lumMod val="75000"/>
                 </a:schemeClr>
               </a:solidFill>
-              <a:effectLst/>
             </a:endParaRPr>
           </a:p>
           <a:p>
+            <a:pPr marL="285750" indent="-285750" fontAlgn="base">
+              <a:buFont typeface="Wingdings" panose="05000000000000000000" pitchFamily="2" charset="2"/>
+              <a:buChar char="v"/>
+            </a:pPr>
+            <a:r>
+              <a:rPr lang="en-US" sz="1400" b="1" dirty="0">
+                <a:solidFill>
+                  <a:schemeClr val="accent2">
+                    <a:lumMod val="75000"/>
+                  </a:schemeClr>
+                </a:solidFill>
+              </a:rPr>
+              <a:t>Include event performance analytics and ticket sales data for insights.</a:t>
+            </a:r>
+            <a:endParaRPr lang="en-US" sz="1400" b="1" dirty="0">
+              <a:solidFill>
+                <a:schemeClr val="accent2">
+                  <a:lumMod val="75000"/>
+                </a:schemeClr>
+              </a:solidFill>
+            </a:endParaRPr>
+          </a:p>
+          <a:p>
+            <a:pPr marL="285750" indent="-285750" fontAlgn="base">
+              <a:buFont typeface="Wingdings" panose="05000000000000000000" pitchFamily="2" charset="2"/>
+              <a:buChar char="v"/>
+            </a:pPr>
+            <a:r>
+              <a:rPr lang="en-US" sz="1400" b="1" dirty="0">
+                <a:solidFill>
+                  <a:schemeClr val="accent2">
+                    <a:lumMod val="75000"/>
+                  </a:schemeClr>
+                </a:solidFill>
+              </a:rPr>
+              <a:t>Payment Gateway Integration</a:t>
+            </a:r>
+            <a:endParaRPr lang="en-US" sz="1400" b="1" dirty="0">
+              <a:solidFill>
+                <a:schemeClr val="accent2">
+                  <a:lumMod val="75000"/>
+                </a:schemeClr>
+              </a:solidFill>
+            </a:endParaRPr>
+          </a:p>
+          <a:p>
+            <a:pPr marL="285750" indent="-285750" fontAlgn="base">
+              <a:buFont typeface="Wingdings" panose="05000000000000000000" pitchFamily="2" charset="2"/>
+              <a:buChar char="v"/>
+            </a:pPr>
+            <a:r>
+              <a:rPr lang="en-US" sz="1400" b="1" dirty="0">
+                <a:solidFill>
+                  <a:schemeClr val="accent2">
+                    <a:lumMod val="75000"/>
+                  </a:schemeClr>
+                </a:solidFill>
+              </a:rPr>
+              <a:t>Offer multiple payment options for user convenience.</a:t>
+            </a:r>
+            <a:endParaRPr lang="en-US" sz="1400" b="1" dirty="0">
+              <a:solidFill>
+                <a:schemeClr val="accent2">
+                  <a:lumMod val="75000"/>
+                </a:schemeClr>
+              </a:solidFill>
+            </a:endParaRPr>
+          </a:p>
+          <a:p>
             <a:pPr>
-              <a:buNone/>
+              <a:lnSpc>
+                <a:spcPct val="120000"/>
+              </a:lnSpc>
             </a:pPr>
             <a:br>
-              <a:rPr lang="en-US" dirty="0"/>
+              <a:rPr lang="en-US" sz="1400" b="1" dirty="0"/>
             </a:br>
-            <a:endParaRPr lang="en-US" dirty="0"/>
-          </a:p>
-        </p:txBody>
-      </p:sp>
-      <p:sp>
-        <p:nvSpPr>
-          <p:cNvPr id="4" name="Title 3">
-            <a:extLst>
-              <a:ext uri="{FF2B5EF4-FFF2-40B4-BE49-F238E27FC236}">
-                <a16:creationId xmlns:a16="http://schemas.microsoft.com/office/drawing/2014/main" id="{80E7761C-6C56-2F08-9D27-02E8EA3A23F6}"/>
-              </a:ext>
-            </a:extLst>
-          </p:cNvPr>
-          <p:cNvSpPr>
-            <a:spLocks noGrp="1"/>
-          </p:cNvSpPr>
-          <p:nvPr>
-            <p:ph type="title"/>
-          </p:nvPr>
-        </p:nvSpPr>
-        <p:spPr>
-          <a:xfrm>
-            <a:off x="139959" y="223935"/>
-            <a:ext cx="8985379" cy="1073020"/>
-          </a:xfrm>
-        </p:spPr>
-        <p:txBody>
-          <a:bodyPr/>
-          <a:lstStyle/>
-          <a:p>
-            <a:r>
-              <a:rPr lang="en-US" dirty="0"/>
-              <a:t>                    </a:t>
-            </a:r>
-            <a:r>
-              <a:rPr lang="en-US" dirty="0">
-                <a:solidFill>
-                  <a:schemeClr val="accent4">
-                    <a:lumMod val="60000"/>
-                    <a:lumOff val="40000"/>
-                  </a:schemeClr>
-                </a:solidFill>
-              </a:rPr>
-              <a:t>APPLICATION</a:t>
-            </a:r>
+            <a:endParaRPr lang="en-US" sz="1400" b="1" dirty="0"/>
           </a:p>
         </p:txBody>
       </p:sp>
     </p:spTree>
-    <p:extLst>
-      <p:ext uri="{BB962C8B-B14F-4D97-AF65-F5344CB8AC3E}">
-        <p14:creationId xmlns:p14="http://schemas.microsoft.com/office/powerpoint/2010/main" val="1085489538"/>
-      </p:ext>
-    </p:extLst>
   </p:cSld>
   <p:clrMapOvr>
     <a:masterClrMapping/>
@@ -11886,13 +11279,7 @@
       </p:grpSpPr>
       <p:sp>
         <p:nvSpPr>
-          <p:cNvPr id="2" name="Title 1">
-            <a:extLst>
-              <a:ext uri="{FF2B5EF4-FFF2-40B4-BE49-F238E27FC236}">
-                <a16:creationId xmlns:a16="http://schemas.microsoft.com/office/drawing/2014/main" id="{D73065C1-96B2-5394-3A64-9DFE5B682E4C}"/>
-              </a:ext>
-            </a:extLst>
-          </p:cNvPr>
+          <p:cNvPr id="2" name="Title 1"/>
           <p:cNvSpPr>
             <a:spLocks noGrp="1"/>
           </p:cNvSpPr>
@@ -11902,303 +11289,172 @@
         </p:nvSpPr>
         <p:spPr>
           <a:xfrm>
-            <a:off x="472061" y="531844"/>
-            <a:ext cx="8801942" cy="867747"/>
+            <a:off x="317240" y="754547"/>
+            <a:ext cx="10198359" cy="1259632"/>
           </a:xfrm>
         </p:spPr>
         <p:txBody>
-          <a:bodyPr>
-            <a:normAutofit fontScale="90000"/>
+          <a:bodyPr/>
+          <a:lstStyle/>
+          <a:p>
+            <a:r>
+              <a:rPr lang="en-US" dirty="0">
+                <a:solidFill>
+                  <a:schemeClr val="accent4">
+                    <a:lumMod val="75000"/>
+                  </a:schemeClr>
+                </a:solidFill>
+              </a:rPr>
+              <a:t>SOFTWARE KEY FEATURES FOR ADMINISTRATORS</a:t>
+            </a:r>
+            <a:endParaRPr lang="en-US" dirty="0">
+              <a:solidFill>
+                <a:schemeClr val="accent4">
+                  <a:lumMod val="75000"/>
+                </a:schemeClr>
+              </a:solidFill>
+            </a:endParaRPr>
+          </a:p>
+        </p:txBody>
+      </p:sp>
+      <p:sp>
+        <p:nvSpPr>
+          <p:cNvPr id="4" name="TextBox 3"/>
+          <p:cNvSpPr txBox="1"/>
+          <p:nvPr/>
+        </p:nvSpPr>
+        <p:spPr>
+          <a:xfrm>
+            <a:off x="503853" y="2014179"/>
+            <a:ext cx="9825135" cy="1960730"/>
+          </a:xfrm>
+          <a:prstGeom prst="rect">
+            <a:avLst/>
+          </a:prstGeom>
+          <a:noFill/>
+        </p:spPr>
+        <p:txBody>
+          <a:bodyPr wrap="square">
+            <a:spAutoFit/>
           </a:bodyPr>
           <a:lstStyle/>
           <a:p>
-            <a:r>
-              <a:rPr lang="en-US" dirty="0">
-                <a:solidFill>
-                  <a:schemeClr val="accent5">
-                    <a:lumMod val="75000"/>
-                  </a:schemeClr>
-                </a:solidFill>
-              </a:rPr>
-              <a:t>SOFTWARE KEY FEATURES FOR USARS</a:t>
-            </a:r>
-            <a:r>
-              <a:rPr lang="en-US" dirty="0"/>
-              <a:t> </a:t>
-            </a:r>
-          </a:p>
-        </p:txBody>
-      </p:sp>
-      <p:sp>
-        <p:nvSpPr>
-          <p:cNvPr id="3" name="Text Placeholder 2">
-            <a:extLst>
-              <a:ext uri="{FF2B5EF4-FFF2-40B4-BE49-F238E27FC236}">
-                <a16:creationId xmlns:a16="http://schemas.microsoft.com/office/drawing/2014/main" id="{BE323145-B031-B95B-1F63-444461E70F19}"/>
-              </a:ext>
-            </a:extLst>
-          </p:cNvPr>
-          <p:cNvSpPr>
-            <a:spLocks noGrp="1"/>
-          </p:cNvSpPr>
-          <p:nvPr>
-            <p:ph type="body" idx="1"/>
-          </p:nvPr>
-        </p:nvSpPr>
-        <p:spPr>
-          <a:xfrm>
-            <a:off x="373223" y="1511558"/>
-            <a:ext cx="9890449" cy="5178491"/>
-          </a:xfrm>
-        </p:spPr>
-        <p:txBody>
-          <a:bodyPr>
-            <a:noAutofit/>
-          </a:bodyPr>
-          <a:lstStyle/>
-          <a:p>
-            <a:pPr marL="285750" indent="-285750" fontAlgn="base">
+            <a:pPr marL="285750" indent="-285750" rtl="0" fontAlgn="base">
+              <a:lnSpc>
+                <a:spcPct val="150000"/>
+              </a:lnSpc>
               <a:buFont typeface="Wingdings" panose="05000000000000000000" pitchFamily="2" charset="2"/>
               <a:buChar char="v"/>
             </a:pPr>
             <a:r>
-              <a:rPr lang="en-US" sz="1400" b="1" dirty="0">
-                <a:solidFill>
-                  <a:schemeClr val="accent2">
-                    <a:lumMod val="75000"/>
-                  </a:schemeClr>
-                </a:solidFill>
+              <a:rPr lang="en-US" b="1" i="0" u="none" strike="noStrike" dirty="0">
+                <a:solidFill>
+                  <a:schemeClr val="accent2"/>
+                </a:solidFill>
+                <a:effectLst/>
+                <a:latin typeface="Times New Roman" panose="02020603050405020304" pitchFamily="18" charset="0"/>
               </a:rPr>
-              <a:t>Streamlined Event Creation and Listing</a:t>
-            </a:r>
-          </a:p>
-          <a:p>
-            <a:pPr marL="285750" indent="-285750" fontAlgn="base">
+              <a:t>Dashboard Overview</a:t>
+            </a:r>
+            <a:r>
+              <a:rPr lang="en-US" b="0" i="0" u="none" strike="noStrike" dirty="0">
+                <a:solidFill>
+                  <a:schemeClr val="accent2"/>
+                </a:solidFill>
+                <a:effectLst/>
+                <a:latin typeface="Times New Roman" panose="02020603050405020304" pitchFamily="18" charset="0"/>
+              </a:rPr>
+              <a:t>: A comprehensive dashboard showing event performance, bookings, usars data, and financial statistics. </a:t>
+            </a:r>
+            <a:endParaRPr lang="en-US" b="1" i="0" u="none" strike="noStrike" dirty="0">
+              <a:solidFill>
+                <a:schemeClr val="accent2"/>
+              </a:solidFill>
+              <a:effectLst/>
+              <a:latin typeface="Arial" panose="020B0604020202020204" pitchFamily="34" charset="0"/>
+            </a:endParaRPr>
+          </a:p>
+          <a:p>
+            <a:pPr marL="285750" indent="-285750" rtl="0" fontAlgn="base">
+              <a:lnSpc>
+                <a:spcPct val="150000"/>
+              </a:lnSpc>
+              <a:spcBef>
+                <a:spcPts val="1000"/>
+              </a:spcBef>
               <a:buFont typeface="Wingdings" panose="05000000000000000000" pitchFamily="2" charset="2"/>
               <a:buChar char="v"/>
             </a:pPr>
             <a:r>
-              <a:rPr lang="en-US" sz="1400" b="1" dirty="0">
-                <a:solidFill>
-                  <a:schemeClr val="accent2">
-                    <a:lumMod val="75000"/>
-                  </a:schemeClr>
-                </a:solidFill>
+              <a:rPr lang="en-US" sz="1800" b="1" i="0" u="none" strike="noStrike" dirty="0">
+                <a:solidFill>
+                  <a:schemeClr val="accent2"/>
+                </a:solidFill>
+                <a:effectLst/>
+                <a:latin typeface="Times New Roman" panose="02020603050405020304" pitchFamily="18" charset="0"/>
               </a:rPr>
-              <a:t>Provide an intuitive interface for administrators to create, edit, and list events.</a:t>
-            </a:r>
-          </a:p>
-          <a:p>
-            <a:pPr marL="285750" indent="-285750" fontAlgn="base">
+              <a:t>User Management</a:t>
+            </a:r>
+            <a:r>
+              <a:rPr lang="en-US" sz="1800" b="0" i="0" u="none" strike="noStrike" dirty="0">
+                <a:solidFill>
+                  <a:schemeClr val="accent2"/>
+                </a:solidFill>
+                <a:effectLst/>
+                <a:latin typeface="Times New Roman" panose="02020603050405020304" pitchFamily="18" charset="0"/>
+              </a:rPr>
+              <a:t>: Admins can manage events, delete events.</a:t>
+            </a:r>
+            <a:endParaRPr lang="en-US" sz="1800" b="1" i="0" u="none" strike="noStrike" dirty="0">
+              <a:solidFill>
+                <a:schemeClr val="accent2"/>
+              </a:solidFill>
+              <a:effectLst/>
+              <a:latin typeface="Arial" panose="020B0604020202020204" pitchFamily="34" charset="0"/>
+            </a:endParaRPr>
+          </a:p>
+          <a:p>
+            <a:pPr marL="285750" indent="-285750" rtl="0" fontAlgn="base">
+              <a:lnSpc>
+                <a:spcPct val="150000"/>
+              </a:lnSpc>
+              <a:spcBef>
+                <a:spcPts val="1000"/>
+              </a:spcBef>
               <a:buFont typeface="Wingdings" panose="05000000000000000000" pitchFamily="2" charset="2"/>
               <a:buChar char="v"/>
             </a:pPr>
             <a:r>
-              <a:rPr lang="en-US" sz="1400" b="1" dirty="0">
-                <a:solidFill>
-                  <a:schemeClr val="accent2">
-                    <a:lumMod val="75000"/>
-                  </a:schemeClr>
-                </a:solidFill>
+              <a:rPr lang="en-US" sz="1800" b="1" i="0" u="none" strike="noStrike" dirty="0">
+                <a:solidFill>
+                  <a:schemeClr val="accent2"/>
+                </a:solidFill>
+                <a:effectLst/>
+                <a:latin typeface="Times New Roman" panose="02020603050405020304" pitchFamily="18" charset="0"/>
               </a:rPr>
-              <a:t>Include essential event details like title, date, time, venue, description, and pricing.</a:t>
-            </a:r>
-          </a:p>
-          <a:p>
-            <a:pPr marL="285750" indent="-285750" fontAlgn="base">
-              <a:buFont typeface="Wingdings" panose="05000000000000000000" pitchFamily="2" charset="2"/>
-              <a:buChar char="v"/>
-            </a:pPr>
-            <a:r>
-              <a:rPr lang="en-US" sz="1400" b="1" dirty="0">
-                <a:solidFill>
-                  <a:schemeClr val="accent2">
-                    <a:lumMod val="75000"/>
-                  </a:schemeClr>
-                </a:solidFill>
+              <a:t>System Configuration</a:t>
+            </a:r>
+            <a:r>
+              <a:rPr lang="en-US" sz="1800" b="0" i="0" u="none" strike="noStrike" dirty="0">
+                <a:solidFill>
+                  <a:schemeClr val="accent2"/>
+                </a:solidFill>
+                <a:effectLst/>
+                <a:latin typeface="Times New Roman" panose="02020603050405020304" pitchFamily="18" charset="0"/>
               </a:rPr>
-              <a:t>User-Friendly Registration and Booking</a:t>
-            </a:r>
-          </a:p>
-          <a:p>
-            <a:pPr marL="285750" indent="-285750" fontAlgn="base">
-              <a:buFont typeface="Wingdings" panose="05000000000000000000" pitchFamily="2" charset="2"/>
-              <a:buChar char="v"/>
-            </a:pPr>
-            <a:r>
-              <a:rPr lang="en-US" sz="1400" b="1" dirty="0">
-                <a:solidFill>
-                  <a:schemeClr val="accent2">
-                    <a:lumMod val="75000"/>
-                  </a:schemeClr>
-                </a:solidFill>
-              </a:rPr>
-              <a:t>Enable users to register and book tickets seamlessly through a responsive and interactive UI.</a:t>
-            </a:r>
-          </a:p>
-          <a:p>
-            <a:pPr marL="285750" indent="-285750" fontAlgn="base">
-              <a:buFont typeface="Wingdings" panose="05000000000000000000" pitchFamily="2" charset="2"/>
-              <a:buChar char="v"/>
-            </a:pPr>
-            <a:r>
-              <a:rPr lang="en-US" sz="1400" b="1" dirty="0">
-                <a:solidFill>
-                  <a:schemeClr val="accent2">
-                    <a:lumMod val="75000"/>
-                  </a:schemeClr>
-                </a:solidFill>
-              </a:rPr>
-              <a:t>Include real-time ticket availability updates to prevent overbooking.</a:t>
-            </a:r>
-          </a:p>
-          <a:p>
-            <a:pPr marL="285750" indent="-285750" fontAlgn="base">
-              <a:buFont typeface="Wingdings" panose="05000000000000000000" pitchFamily="2" charset="2"/>
-              <a:buChar char="v"/>
-            </a:pPr>
-            <a:r>
-              <a:rPr lang="en-US" sz="1400" b="1" dirty="0">
-                <a:solidFill>
-                  <a:schemeClr val="accent2">
-                    <a:lumMod val="75000"/>
-                  </a:schemeClr>
-                </a:solidFill>
-              </a:rPr>
-              <a:t>Secure User Authentication</a:t>
-            </a:r>
-          </a:p>
-          <a:p>
-            <a:pPr marL="285750" indent="-285750" fontAlgn="base">
-              <a:buFont typeface="Wingdings" panose="05000000000000000000" pitchFamily="2" charset="2"/>
-              <a:buChar char="v"/>
-            </a:pPr>
-            <a:r>
-              <a:rPr lang="en-US" sz="1400" b="1" dirty="0">
-                <a:solidFill>
-                  <a:schemeClr val="accent2">
-                    <a:lumMod val="75000"/>
-                  </a:schemeClr>
-                </a:solidFill>
-              </a:rPr>
-              <a:t>Implement a robust authentication system for users and administrators, ensuring secure access to functionalities.</a:t>
-            </a:r>
-          </a:p>
-          <a:p>
-            <a:pPr marL="285750" indent="-285750" fontAlgn="base">
-              <a:buFont typeface="Wingdings" panose="05000000000000000000" pitchFamily="2" charset="2"/>
-              <a:buChar char="v"/>
-            </a:pPr>
-            <a:r>
-              <a:rPr lang="en-US" sz="1400" b="1" dirty="0">
-                <a:solidFill>
-                  <a:schemeClr val="accent2">
-                    <a:lumMod val="75000"/>
-                  </a:schemeClr>
-                </a:solidFill>
-              </a:rPr>
-              <a:t>Protect sensitive user data with encryption and secure session management.</a:t>
-            </a:r>
-          </a:p>
-          <a:p>
-            <a:pPr marL="285750" indent="-285750" fontAlgn="base">
-              <a:buFont typeface="Wingdings" panose="05000000000000000000" pitchFamily="2" charset="2"/>
-              <a:buChar char="v"/>
-            </a:pPr>
-            <a:r>
-              <a:rPr lang="en-US" sz="1400" b="1" dirty="0">
-                <a:solidFill>
-                  <a:schemeClr val="accent2">
-                    <a:lumMod val="75000"/>
-                  </a:schemeClr>
-                </a:solidFill>
-              </a:rPr>
-              <a:t>Comprehensive Admin Panel</a:t>
-            </a:r>
-          </a:p>
-          <a:p>
-            <a:pPr marL="285750" indent="-285750" fontAlgn="base">
-              <a:buFont typeface="Wingdings" panose="05000000000000000000" pitchFamily="2" charset="2"/>
-              <a:buChar char="v"/>
-            </a:pPr>
-            <a:r>
-              <a:rPr lang="en-US" sz="1400" b="1" dirty="0">
-                <a:solidFill>
-                  <a:schemeClr val="accent2">
-                    <a:lumMod val="75000"/>
-                  </a:schemeClr>
-                </a:solidFill>
-              </a:rPr>
-              <a:t>Provide admins with tools to monitor registrations, manage bookings, and generate reports.</a:t>
-            </a:r>
-          </a:p>
-          <a:p>
-            <a:pPr marL="285750" indent="-285750" fontAlgn="base">
-              <a:buFont typeface="Wingdings" panose="05000000000000000000" pitchFamily="2" charset="2"/>
-              <a:buChar char="v"/>
-            </a:pPr>
-            <a:r>
-              <a:rPr lang="en-US" sz="1400" b="1" dirty="0">
-                <a:solidFill>
-                  <a:schemeClr val="accent2">
-                    <a:lumMod val="75000"/>
-                  </a:schemeClr>
-                </a:solidFill>
-              </a:rPr>
-              <a:t>Include event performance analytics and ticket sales data for insights.</a:t>
-            </a:r>
-          </a:p>
-          <a:p>
-            <a:pPr marL="285750" indent="-285750" fontAlgn="base">
-              <a:buFont typeface="Wingdings" panose="05000000000000000000" pitchFamily="2" charset="2"/>
-              <a:buChar char="v"/>
-            </a:pPr>
-            <a:r>
-              <a:rPr lang="en-US" sz="1400" b="1" dirty="0">
-                <a:solidFill>
-                  <a:schemeClr val="accent2">
-                    <a:lumMod val="75000"/>
-                  </a:schemeClr>
-                </a:solidFill>
-              </a:rPr>
-              <a:t>Payment Gateway Integration</a:t>
-            </a:r>
-          </a:p>
-          <a:p>
-            <a:pPr marL="285750" indent="-285750" fontAlgn="base">
-              <a:buFont typeface="Wingdings" panose="05000000000000000000" pitchFamily="2" charset="2"/>
-              <a:buChar char="v"/>
-            </a:pPr>
-            <a:r>
-              <a:rPr lang="en-US" sz="1400" b="1" dirty="0">
-                <a:solidFill>
-                  <a:schemeClr val="accent2">
-                    <a:lumMod val="75000"/>
-                  </a:schemeClr>
-                </a:solidFill>
-              </a:rPr>
-              <a:t>Offer multiple payment options for user convenience.</a:t>
-            </a:r>
-          </a:p>
-          <a:p>
-            <a:pPr>
-              <a:lnSpc>
-                <a:spcPct val="120000"/>
-              </a:lnSpc>
-            </a:pPr>
-            <a:br>
-              <a:rPr lang="en-US" sz="1400" b="1" dirty="0"/>
-            </a:br>
-            <a:endParaRPr lang="en-US" sz="1400" b="1" dirty="0"/>
+              <a:t>: Configuration options for events.</a:t>
+            </a:r>
+            <a:endParaRPr lang="en-US" sz="1800" b="1" i="0" u="none" strike="noStrike" dirty="0">
+              <a:solidFill>
+                <a:schemeClr val="accent2"/>
+              </a:solidFill>
+              <a:effectLst/>
+              <a:latin typeface="Arial" panose="020B0604020202020204" pitchFamily="34" charset="0"/>
+            </a:endParaRPr>
           </a:p>
         </p:txBody>
       </p:sp>
     </p:spTree>
-    <p:extLst>
-      <p:ext uri="{BB962C8B-B14F-4D97-AF65-F5344CB8AC3E}">
-        <p14:creationId xmlns:p14="http://schemas.microsoft.com/office/powerpoint/2010/main" val="2119531500"/>
-      </p:ext>
-    </p:extLst>
   </p:cSld>
   <p:clrMapOvr>
     <a:masterClrMapping/>
@@ -12225,192 +11481,105 @@
       </p:grpSpPr>
       <p:sp>
         <p:nvSpPr>
-          <p:cNvPr id="2" name="Title 1">
+          <p:cNvPr id="2" name="Title 1"/>
+          <p:cNvSpPr>
+            <a:spLocks noGrp="1"/>
+          </p:cNvSpPr>
+          <p:nvPr>
+            <p:ph type="title"/>
+          </p:nvPr>
+        </p:nvSpPr>
+        <p:spPr>
+          <a:xfrm>
+            <a:off x="0" y="74159"/>
+            <a:ext cx="12191999" cy="687840"/>
+          </a:xfrm>
+        </p:spPr>
+        <p:txBody>
+          <a:bodyPr>
+            <a:normAutofit fontScale="90000"/>
+          </a:bodyPr>
+          <a:lstStyle/>
+          <a:p>
+            <a:r>
+              <a:rPr lang="en-US" dirty="0"/>
+              <a:t>                    </a:t>
+            </a:r>
+            <a:r>
+              <a:rPr lang="en-US" dirty="0">
+                <a:solidFill>
+                  <a:schemeClr val="accent4">
+                    <a:lumMod val="75000"/>
+                  </a:schemeClr>
+                </a:solidFill>
+              </a:rPr>
+              <a:t>FLOWCHART</a:t>
+            </a:r>
+            <a:endParaRPr lang="en-US" dirty="0">
+              <a:solidFill>
+                <a:schemeClr val="accent4">
+                  <a:lumMod val="75000"/>
+                </a:schemeClr>
+              </a:solidFill>
+            </a:endParaRPr>
+          </a:p>
+        </p:txBody>
+      </p:sp>
+      <p:sp>
+        <p:nvSpPr>
+          <p:cNvPr id="3" name="Text Placeholder 2"/>
+          <p:cNvSpPr>
+            <a:spLocks noGrp="1"/>
+          </p:cNvSpPr>
+          <p:nvPr>
+            <p:ph type="body" idx="1"/>
+          </p:nvPr>
+        </p:nvSpPr>
+        <p:spPr>
+          <a:xfrm>
+            <a:off x="309716" y="645638"/>
+            <a:ext cx="8733257" cy="6138203"/>
+          </a:xfrm>
+        </p:spPr>
+        <p:txBody>
+          <a:bodyPr/>
+          <a:lstStyle/>
+          <a:p>
+            <a:endParaRPr lang="en-US" dirty="0"/>
+          </a:p>
+        </p:txBody>
+      </p:sp>
+      <p:pic>
+        <p:nvPicPr>
+          <p:cNvPr id="5" name="Picture 4"/>
+          <p:cNvPicPr>
+            <a:picLocks noChangeAspect="1"/>
+          </p:cNvPicPr>
+          <p:nvPr/>
+        </p:nvPicPr>
+        <p:blipFill>
+          <a:blip r:embed="rId1">
             <a:extLst>
-              <a:ext uri="{FF2B5EF4-FFF2-40B4-BE49-F238E27FC236}">
-                <a16:creationId xmlns:a16="http://schemas.microsoft.com/office/drawing/2014/main" id="{A2863712-A778-3A0A-A24F-2FE0E57C70E8}"/>
+              <a:ext uri="{28A0092B-C50C-407E-A947-70E740481C1C}">
+                <a14:useLocalDpi xmlns:a14="http://schemas.microsoft.com/office/drawing/2010/main" val="0"/>
               </a:ext>
             </a:extLst>
-          </p:cNvPr>
-          <p:cNvSpPr>
-            <a:spLocks noGrp="1"/>
-          </p:cNvSpPr>
-          <p:nvPr>
-            <p:ph type="title"/>
-          </p:nvPr>
-        </p:nvSpPr>
+          </a:blip>
+          <a:stretch>
+            <a:fillRect/>
+          </a:stretch>
+        </p:blipFill>
         <p:spPr>
           <a:xfrm>
-            <a:off x="317240" y="754547"/>
-            <a:ext cx="10198359" cy="1259632"/>
-          </a:xfrm>
-        </p:spPr>
-        <p:txBody>
-          <a:bodyPr/>
-          <a:lstStyle/>
-          <a:p>
-            <a:r>
-              <a:rPr lang="en-US" dirty="0">
-                <a:solidFill>
-                  <a:schemeClr val="accent4">
-                    <a:lumMod val="75000"/>
-                  </a:schemeClr>
-                </a:solidFill>
-              </a:rPr>
-              <a:t>SOFTWARE KEY FEATURES FOR ADMINISTRATORS</a:t>
-            </a:r>
-          </a:p>
-        </p:txBody>
-      </p:sp>
-      <p:sp>
-        <p:nvSpPr>
-          <p:cNvPr id="4" name="TextBox 3">
-            <a:extLst>
-              <a:ext uri="{FF2B5EF4-FFF2-40B4-BE49-F238E27FC236}">
-                <a16:creationId xmlns:a16="http://schemas.microsoft.com/office/drawing/2014/main" id="{C33B8DDA-7860-A5FD-51C7-DBB260844A71}"/>
-              </a:ext>
-            </a:extLst>
-          </p:cNvPr>
-          <p:cNvSpPr txBox="1"/>
-          <p:nvPr/>
-        </p:nvSpPr>
-        <p:spPr>
-          <a:xfrm>
-            <a:off x="503853" y="2014179"/>
-            <a:ext cx="9825135" cy="1960730"/>
+            <a:off x="455161" y="706473"/>
+            <a:ext cx="8587812" cy="6077368"/>
           </a:xfrm>
           <a:prstGeom prst="rect">
             <a:avLst/>
           </a:prstGeom>
-          <a:noFill/>
         </p:spPr>
-        <p:txBody>
-          <a:bodyPr wrap="square">
-            <a:spAutoFit/>
-          </a:bodyPr>
-          <a:lstStyle/>
-          <a:p>
-            <a:pPr marL="285750" indent="-285750" rtl="0" fontAlgn="base">
-              <a:lnSpc>
-                <a:spcPct val="150000"/>
-              </a:lnSpc>
-              <a:buFont typeface="Wingdings" panose="05000000000000000000" pitchFamily="2" charset="2"/>
-              <a:buChar char="v"/>
-            </a:pPr>
-            <a:r>
-              <a:rPr lang="en-US" b="1" i="0" u="none" strike="noStrike" dirty="0">
-                <a:solidFill>
-                  <a:schemeClr val="accent2"/>
-                </a:solidFill>
-                <a:effectLst/>
-                <a:latin typeface="Times New Roman" panose="02020603050405020304" pitchFamily="18" charset="0"/>
-              </a:rPr>
-              <a:t>Dashboard Overview</a:t>
-            </a:r>
-            <a:r>
-              <a:rPr lang="en-US" b="0" i="0" u="none" strike="noStrike" dirty="0">
-                <a:solidFill>
-                  <a:schemeClr val="accent2"/>
-                </a:solidFill>
-                <a:effectLst/>
-                <a:latin typeface="Times New Roman" panose="02020603050405020304" pitchFamily="18" charset="0"/>
-              </a:rPr>
-              <a:t>: A comprehensive dashboard showing event performance, bookings, usars data, and financial statistics. </a:t>
-            </a:r>
-            <a:endParaRPr lang="en-US" b="1" i="0" u="none" strike="noStrike" dirty="0">
-              <a:solidFill>
-                <a:schemeClr val="accent2"/>
-              </a:solidFill>
-              <a:effectLst/>
-              <a:latin typeface="Arial" panose="020B0604020202020204" pitchFamily="34" charset="0"/>
-            </a:endParaRPr>
-          </a:p>
-          <a:p>
-            <a:pPr marL="285750" indent="-285750" rtl="0" fontAlgn="base">
-              <a:lnSpc>
-                <a:spcPct val="150000"/>
-              </a:lnSpc>
-              <a:spcBef>
-                <a:spcPts val="1000"/>
-              </a:spcBef>
-              <a:buFont typeface="Wingdings" panose="05000000000000000000" pitchFamily="2" charset="2"/>
-              <a:buChar char="v"/>
-            </a:pPr>
-            <a:r>
-              <a:rPr lang="en-US" sz="1800" b="1" i="0" u="none" strike="noStrike" dirty="0">
-                <a:solidFill>
-                  <a:schemeClr val="accent2"/>
-                </a:solidFill>
-                <a:effectLst/>
-                <a:latin typeface="Times New Roman" panose="02020603050405020304" pitchFamily="18" charset="0"/>
-              </a:rPr>
-              <a:t>User Management</a:t>
-            </a:r>
-            <a:r>
-              <a:rPr lang="en-US" sz="1800" b="0" i="0" u="none" strike="noStrike" dirty="0">
-                <a:solidFill>
-                  <a:schemeClr val="accent2"/>
-                </a:solidFill>
-                <a:effectLst/>
-                <a:latin typeface="Times New Roman" panose="02020603050405020304" pitchFamily="18" charset="0"/>
-              </a:rPr>
-              <a:t>: Admins can manage events, delete events.</a:t>
-            </a:r>
-            <a:endParaRPr lang="en-US" sz="1800" b="1" i="0" u="none" strike="noStrike" dirty="0">
-              <a:solidFill>
-                <a:schemeClr val="accent2"/>
-              </a:solidFill>
-              <a:effectLst/>
-              <a:latin typeface="Arial" panose="020B0604020202020204" pitchFamily="34" charset="0"/>
-            </a:endParaRPr>
-          </a:p>
-          <a:p>
-            <a:pPr marL="285750" indent="-285750" rtl="0" fontAlgn="base">
-              <a:lnSpc>
-                <a:spcPct val="150000"/>
-              </a:lnSpc>
-              <a:spcBef>
-                <a:spcPts val="1000"/>
-              </a:spcBef>
-              <a:buFont typeface="Wingdings" panose="05000000000000000000" pitchFamily="2" charset="2"/>
-              <a:buChar char="v"/>
-            </a:pPr>
-            <a:r>
-              <a:rPr lang="en-US" sz="1800" b="1" i="0" u="none" strike="noStrike" dirty="0">
-                <a:solidFill>
-                  <a:schemeClr val="accent2"/>
-                </a:solidFill>
-                <a:effectLst/>
-                <a:latin typeface="Times New Roman" panose="02020603050405020304" pitchFamily="18" charset="0"/>
-              </a:rPr>
-              <a:t>System Configuration</a:t>
-            </a:r>
-            <a:r>
-              <a:rPr lang="en-US" sz="1800" b="0" i="0" u="none" strike="noStrike" dirty="0">
-                <a:solidFill>
-                  <a:schemeClr val="accent2"/>
-                </a:solidFill>
-                <a:effectLst/>
-                <a:latin typeface="Times New Roman" panose="02020603050405020304" pitchFamily="18" charset="0"/>
-              </a:rPr>
-              <a:t>: Configuration options for events.</a:t>
-            </a:r>
-            <a:endParaRPr lang="en-US" sz="1800" b="1" i="0" u="none" strike="noStrike" dirty="0">
-              <a:solidFill>
-                <a:schemeClr val="accent2"/>
-              </a:solidFill>
-              <a:effectLst/>
-              <a:latin typeface="Arial" panose="020B0604020202020204" pitchFamily="34" charset="0"/>
-            </a:endParaRPr>
-          </a:p>
-        </p:txBody>
-      </p:sp>
+      </p:pic>
     </p:spTree>
-    <p:extLst>
-      <p:ext uri="{BB962C8B-B14F-4D97-AF65-F5344CB8AC3E}">
-        <p14:creationId xmlns:p14="http://schemas.microsoft.com/office/powerpoint/2010/main" val="527356951"/>
-      </p:ext>
-    </p:extLst>
   </p:cSld>
   <p:clrMapOvr>
     <a:masterClrMapping/>
@@ -12435,123 +11604,73 @@
           <a:chExt cx="0" cy="0"/>
         </a:xfrm>
       </p:grpSpPr>
-      <p:sp>
-        <p:nvSpPr>
-          <p:cNvPr id="2" name="Title 1">
-            <a:extLst>
-              <a:ext uri="{FF2B5EF4-FFF2-40B4-BE49-F238E27FC236}">
-                <a16:creationId xmlns:a16="http://schemas.microsoft.com/office/drawing/2014/main" id="{D34653CD-1B8D-EBEA-5BCE-ABAE53430B47}"/>
-              </a:ext>
-            </a:extLst>
-          </p:cNvPr>
-          <p:cNvSpPr>
-            <a:spLocks noGrp="1"/>
-          </p:cNvSpPr>
-          <p:nvPr>
-            <p:ph type="title"/>
-          </p:nvPr>
-        </p:nvSpPr>
-        <p:spPr>
-          <a:xfrm>
-            <a:off x="0" y="74159"/>
-            <a:ext cx="12191999" cy="687840"/>
-          </a:xfrm>
-        </p:spPr>
-        <p:txBody>
-          <a:bodyPr>
-            <a:normAutofit fontScale="90000"/>
-          </a:bodyPr>
-          <a:lstStyle/>
-          <a:p>
-            <a:r>
-              <a:rPr lang="en-US" dirty="0"/>
-              <a:t>                    </a:t>
-            </a:r>
-            <a:r>
-              <a:rPr lang="en-US" dirty="0">
-                <a:solidFill>
-                  <a:schemeClr val="accent4">
-                    <a:lumMod val="75000"/>
-                  </a:schemeClr>
-                </a:solidFill>
-              </a:rPr>
-              <a:t>FLOWCHART</a:t>
-            </a:r>
-          </a:p>
-        </p:txBody>
-      </p:sp>
-      <p:sp>
-        <p:nvSpPr>
-          <p:cNvPr id="3" name="Text Placeholder 2">
-            <a:extLst>
-              <a:ext uri="{FF2B5EF4-FFF2-40B4-BE49-F238E27FC236}">
-                <a16:creationId xmlns:a16="http://schemas.microsoft.com/office/drawing/2014/main" id="{7963056B-0DF0-C0C3-5795-D60F98B64632}"/>
-              </a:ext>
-            </a:extLst>
-          </p:cNvPr>
-          <p:cNvSpPr>
-            <a:spLocks noGrp="1"/>
-          </p:cNvSpPr>
-          <p:nvPr>
-            <p:ph type="body" idx="1"/>
-          </p:nvPr>
-        </p:nvSpPr>
-        <p:spPr>
-          <a:xfrm>
-            <a:off x="309716" y="645638"/>
-            <a:ext cx="8733257" cy="6138203"/>
-          </a:xfrm>
-        </p:spPr>
-        <p:txBody>
-          <a:bodyPr/>
-          <a:lstStyle/>
-          <a:p>
-            <a:endParaRPr lang="en-US" dirty="0"/>
-          </a:p>
-        </p:txBody>
-      </p:sp>
       <p:pic>
         <p:nvPicPr>
-          <p:cNvPr id="5" name="Picture 4">
-            <a:extLst>
-              <a:ext uri="{FF2B5EF4-FFF2-40B4-BE49-F238E27FC236}">
-                <a16:creationId xmlns:a16="http://schemas.microsoft.com/office/drawing/2014/main" id="{8B46FD82-A645-3443-C94A-2F429F525699}"/>
-              </a:ext>
-            </a:extLst>
-          </p:cNvPr>
+          <p:cNvPr id="2" name="Picture 1"/>
           <p:cNvPicPr>
             <a:picLocks noChangeAspect="1"/>
           </p:cNvPicPr>
           <p:nvPr/>
         </p:nvPicPr>
         <p:blipFill>
-          <a:blip r:embed="rId3">
-            <a:extLst>
-              <a:ext uri="{28A0092B-C50C-407E-A947-70E740481C1C}">
-                <a14:useLocalDpi xmlns:a14="http://schemas.microsoft.com/office/drawing/2010/main" val="0"/>
-              </a:ext>
-            </a:extLst>
-          </a:blip>
+          <a:blip r:embed="rId1"/>
           <a:stretch>
             <a:fillRect/>
           </a:stretch>
         </p:blipFill>
         <p:spPr>
           <a:xfrm>
-            <a:off x="455161" y="706473"/>
-            <a:ext cx="8587812" cy="6077368"/>
+            <a:off x="353961" y="584775"/>
+            <a:ext cx="9822426" cy="5952436"/>
           </a:xfrm>
           <a:prstGeom prst="rect">
             <a:avLst/>
           </a:prstGeom>
         </p:spPr>
       </p:pic>
+      <p:sp>
+        <p:nvSpPr>
+          <p:cNvPr id="3" name="TextBox 2"/>
+          <p:cNvSpPr txBox="1"/>
+          <p:nvPr/>
+        </p:nvSpPr>
+        <p:spPr>
+          <a:xfrm>
+            <a:off x="353961" y="-1"/>
+            <a:ext cx="9822427" cy="584775"/>
+          </a:xfrm>
+          <a:prstGeom prst="rect">
+            <a:avLst/>
+          </a:prstGeom>
+          <a:noFill/>
+        </p:spPr>
+        <p:txBody>
+          <a:bodyPr wrap="square" rtlCol="0">
+            <a:spAutoFit/>
+          </a:bodyPr>
+          <a:lstStyle/>
+          <a:p>
+            <a:r>
+              <a:rPr lang="en-US" sz="3200" dirty="0">
+                <a:solidFill>
+                  <a:schemeClr val="accent5">
+                    <a:lumMod val="75000"/>
+                  </a:schemeClr>
+                </a:solidFill>
+              </a:rPr>
+              <a:t>                              ERD Diagram</a:t>
+            </a:r>
+            <a:endParaRPr lang="en-US" sz="3200" dirty="0">
+              <a:solidFill>
+                <a:schemeClr val="accent5">
+                  <a:lumMod val="75000"/>
+                </a:schemeClr>
+              </a:solidFill>
+            </a:endParaRPr>
+          </a:p>
+        </p:txBody>
+      </p:sp>
     </p:spTree>
-    <p:extLst>
-      <p:ext uri="{BB962C8B-B14F-4D97-AF65-F5344CB8AC3E}">
-        <p14:creationId xmlns:p14="http://schemas.microsoft.com/office/powerpoint/2010/main" val="1492829108"/>
-      </p:ext>
-    </p:extLst>
   </p:cSld>
   <p:clrMapOvr>
     <a:masterClrMapping/>
@@ -12576,83 +11695,440 @@
           <a:chExt cx="0" cy="0"/>
         </a:xfrm>
       </p:grpSpPr>
+      <p:sp>
+        <p:nvSpPr>
+          <p:cNvPr id="2" name="Title 1"/>
+          <p:cNvSpPr>
+            <a:spLocks noGrp="1"/>
+          </p:cNvSpPr>
+          <p:nvPr>
+            <p:ph type="title"/>
+          </p:nvPr>
+        </p:nvSpPr>
+        <p:spPr>
+          <a:xfrm>
+            <a:off x="18321" y="0"/>
+            <a:ext cx="4401233" cy="1142693"/>
+          </a:xfrm>
+        </p:spPr>
+        <p:txBody>
+          <a:bodyPr/>
+          <a:lstStyle/>
+          <a:p>
+            <a:r>
+              <a:rPr lang="en-US" dirty="0"/>
+              <a:t>             </a:t>
+            </a:r>
+            <a:r>
+              <a:rPr lang="en-US" sz="4800" dirty="0" err="1">
+                <a:solidFill>
+                  <a:schemeClr val="accent4">
+                    <a:lumMod val="75000"/>
+                  </a:schemeClr>
+                </a:solidFill>
+              </a:rPr>
+              <a:t>RelationShip</a:t>
+            </a:r>
+            <a:endParaRPr lang="en-US" sz="4800" dirty="0">
+              <a:solidFill>
+                <a:schemeClr val="accent4">
+                  <a:lumMod val="75000"/>
+                </a:schemeClr>
+              </a:solidFill>
+            </a:endParaRPr>
+          </a:p>
+        </p:txBody>
+      </p:sp>
       <p:pic>
         <p:nvPicPr>
-          <p:cNvPr id="2" name="Picture 1">
+          <p:cNvPr id="6" name="Content Placeholder 5"/>
+          <p:cNvPicPr>
+            <a:picLocks noGrp="1" noChangeAspect="1"/>
+          </p:cNvPicPr>
+          <p:nvPr>
+            <p:ph idx="1"/>
+          </p:nvPr>
+        </p:nvPicPr>
+        <p:blipFill>
+          <a:blip r:embed="rId1">
             <a:extLst>
-              <a:ext uri="{FF2B5EF4-FFF2-40B4-BE49-F238E27FC236}">
-                <a16:creationId xmlns:a16="http://schemas.microsoft.com/office/drawing/2014/main" id="{FAD6B939-5066-48F5-8D78-07AFCB6ADA0E}"/>
+              <a:ext uri="{28A0092B-C50C-407E-A947-70E740481C1C}">
+                <a14:useLocalDpi xmlns:a14="http://schemas.microsoft.com/office/drawing/2010/main" val="0"/>
               </a:ext>
             </a:extLst>
-          </p:cNvPr>
-          <p:cNvPicPr>
-            <a:picLocks noChangeAspect="1"/>
-          </p:cNvPicPr>
-          <p:nvPr/>
-        </p:nvPicPr>
-        <p:blipFill>
-          <a:blip r:embed="rId2"/>
+          </a:blip>
           <a:stretch>
             <a:fillRect/>
           </a:stretch>
         </p:blipFill>
         <p:spPr>
           <a:xfrm>
-            <a:off x="353961" y="584775"/>
-            <a:ext cx="9822426" cy="5952436"/>
+            <a:off x="4760913" y="972457"/>
+            <a:ext cx="7155316" cy="5212873"/>
           </a:xfrm>
-          <a:prstGeom prst="rect">
-            <a:avLst/>
-          </a:prstGeom>
         </p:spPr>
       </p:pic>
       <p:sp>
         <p:nvSpPr>
-          <p:cNvPr id="3" name="TextBox 2">
-            <a:extLst>
-              <a:ext uri="{FF2B5EF4-FFF2-40B4-BE49-F238E27FC236}">
-                <a16:creationId xmlns:a16="http://schemas.microsoft.com/office/drawing/2014/main" id="{04A8D87D-F687-4973-B687-F08CD81E2671}"/>
-              </a:ext>
-            </a:extLst>
-          </p:cNvPr>
-          <p:cNvSpPr txBox="1"/>
-          <p:nvPr/>
+          <p:cNvPr id="4" name="Text Placeholder 3"/>
+          <p:cNvSpPr>
+            <a:spLocks noGrp="1"/>
+          </p:cNvSpPr>
+          <p:nvPr>
+            <p:ph type="body" sz="half" idx="2"/>
+          </p:nvPr>
         </p:nvSpPr>
         <p:spPr>
           <a:xfrm>
-            <a:off x="353961" y="-1"/>
-            <a:ext cx="9822427" cy="584775"/>
+            <a:off x="18321" y="1142693"/>
+            <a:ext cx="4742592" cy="5345193"/>
           </a:xfrm>
-          <a:prstGeom prst="rect">
-            <a:avLst/>
-          </a:prstGeom>
-          <a:noFill/>
         </p:spPr>
         <p:txBody>
-          <a:bodyPr wrap="square" rtlCol="0">
-            <a:spAutoFit/>
+          <a:bodyPr>
+            <a:noAutofit/>
           </a:bodyPr>
           <a:lstStyle/>
           <a:p>
-            <a:r>
-              <a:rPr lang="en-US" sz="3200" dirty="0">
-                <a:solidFill>
-                  <a:schemeClr val="accent5">
+            <a:pPr marL="342900" indent="-342900" fontAlgn="base">
+              <a:buFont typeface="Wingdings" panose="05000000000000000000" pitchFamily="2" charset="2"/>
+              <a:buChar char="v"/>
+            </a:pPr>
+            <a:r>
+              <a:rPr lang="en-US" sz="2400" dirty="0">
+                <a:solidFill>
+                  <a:schemeClr val="accent2">
                     <a:lumMod val="75000"/>
                   </a:schemeClr>
                 </a:solidFill>
               </a:rPr>
-              <a:t>                              ERD Diagram</a:t>
-            </a:r>
+              <a:t>One </a:t>
+            </a:r>
+            <a:r>
+              <a:rPr lang="en-US" sz="2400" b="1" dirty="0">
+                <a:solidFill>
+                  <a:schemeClr val="accent2">
+                    <a:lumMod val="75000"/>
+                  </a:schemeClr>
+                </a:solidFill>
+              </a:rPr>
+              <a:t>User</a:t>
+            </a:r>
+            <a:r>
+              <a:rPr lang="en-US" sz="2400" dirty="0">
+                <a:solidFill>
+                  <a:schemeClr val="accent2">
+                    <a:lumMod val="75000"/>
+                  </a:schemeClr>
+                </a:solidFill>
+              </a:rPr>
+              <a:t> can book multiple </a:t>
+            </a:r>
+            <a:r>
+              <a:rPr lang="en-US" sz="2400" b="1" dirty="0">
+                <a:solidFill>
+                  <a:schemeClr val="accent2">
+                    <a:lumMod val="75000"/>
+                  </a:schemeClr>
+                </a:solidFill>
+              </a:rPr>
+              <a:t>Tickets</a:t>
+            </a:r>
+            <a:r>
+              <a:rPr lang="en-US" sz="2400" dirty="0">
+                <a:solidFill>
+                  <a:schemeClr val="accent2">
+                    <a:lumMod val="75000"/>
+                  </a:schemeClr>
+                </a:solidFill>
+              </a:rPr>
+              <a:t>.</a:t>
+            </a:r>
+            <a:endParaRPr lang="en-US" sz="2400" dirty="0">
+              <a:solidFill>
+                <a:schemeClr val="accent2">
+                  <a:lumMod val="75000"/>
+                </a:schemeClr>
+              </a:solidFill>
+            </a:endParaRPr>
+          </a:p>
+          <a:p>
+            <a:pPr marL="342900" indent="-342900" fontAlgn="base">
+              <a:buFont typeface="Wingdings" panose="05000000000000000000" pitchFamily="2" charset="2"/>
+              <a:buChar char="v"/>
+            </a:pPr>
+            <a:r>
+              <a:rPr lang="en-US" sz="2400" dirty="0">
+                <a:solidFill>
+                  <a:schemeClr val="accent2">
+                    <a:lumMod val="75000"/>
+                  </a:schemeClr>
+                </a:solidFill>
+              </a:rPr>
+              <a:t>One </a:t>
+            </a:r>
+            <a:r>
+              <a:rPr lang="en-US" sz="2400" b="1" dirty="0">
+                <a:solidFill>
+                  <a:schemeClr val="accent2">
+                    <a:lumMod val="75000"/>
+                  </a:schemeClr>
+                </a:solidFill>
+              </a:rPr>
+              <a:t>Ticket</a:t>
+            </a:r>
+            <a:r>
+              <a:rPr lang="en-US" sz="2400" dirty="0">
+                <a:solidFill>
+                  <a:schemeClr val="accent2">
+                    <a:lumMod val="75000"/>
+                  </a:schemeClr>
+                </a:solidFill>
+              </a:rPr>
+              <a:t> is linked to one </a:t>
+            </a:r>
+            <a:r>
+              <a:rPr lang="en-US" sz="2400" b="1" dirty="0">
+                <a:solidFill>
+                  <a:schemeClr val="accent2">
+                    <a:lumMod val="75000"/>
+                  </a:schemeClr>
+                </a:solidFill>
+              </a:rPr>
+              <a:t>Event</a:t>
+            </a:r>
+            <a:r>
+              <a:rPr lang="en-US" sz="2400" dirty="0">
+                <a:solidFill>
+                  <a:schemeClr val="accent2">
+                    <a:lumMod val="75000"/>
+                  </a:schemeClr>
+                </a:solidFill>
+              </a:rPr>
+              <a:t>.</a:t>
+            </a:r>
+            <a:endParaRPr lang="en-US" sz="2400" dirty="0">
+              <a:solidFill>
+                <a:schemeClr val="accent2">
+                  <a:lumMod val="75000"/>
+                </a:schemeClr>
+              </a:solidFill>
+            </a:endParaRPr>
+          </a:p>
+          <a:p>
+            <a:pPr marL="342900" indent="-342900" fontAlgn="base">
+              <a:buFont typeface="Wingdings" panose="05000000000000000000" pitchFamily="2" charset="2"/>
+              <a:buChar char="v"/>
+            </a:pPr>
+            <a:r>
+              <a:rPr lang="en-US" sz="2400" dirty="0">
+                <a:solidFill>
+                  <a:schemeClr val="accent2">
+                    <a:lumMod val="75000"/>
+                  </a:schemeClr>
+                </a:solidFill>
+              </a:rPr>
+              <a:t>One </a:t>
+            </a:r>
+            <a:r>
+              <a:rPr lang="en-US" sz="2400" b="1" dirty="0">
+                <a:solidFill>
+                  <a:schemeClr val="accent2">
+                    <a:lumMod val="75000"/>
+                  </a:schemeClr>
+                </a:solidFill>
+              </a:rPr>
+              <a:t>Event</a:t>
+            </a:r>
+            <a:r>
+              <a:rPr lang="en-US" sz="2400" dirty="0">
+                <a:solidFill>
+                  <a:schemeClr val="accent2">
+                    <a:lumMod val="75000"/>
+                  </a:schemeClr>
+                </a:solidFill>
+              </a:rPr>
+              <a:t> belongs to one </a:t>
+            </a:r>
+            <a:r>
+              <a:rPr lang="en-US" sz="2400" b="1" dirty="0">
+                <a:solidFill>
+                  <a:schemeClr val="accent2">
+                    <a:lumMod val="75000"/>
+                  </a:schemeClr>
+                </a:solidFill>
+              </a:rPr>
+              <a:t>Event Type</a:t>
+            </a:r>
+            <a:r>
+              <a:rPr lang="en-US" sz="2400" dirty="0">
+                <a:solidFill>
+                  <a:schemeClr val="accent2">
+                    <a:lumMod val="75000"/>
+                  </a:schemeClr>
+                </a:solidFill>
+              </a:rPr>
+              <a:t> (e.g., Movie, Music Festival, Convention).</a:t>
+            </a:r>
+            <a:endParaRPr lang="en-US" sz="2400" dirty="0">
+              <a:solidFill>
+                <a:schemeClr val="accent2">
+                  <a:lumMod val="75000"/>
+                </a:schemeClr>
+              </a:solidFill>
+            </a:endParaRPr>
+          </a:p>
+          <a:p>
+            <a:pPr marL="342900" indent="-342900" fontAlgn="base">
+              <a:buFont typeface="Wingdings" panose="05000000000000000000" pitchFamily="2" charset="2"/>
+              <a:buChar char="v"/>
+            </a:pPr>
+            <a:r>
+              <a:rPr lang="en-US" sz="2400" dirty="0">
+                <a:solidFill>
+                  <a:schemeClr val="accent2">
+                    <a:lumMod val="75000"/>
+                  </a:schemeClr>
+                </a:solidFill>
+              </a:rPr>
+              <a:t>Multiple </a:t>
+            </a:r>
+            <a:r>
+              <a:rPr lang="en-US" sz="2400" b="1" dirty="0">
+                <a:solidFill>
+                  <a:schemeClr val="accent2">
+                    <a:lumMod val="75000"/>
+                  </a:schemeClr>
+                </a:solidFill>
+              </a:rPr>
+              <a:t>Events</a:t>
+            </a:r>
+            <a:r>
+              <a:rPr lang="en-US" sz="2400" dirty="0">
+                <a:solidFill>
+                  <a:schemeClr val="accent2">
+                    <a:lumMod val="75000"/>
+                  </a:schemeClr>
+                </a:solidFill>
+              </a:rPr>
+              <a:t> can be managed by multiple </a:t>
+            </a:r>
+            <a:r>
+              <a:rPr lang="en-US" sz="2400" b="1" dirty="0">
+                <a:solidFill>
+                  <a:schemeClr val="accent2">
+                    <a:lumMod val="75000"/>
+                  </a:schemeClr>
+                </a:solidFill>
+              </a:rPr>
+              <a:t>Admins</a:t>
+            </a:r>
+            <a:r>
+              <a:rPr lang="en-US" sz="2400" dirty="0">
+                <a:solidFill>
+                  <a:schemeClr val="accent2">
+                    <a:lumMod val="75000"/>
+                  </a:schemeClr>
+                </a:solidFill>
+              </a:rPr>
+              <a:t>.</a:t>
+            </a:r>
+            <a:endParaRPr lang="en-US" sz="2400" dirty="0">
+              <a:solidFill>
+                <a:schemeClr val="accent2">
+                  <a:lumMod val="75000"/>
+                </a:schemeClr>
+              </a:solidFill>
+            </a:endParaRPr>
+          </a:p>
+          <a:p>
+            <a:pPr marL="342900" indent="-342900" fontAlgn="base">
+              <a:buFont typeface="Wingdings" panose="05000000000000000000" pitchFamily="2" charset="2"/>
+              <a:buChar char="v"/>
+            </a:pPr>
+            <a:r>
+              <a:rPr lang="en-US" sz="2400" dirty="0">
+                <a:solidFill>
+                  <a:schemeClr val="accent2">
+                    <a:lumMod val="75000"/>
+                  </a:schemeClr>
+                </a:solidFill>
+              </a:rPr>
+              <a:t>One </a:t>
+            </a:r>
+            <a:r>
+              <a:rPr lang="en-US" sz="2400" b="1" dirty="0">
+                <a:solidFill>
+                  <a:schemeClr val="accent2">
+                    <a:lumMod val="75000"/>
+                  </a:schemeClr>
+                </a:solidFill>
+              </a:rPr>
+              <a:t>Payment</a:t>
+            </a:r>
+            <a:r>
+              <a:rPr lang="en-US" sz="2400" dirty="0">
+                <a:solidFill>
+                  <a:schemeClr val="accent2">
+                    <a:lumMod val="75000"/>
+                  </a:schemeClr>
+                </a:solidFill>
+              </a:rPr>
+              <a:t> is associated with one </a:t>
+            </a:r>
+            <a:r>
+              <a:rPr lang="en-US" sz="2400" b="1" dirty="0">
+                <a:solidFill>
+                  <a:schemeClr val="accent2">
+                    <a:lumMod val="75000"/>
+                  </a:schemeClr>
+                </a:solidFill>
+              </a:rPr>
+              <a:t>Ticket</a:t>
+            </a:r>
+            <a:r>
+              <a:rPr lang="en-US" sz="2400" dirty="0">
+                <a:solidFill>
+                  <a:schemeClr val="accent2">
+                    <a:lumMod val="75000"/>
+                  </a:schemeClr>
+                </a:solidFill>
+              </a:rPr>
+              <a:t>.</a:t>
+            </a:r>
+            <a:endParaRPr lang="en-US" sz="2400" dirty="0">
+              <a:solidFill>
+                <a:schemeClr val="accent2">
+                  <a:lumMod val="75000"/>
+                </a:schemeClr>
+              </a:solidFill>
+            </a:endParaRPr>
+          </a:p>
+          <a:p>
+            <a:pPr marL="342900" indent="-342900">
+              <a:buFont typeface="Wingdings" panose="05000000000000000000" pitchFamily="2" charset="2"/>
+              <a:buChar char="v"/>
+            </a:pPr>
+            <a:br>
+              <a:rPr lang="en-US" sz="2400" dirty="0">
+                <a:solidFill>
+                  <a:schemeClr val="accent2">
+                    <a:lumMod val="75000"/>
+                  </a:schemeClr>
+                </a:solidFill>
+              </a:rPr>
+            </a:br>
+            <a:endParaRPr lang="en-US" sz="2400" dirty="0">
+              <a:solidFill>
+                <a:schemeClr val="accent2">
+                  <a:lumMod val="75000"/>
+                </a:schemeClr>
+              </a:solidFill>
+            </a:endParaRPr>
           </a:p>
         </p:txBody>
       </p:sp>
     </p:spTree>
-    <p:extLst>
-      <p:ext uri="{BB962C8B-B14F-4D97-AF65-F5344CB8AC3E}">
-        <p14:creationId xmlns:p14="http://schemas.microsoft.com/office/powerpoint/2010/main" val="2155983089"/>
-      </p:ext>
-    </p:extLst>
   </p:cSld>
   <p:clrMapOvr>
     <a:masterClrMapping/>
@@ -12703,7 +12179,7 @@
     </a:clrScheme>
     <a:fontScheme name="Facet">
       <a:majorFont>
-        <a:latin typeface="Trebuchet MS" panose="020B0603020202020204"/>
+        <a:latin typeface="Trebuchet MS"/>
         <a:ea typeface=""/>
         <a:cs typeface=""/>
         <a:font script="Jpan" typeface="メイリオ"/>
@@ -12738,7 +12214,7 @@
         <a:font script="Geor" typeface="Sylfaen"/>
       </a:majorFont>
       <a:minorFont>
-        <a:latin typeface="Trebuchet MS" panose="020B0603020202020204"/>
+        <a:latin typeface="Trebuchet MS"/>
         <a:ea typeface=""/>
         <a:cs typeface=""/>
         <a:font script="Jpan" typeface="メイリオ"/>
@@ -12907,11 +12383,9 @@
       </a:bgFillStyleLst>
     </a:fmtScheme>
   </a:themeElements>
-  <a:objectDefaults/>
-  <a:extraClrSchemeLst/>
   <a:extLst>
     <a:ext uri="{05A4C25C-085E-4340-85A3-A5531E510DB2}">
-      <thm15:themeFamily xmlns:thm15="http://schemas.microsoft.com/office/thememl/2012/main" name="Facet" id="{C0C680CD-088A-49FC-A102-D699147F32B2}" vid="{CFBC31BA-B70F-4F30-BCAA-4F3011E16C4D}"/>
+      <thm15:themeFamily xmlns:thm15="http://schemas.microsoft.com/office/thememl/2012/main" name="Office Theme" id="{62F939B6-93AF-4DB8-9C6B-D6C7DFDC589F}" vid="{4A3C46E8-61CC-4603-A589-7422A47A8E4A}"/>
     </a:ext>
   </a:extLst>
 </a:theme>
@@ -12960,7 +12434,7 @@
     </a:clrScheme>
     <a:fontScheme name="Office">
       <a:majorFont>
-        <a:latin typeface="Calibri Light" panose="020F0302020204030204"/>
+        <a:latin typeface="Calibri Light"/>
         <a:ea typeface=""/>
         <a:cs typeface=""/>
         <a:font script="Jpan" typeface="游ゴシック Light"/>
@@ -12993,26 +12467,9 @@
         <a:font script="Viet" typeface="Times New Roman"/>
         <a:font script="Uigh" typeface="Microsoft Uighur"/>
         <a:font script="Geor" typeface="Sylfaen"/>
-        <a:font script="Armn" typeface="Arial"/>
-        <a:font script="Bugi" typeface="Leelawadee UI"/>
-        <a:font script="Bopo" typeface="Microsoft JhengHei"/>
-        <a:font script="Java" typeface="Javanese Text"/>
-        <a:font script="Lisu" typeface="Segoe UI"/>
-        <a:font script="Mymr" typeface="Myanmar Text"/>
-        <a:font script="Nkoo" typeface="Ebrima"/>
-        <a:font script="Olck" typeface="Nirmala UI"/>
-        <a:font script="Osma" typeface="Ebrima"/>
-        <a:font script="Phag" typeface="Phagspa"/>
-        <a:font script="Syrn" typeface="Estrangelo Edessa"/>
-        <a:font script="Syrj" typeface="Estrangelo Edessa"/>
-        <a:font script="Syre" typeface="Estrangelo Edessa"/>
-        <a:font script="Sora" typeface="Nirmala UI"/>
-        <a:font script="Tale" typeface="Microsoft Tai Le"/>
-        <a:font script="Talu" typeface="Microsoft New Tai Lue"/>
-        <a:font script="Tfng" typeface="Ebrima"/>
       </a:majorFont>
       <a:minorFont>
-        <a:latin typeface="Calibri" panose="020F0502020204030204"/>
+        <a:latin typeface="Calibri"/>
         <a:ea typeface=""/>
         <a:cs typeface=""/>
         <a:font script="Jpan" typeface="游ゴシック"/>
@@ -13045,23 +12502,6 @@
         <a:font script="Viet" typeface="Arial"/>
         <a:font script="Uigh" typeface="Microsoft Uighur"/>
         <a:font script="Geor" typeface="Sylfaen"/>
-        <a:font script="Armn" typeface="Arial"/>
-        <a:font script="Bugi" typeface="Leelawadee UI"/>
-        <a:font script="Bopo" typeface="Microsoft JhengHei"/>
-        <a:font script="Java" typeface="Javanese Text"/>
-        <a:font script="Lisu" typeface="Segoe UI"/>
-        <a:font script="Mymr" typeface="Myanmar Text"/>
-        <a:font script="Nkoo" typeface="Ebrima"/>
-        <a:font script="Olck" typeface="Nirmala UI"/>
-        <a:font script="Osma" typeface="Ebrima"/>
-        <a:font script="Phag" typeface="Phagspa"/>
-        <a:font script="Syrn" typeface="Estrangelo Edessa"/>
-        <a:font script="Syrj" typeface="Estrangelo Edessa"/>
-        <a:font script="Syre" typeface="Estrangelo Edessa"/>
-        <a:font script="Sora" typeface="Nirmala UI"/>
-        <a:font script="Tale" typeface="Microsoft Tai Le"/>
-        <a:font script="Talu" typeface="Microsoft New Tai Lue"/>
-        <a:font script="Tfng" typeface="Ebrima"/>
       </a:minorFont>
     </a:fontScheme>
     <a:fmtScheme name="Office">
@@ -13202,8 +12642,6 @@
       </a:bgFillStyleLst>
     </a:fmtScheme>
   </a:themeElements>
-  <a:objectDefaults/>
-  <a:extraClrSchemeLst/>
   <a:extLst>
     <a:ext uri="{05A4C25C-085E-4340-85A3-A5531E510DB2}">
       <thm15:themeFamily xmlns:thm15="http://schemas.microsoft.com/office/thememl/2012/main" name="Office Theme" id="{62F939B6-93AF-4DB8-9C6B-D6C7DFDC589F}" vid="{4A3C46E8-61CC-4603-A589-7422A47A8E4A}"/>
